--- a/presentation/Prezentare_Calitate_Aer.pptx
+++ b/presentation/Prezentare_Calitate_Aer.pptx
@@ -2,24 +2,24 @@
 <file path=ppt/presentation.xml><?xml version="1.0" encoding="utf-8"?>
 <p:presentation xmlns:a="http://schemas.openxmlformats.org/drawingml/2006/main" xmlns:r="http://schemas.openxmlformats.org/officeDocument/2006/relationships" xmlns:p="http://schemas.openxmlformats.org/presentationml/2006/main" saveSubsetFonts="1" autoCompressPictures="0">
   <p:sldMasterIdLst>
-    <p:sldMasterId id="2147483648" r:id="rId1"/>
+    <p:sldMasterId id="2147483660" r:id="rId1"/>
   </p:sldMasterIdLst>
   <p:sldIdLst>
-    <p:sldId id="256" r:id="rId7"/>
-    <p:sldId id="257" r:id="rId8"/>
-    <p:sldId id="258" r:id="rId9"/>
-    <p:sldId id="259" r:id="rId10"/>
-    <p:sldId id="260" r:id="rId11"/>
-    <p:sldId id="261" r:id="rId12"/>
-    <p:sldId id="262" r:id="rId13"/>
-    <p:sldId id="263" r:id="rId14"/>
-    <p:sldId id="264" r:id="rId15"/>
-    <p:sldId id="265" r:id="rId16"/>
-    <p:sldId id="266" r:id="rId17"/>
-    <p:sldId id="267" r:id="rId18"/>
-    <p:sldId id="268" r:id="rId19"/>
-    <p:sldId id="269" r:id="rId20"/>
-    <p:sldId id="270" r:id="rId21"/>
+    <p:sldId id="256" r:id="rId2"/>
+    <p:sldId id="257" r:id="rId3"/>
+    <p:sldId id="258" r:id="rId4"/>
+    <p:sldId id="259" r:id="rId5"/>
+    <p:sldId id="260" r:id="rId6"/>
+    <p:sldId id="261" r:id="rId7"/>
+    <p:sldId id="262" r:id="rId8"/>
+    <p:sldId id="263" r:id="rId9"/>
+    <p:sldId id="264" r:id="rId10"/>
+    <p:sldId id="265" r:id="rId11"/>
+    <p:sldId id="266" r:id="rId12"/>
+    <p:sldId id="267" r:id="rId13"/>
+    <p:sldId id="268" r:id="rId14"/>
+    <p:sldId id="269" r:id="rId15"/>
+    <p:sldId id="270" r:id="rId16"/>
   </p:sldIdLst>
   <p:sldSz cx="9144000" cy="6858000" type="screen4x3"/>
   <p:notesSz cx="6858000" cy="9144000"/>
@@ -118,12 +118,28 @@
       </a:defRPr>
     </a:lvl9pPr>
   </p:defaultTextStyle>
+  <p:extLst>
+    <p:ext uri="{EFAFB233-063F-42B5-8137-9DF3F51BA10A}">
+      <p15:sldGuideLst xmlns:p15="http://schemas.microsoft.com/office/powerpoint/2012/main">
+        <p15:guide id="1" orient="horz" pos="2160">
+          <p15:clr>
+            <a:srgbClr val="A4A3A4"/>
+          </p15:clr>
+        </p15:guide>
+        <p15:guide id="2" pos="2880">
+          <p15:clr>
+            <a:srgbClr val="A4A3A4"/>
+          </p15:clr>
+        </p15:guide>
+      </p15:sldGuideLst>
+    </p:ext>
+  </p:extLst>
 </p:presentation>
 </file>
 
 <file path=ppt/slideLayouts/slideLayout1.xml><?xml version="1.0" encoding="utf-8"?>
 <p:sldLayout xmlns:a="http://schemas.openxmlformats.org/drawingml/2006/main" xmlns:r="http://schemas.openxmlformats.org/officeDocument/2006/relationships" xmlns:p="http://schemas.openxmlformats.org/presentationml/2006/main" type="title" preserve="1">
-  <p:cSld name="Title Slide">
+  <p:cSld name="Diapozitiv titlu">
     <p:spTree>
       <p:nvGrpSpPr>
         <p:cNvPr id="1" name=""/>
@@ -150,19 +166,57 @@
         </p:nvSpPr>
         <p:spPr>
           <a:xfrm>
-            <a:off x="685800" y="2130425"/>
-            <a:ext cx="7772400" cy="1470025"/>
+            <a:off x="1657350" y="4464028"/>
+            <a:ext cx="6858000" cy="1194650"/>
           </a:xfrm>
         </p:spPr>
         <p:txBody>
-          <a:bodyPr/>
-          <a:lstStyle/>
-          <a:p>
-            <a:r>
-              <a:rPr lang="en-US" smtClean="0"/>
-              <a:t>Click to edit Master title style</a:t>
-            </a:r>
-            <a:endParaRPr lang="en-US"/>
+          <a:bodyPr wrap="none" anchor="t">
+            <a:normAutofit/>
+          </a:bodyPr>
+          <a:lstStyle>
+            <a:lvl1pPr algn="r">
+              <a:defRPr sz="7200" b="0" spc="-225">
+                <a:gradFill flip="none" rotWithShape="1">
+                  <a:gsLst>
+                    <a:gs pos="32000">
+                      <a:schemeClr val="tx1">
+                        <a:lumMod val="89000"/>
+                      </a:schemeClr>
+                    </a:gs>
+                    <a:gs pos="1000">
+                      <a:schemeClr val="bg1">
+                        <a:lumMod val="41000"/>
+                        <a:lumOff val="59000"/>
+                      </a:schemeClr>
+                    </a:gs>
+                    <a:gs pos="100000">
+                      <a:schemeClr val="tx2">
+                        <a:lumMod val="0"/>
+                        <a:lumOff val="100000"/>
+                      </a:schemeClr>
+                    </a:gs>
+                  </a:gsLst>
+                  <a:lin ang="8100000" scaled="1"/>
+                  <a:tileRect/>
+                </a:gradFill>
+                <a:effectLst>
+                  <a:outerShdw blurRad="469900" dist="342900" dir="5400000" sy="-20000" rotWithShape="0">
+                    <a:prstClr val="black">
+                      <a:alpha val="66000"/>
+                    </a:prstClr>
+                  </a:outerShdw>
+                </a:effectLst>
+                <a:latin typeface="+mj-lt"/>
+              </a:defRPr>
+            </a:lvl1pPr>
+          </a:lstStyle>
+          <a:p>
+            <a:r>
+              <a:rPr lang="ro-RO"/>
+              <a:t>Faceți clic pentru a edita stilul de titlu coordonator</a:t>
+            </a:r>
+            <a:endParaRPr lang="en-US" dirty="0"/>
           </a:p>
         </p:txBody>
       </p:sp>
@@ -178,116 +232,93 @@
         </p:nvSpPr>
         <p:spPr>
           <a:xfrm>
-            <a:off x="1371600" y="3886200"/>
-            <a:ext cx="6400800" cy="1752600"/>
+            <a:off x="1657349" y="3829878"/>
+            <a:ext cx="6858000" cy="618523"/>
           </a:xfrm>
         </p:spPr>
         <p:txBody>
-          <a:bodyPr/>
+          <a:bodyPr anchor="b">
+            <a:normAutofit/>
+          </a:bodyPr>
           <a:lstStyle>
-            <a:lvl1pPr marL="0" indent="0" algn="ctr">
-              <a:buNone/>
-              <a:defRPr>
-                <a:solidFill>
-                  <a:schemeClr val="tx1">
-                    <a:tint val="75000"/>
-                  </a:schemeClr>
-                </a:solidFill>
+            <a:lvl1pPr marL="0" indent="0" algn="r">
+              <a:buNone/>
+              <a:defRPr sz="2400" b="0">
+                <a:gradFill flip="none" rotWithShape="1">
+                  <a:gsLst>
+                    <a:gs pos="15000">
+                      <a:schemeClr val="tx2"/>
+                    </a:gs>
+                    <a:gs pos="73000">
+                      <a:schemeClr val="tx2">
+                        <a:lumMod val="60000"/>
+                        <a:lumOff val="40000"/>
+                      </a:schemeClr>
+                    </a:gs>
+                    <a:gs pos="0">
+                      <a:schemeClr val="tx2">
+                        <a:lumMod val="90000"/>
+                        <a:lumOff val="10000"/>
+                      </a:schemeClr>
+                    </a:gs>
+                    <a:gs pos="100000">
+                      <a:schemeClr val="tx2">
+                        <a:lumMod val="0"/>
+                        <a:lumOff val="100000"/>
+                      </a:schemeClr>
+                    </a:gs>
+                  </a:gsLst>
+                  <a:lin ang="16200000" scaled="1"/>
+                  <a:tileRect/>
+                </a:gradFill>
+                <a:latin typeface="+mj-lt"/>
               </a:defRPr>
             </a:lvl1pPr>
-            <a:lvl2pPr marL="457200" indent="0" algn="ctr">
-              <a:buNone/>
-              <a:defRPr>
-                <a:solidFill>
-                  <a:schemeClr val="tx1">
-                    <a:tint val="75000"/>
-                  </a:schemeClr>
-                </a:solidFill>
-              </a:defRPr>
+            <a:lvl2pPr marL="342900" indent="0" algn="ctr">
+              <a:buNone/>
+              <a:defRPr sz="1500"/>
             </a:lvl2pPr>
-            <a:lvl3pPr marL="914400" indent="0" algn="ctr">
-              <a:buNone/>
-              <a:defRPr>
-                <a:solidFill>
-                  <a:schemeClr val="tx1">
-                    <a:tint val="75000"/>
-                  </a:schemeClr>
-                </a:solidFill>
-              </a:defRPr>
+            <a:lvl3pPr marL="685800" indent="0" algn="ctr">
+              <a:buNone/>
+              <a:defRPr sz="1350"/>
             </a:lvl3pPr>
-            <a:lvl4pPr marL="1371600" indent="0" algn="ctr">
-              <a:buNone/>
-              <a:defRPr>
-                <a:solidFill>
-                  <a:schemeClr val="tx1">
-                    <a:tint val="75000"/>
-                  </a:schemeClr>
-                </a:solidFill>
-              </a:defRPr>
+            <a:lvl4pPr marL="1028700" indent="0" algn="ctr">
+              <a:buNone/>
+              <a:defRPr sz="1200"/>
             </a:lvl4pPr>
-            <a:lvl5pPr marL="1828800" indent="0" algn="ctr">
-              <a:buNone/>
-              <a:defRPr>
-                <a:solidFill>
-                  <a:schemeClr val="tx1">
-                    <a:tint val="75000"/>
-                  </a:schemeClr>
-                </a:solidFill>
-              </a:defRPr>
+            <a:lvl5pPr marL="1371600" indent="0" algn="ctr">
+              <a:buNone/>
+              <a:defRPr sz="1200"/>
             </a:lvl5pPr>
-            <a:lvl6pPr marL="2286000" indent="0" algn="ctr">
-              <a:buNone/>
-              <a:defRPr>
-                <a:solidFill>
-                  <a:schemeClr val="tx1">
-                    <a:tint val="75000"/>
-                  </a:schemeClr>
-                </a:solidFill>
-              </a:defRPr>
+            <a:lvl6pPr marL="1714500" indent="0" algn="ctr">
+              <a:buNone/>
+              <a:defRPr sz="1200"/>
             </a:lvl6pPr>
-            <a:lvl7pPr marL="2743200" indent="0" algn="ctr">
-              <a:buNone/>
-              <a:defRPr>
-                <a:solidFill>
-                  <a:schemeClr val="tx1">
-                    <a:tint val="75000"/>
-                  </a:schemeClr>
-                </a:solidFill>
-              </a:defRPr>
+            <a:lvl7pPr marL="2057400" indent="0" algn="ctr">
+              <a:buNone/>
+              <a:defRPr sz="1200"/>
             </a:lvl7pPr>
-            <a:lvl8pPr marL="3200400" indent="0" algn="ctr">
-              <a:buNone/>
-              <a:defRPr>
-                <a:solidFill>
-                  <a:schemeClr val="tx1">
-                    <a:tint val="75000"/>
-                  </a:schemeClr>
-                </a:solidFill>
-              </a:defRPr>
+            <a:lvl8pPr marL="2400300" indent="0" algn="ctr">
+              <a:buNone/>
+              <a:defRPr sz="1200"/>
             </a:lvl8pPr>
-            <a:lvl9pPr marL="3657600" indent="0" algn="ctr">
-              <a:buNone/>
-              <a:defRPr>
-                <a:solidFill>
-                  <a:schemeClr val="tx1">
-                    <a:tint val="75000"/>
-                  </a:schemeClr>
-                </a:solidFill>
-              </a:defRPr>
+            <a:lvl9pPr marL="2743200" indent="0" algn="ctr">
+              <a:buNone/>
+              <a:defRPr sz="1200"/>
             </a:lvl9pPr>
           </a:lstStyle>
           <a:p>
             <a:r>
-              <a:rPr lang="en-US" smtClean="0"/>
-              <a:t>Click to edit Master subtitle style</a:t>
-            </a:r>
-            <a:endParaRPr lang="en-US"/>
-          </a:p>
-        </p:txBody>
-      </p:sp>
-      <p:sp>
-        <p:nvSpPr>
-          <p:cNvPr id="4" name="Date Placeholder 3"/>
+              <a:rPr lang="ro-RO"/>
+              <a:t>Faceți clic pentru a edita stilul de subtitlu coordonator</a:t>
+            </a:r>
+            <a:endParaRPr lang="en-US" dirty="0"/>
+          </a:p>
+        </p:txBody>
+      </p:sp>
+      <p:sp>
+        <p:nvSpPr>
+          <p:cNvPr id="7" name="Date Placeholder 6"/>
           <p:cNvSpPr>
             <a:spLocks noGrp="1"/>
           </p:cNvSpPr>
@@ -302,7 +333,7 @@
           <a:p>
             <a:fld id="{5BCAD085-E8A6-8845-BD4E-CB4CCA059FC4}" type="datetimeFigureOut">
               <a:rPr lang="en-US" smtClean="0"/>
-              <a:t>1/27/13</a:t>
+              <a:t>1/16/2026</a:t>
             </a:fld>
             <a:endParaRPr lang="en-US"/>
           </a:p>
@@ -310,7 +341,7 @@
       </p:sp>
       <p:sp>
         <p:nvSpPr>
-          <p:cNvPr id="5" name="Footer Placeholder 4"/>
+          <p:cNvPr id="8" name="Footer Placeholder 7"/>
           <p:cNvSpPr>
             <a:spLocks noGrp="1"/>
           </p:cNvSpPr>
@@ -329,7 +360,7 @@
       </p:sp>
       <p:sp>
         <p:nvSpPr>
-          <p:cNvPr id="6" name="Slide Number Placeholder 5"/>
+          <p:cNvPr id="9" name="Slide Number Placeholder 8"/>
           <p:cNvSpPr>
             <a:spLocks noGrp="1"/>
           </p:cNvSpPr>
@@ -353,7 +384,7 @@
     </p:spTree>
     <p:extLst>
       <p:ext uri="{BB962C8B-B14F-4D97-AF65-F5344CB8AC3E}">
-        <p14:creationId xmlns:p14="http://schemas.microsoft.com/office/powerpoint/2010/main" val="3168075583"/>
+        <p14:creationId xmlns:p14="http://schemas.microsoft.com/office/powerpoint/2010/main" val="3194163893"/>
       </p:ext>
     </p:extLst>
   </p:cSld>
@@ -364,8 +395,8 @@
 </file>
 
 <file path=ppt/slideLayouts/slideLayout10.xml><?xml version="1.0" encoding="utf-8"?>
-<p:sldLayout xmlns:a="http://schemas.openxmlformats.org/drawingml/2006/main" xmlns:r="http://schemas.openxmlformats.org/officeDocument/2006/relationships" xmlns:p="http://schemas.openxmlformats.org/presentationml/2006/main" type="vertTx" preserve="1">
-  <p:cSld name="Title and Vertical Text">
+<p:sldLayout xmlns:a="http://schemas.openxmlformats.org/drawingml/2006/main" xmlns:r="http://schemas.openxmlformats.org/officeDocument/2006/relationships" xmlns:p="http://schemas.openxmlformats.org/presentationml/2006/main" preserve="1">
+  <p:cSld name="Imagine panoramică cu legendă">
     <p:spTree>
       <p:nvGrpSpPr>
         <p:cNvPr id="1" name=""/>
@@ -390,74 +421,185 @@
             <p:ph type="title"/>
           </p:nvPr>
         </p:nvSpPr>
-        <p:spPr/>
-        <p:txBody>
-          <a:bodyPr/>
-          <a:lstStyle/>
-          <a:p>
-            <a:r>
-              <a:rPr lang="en-US" smtClean="0"/>
-              <a:t>Click to edit Master title style</a:t>
-            </a:r>
-            <a:endParaRPr lang="en-US"/>
-          </a:p>
-        </p:txBody>
-      </p:sp>
-      <p:sp>
-        <p:nvSpPr>
-          <p:cNvPr id="3" name="Vertical Text Placeholder 2"/>
-          <p:cNvSpPr>
-            <a:spLocks noGrp="1"/>
-          </p:cNvSpPr>
-          <p:nvPr>
-            <p:ph type="body" orient="vert" idx="1"/>
-          </p:nvPr>
-        </p:nvSpPr>
-        <p:spPr/>
-        <p:txBody>
-          <a:bodyPr vert="eaVert"/>
-          <a:lstStyle/>
+        <p:spPr>
+          <a:xfrm>
+            <a:off x="629841" y="4367161"/>
+            <a:ext cx="7886700" cy="819355"/>
+          </a:xfrm>
+        </p:spPr>
+        <p:txBody>
+          <a:bodyPr anchor="b"/>
+          <a:lstStyle>
+            <a:lvl1pPr>
+              <a:defRPr sz="2400"/>
+            </a:lvl1pPr>
+          </a:lstStyle>
+          <a:p>
+            <a:r>
+              <a:rPr lang="ro-RO"/>
+              <a:t>Faceți clic pentru a edita stilul de titlu coordonator</a:t>
+            </a:r>
+            <a:endParaRPr lang="en-US" dirty="0"/>
+          </a:p>
+        </p:txBody>
+      </p:sp>
+      <p:sp>
+        <p:nvSpPr>
+          <p:cNvPr id="3" name="Picture Placeholder 2"/>
+          <p:cNvSpPr>
+            <a:spLocks noGrp="1" noChangeAspect="1"/>
+          </p:cNvSpPr>
+          <p:nvPr>
+            <p:ph type="pic" idx="1"/>
+          </p:nvPr>
+        </p:nvSpPr>
+        <p:spPr>
+          <a:xfrm>
+            <a:off x="629841" y="987426"/>
+            <a:ext cx="7886700" cy="3379735"/>
+          </a:xfrm>
+        </p:spPr>
+        <p:txBody>
+          <a:bodyPr anchor="t"/>
+          <a:lstStyle>
+            <a:lvl1pPr marL="0" indent="0">
+              <a:buNone/>
+              <a:defRPr sz="2400"/>
+            </a:lvl1pPr>
+            <a:lvl2pPr marL="342900" indent="0">
+              <a:buNone/>
+              <a:defRPr sz="2100"/>
+            </a:lvl2pPr>
+            <a:lvl3pPr marL="685800" indent="0">
+              <a:buNone/>
+              <a:defRPr sz="1800"/>
+            </a:lvl3pPr>
+            <a:lvl4pPr marL="1028700" indent="0">
+              <a:buNone/>
+              <a:defRPr sz="1500"/>
+            </a:lvl4pPr>
+            <a:lvl5pPr marL="1371600" indent="0">
+              <a:buNone/>
+              <a:defRPr sz="1500"/>
+            </a:lvl5pPr>
+            <a:lvl6pPr marL="1714500" indent="0">
+              <a:buNone/>
+              <a:defRPr sz="1500"/>
+            </a:lvl6pPr>
+            <a:lvl7pPr marL="2057400" indent="0">
+              <a:buNone/>
+              <a:defRPr sz="1500"/>
+            </a:lvl7pPr>
+            <a:lvl8pPr marL="2400300" indent="0">
+              <a:buNone/>
+              <a:defRPr sz="1500"/>
+            </a:lvl8pPr>
+            <a:lvl9pPr marL="2743200" indent="0">
+              <a:buNone/>
+              <a:defRPr sz="1500"/>
+            </a:lvl9pPr>
+          </a:lstStyle>
+          <a:p>
+            <a:r>
+              <a:rPr lang="ro-RO"/>
+              <a:t>Faceți clic pe pictogramă pentru a adăuga o imagine</a:t>
+            </a:r>
+            <a:endParaRPr lang="en-US" dirty="0"/>
+          </a:p>
+        </p:txBody>
+      </p:sp>
+      <p:sp>
+        <p:nvSpPr>
+          <p:cNvPr id="4" name="Text Placeholder 3"/>
+          <p:cNvSpPr>
+            <a:spLocks noGrp="1"/>
+          </p:cNvSpPr>
+          <p:nvPr>
+            <p:ph type="body" sz="half" idx="2"/>
+          </p:nvPr>
+        </p:nvSpPr>
+        <p:spPr>
+          <a:xfrm>
+            <a:off x="629841" y="5186516"/>
+            <a:ext cx="7885509" cy="682472"/>
+          </a:xfrm>
+        </p:spPr>
+        <p:txBody>
+          <a:bodyPr/>
+          <a:lstStyle>
+            <a:lvl1pPr marL="0" indent="0">
+              <a:buNone/>
+              <a:defRPr sz="1200">
+                <a:gradFill>
+                  <a:gsLst>
+                    <a:gs pos="15000">
+                      <a:schemeClr val="tx2"/>
+                    </a:gs>
+                    <a:gs pos="73000">
+                      <a:schemeClr val="tx2">
+                        <a:lumMod val="60000"/>
+                        <a:lumOff val="40000"/>
+                      </a:schemeClr>
+                    </a:gs>
+                    <a:gs pos="0">
+                      <a:schemeClr val="tx1"/>
+                    </a:gs>
+                    <a:gs pos="100000">
+                      <a:schemeClr val="tx2">
+                        <a:lumMod val="0"/>
+                        <a:lumOff val="100000"/>
+                      </a:schemeClr>
+                    </a:gs>
+                  </a:gsLst>
+                  <a:lin ang="16200000" scaled="1"/>
+                </a:gradFill>
+              </a:defRPr>
+            </a:lvl1pPr>
+            <a:lvl2pPr marL="342900" indent="0">
+              <a:buNone/>
+              <a:defRPr sz="1050"/>
+            </a:lvl2pPr>
+            <a:lvl3pPr marL="685800" indent="0">
+              <a:buNone/>
+              <a:defRPr sz="900"/>
+            </a:lvl3pPr>
+            <a:lvl4pPr marL="1028700" indent="0">
+              <a:buNone/>
+              <a:defRPr sz="750"/>
+            </a:lvl4pPr>
+            <a:lvl5pPr marL="1371600" indent="0">
+              <a:buNone/>
+              <a:defRPr sz="750"/>
+            </a:lvl5pPr>
+            <a:lvl6pPr marL="1714500" indent="0">
+              <a:buNone/>
+              <a:defRPr sz="750"/>
+            </a:lvl6pPr>
+            <a:lvl7pPr marL="2057400" indent="0">
+              <a:buNone/>
+              <a:defRPr sz="750"/>
+            </a:lvl7pPr>
+            <a:lvl8pPr marL="2400300" indent="0">
+              <a:buNone/>
+              <a:defRPr sz="750"/>
+            </a:lvl8pPr>
+            <a:lvl9pPr marL="2743200" indent="0">
+              <a:buNone/>
+              <a:defRPr sz="750"/>
+            </a:lvl9pPr>
+          </a:lstStyle>
           <a:p>
             <a:pPr lvl="0"/>
             <a:r>
-              <a:rPr lang="en-US" smtClean="0"/>
-              <a:t>Click to edit Master text styles</a:t>
-            </a:r>
-          </a:p>
-          <a:p>
-            <a:pPr lvl="1"/>
-            <a:r>
-              <a:rPr lang="en-US" smtClean="0"/>
-              <a:t>Second level</a:t>
-            </a:r>
-          </a:p>
-          <a:p>
-            <a:pPr lvl="2"/>
-            <a:r>
-              <a:rPr lang="en-US" smtClean="0"/>
-              <a:t>Third level</a:t>
-            </a:r>
-          </a:p>
-          <a:p>
-            <a:pPr lvl="3"/>
-            <a:r>
-              <a:rPr lang="en-US" smtClean="0"/>
-              <a:t>Fourth level</a:t>
-            </a:r>
-          </a:p>
-          <a:p>
-            <a:pPr lvl="4"/>
-            <a:r>
-              <a:rPr lang="en-US" smtClean="0"/>
-              <a:t>Fifth level</a:t>
-            </a:r>
-            <a:endParaRPr lang="en-US"/>
-          </a:p>
-        </p:txBody>
-      </p:sp>
-      <p:sp>
-        <p:nvSpPr>
-          <p:cNvPr id="4" name="Date Placeholder 3"/>
+              <a:rPr lang="ro-RO"/>
+              <a:t>Faceţi clic pentru a edita Master stiluri text</a:t>
+            </a:r>
+          </a:p>
+        </p:txBody>
+      </p:sp>
+      <p:sp>
+        <p:nvSpPr>
+          <p:cNvPr id="5" name="Date Placeholder 4"/>
           <p:cNvSpPr>
             <a:spLocks noGrp="1"/>
           </p:cNvSpPr>
@@ -472,7 +614,7 @@
           <a:p>
             <a:fld id="{5BCAD085-E8A6-8845-BD4E-CB4CCA059FC4}" type="datetimeFigureOut">
               <a:rPr lang="en-US" smtClean="0"/>
-              <a:t>1/27/13</a:t>
+              <a:t>1/16/2026</a:t>
             </a:fld>
             <a:endParaRPr lang="en-US"/>
           </a:p>
@@ -480,7 +622,7 @@
       </p:sp>
       <p:sp>
         <p:nvSpPr>
-          <p:cNvPr id="5" name="Footer Placeholder 4"/>
+          <p:cNvPr id="6" name="Footer Placeholder 5"/>
           <p:cNvSpPr>
             <a:spLocks noGrp="1"/>
           </p:cNvSpPr>
@@ -499,7 +641,7 @@
       </p:sp>
       <p:sp>
         <p:nvSpPr>
-          <p:cNvPr id="6" name="Slide Number Placeholder 5"/>
+          <p:cNvPr id="7" name="Slide Number Placeholder 6"/>
           <p:cNvSpPr>
             <a:spLocks noGrp="1"/>
           </p:cNvSpPr>
@@ -523,7 +665,7 @@
     </p:spTree>
     <p:extLst>
       <p:ext uri="{BB962C8B-B14F-4D97-AF65-F5344CB8AC3E}">
-        <p14:creationId xmlns:p14="http://schemas.microsoft.com/office/powerpoint/2010/main" val="2910927964"/>
+        <p14:creationId xmlns:p14="http://schemas.microsoft.com/office/powerpoint/2010/main" val="530803719"/>
       </p:ext>
     </p:extLst>
   </p:cSld>
@@ -534,8 +676,8 @@
 </file>
 
 <file path=ppt/slideLayouts/slideLayout11.xml><?xml version="1.0" encoding="utf-8"?>
-<p:sldLayout xmlns:a="http://schemas.openxmlformats.org/drawingml/2006/main" xmlns:r="http://schemas.openxmlformats.org/officeDocument/2006/relationships" xmlns:p="http://schemas.openxmlformats.org/presentationml/2006/main" type="vertTitleAndTx" preserve="1">
-  <p:cSld name="Vertical Title and Text">
+<p:sldLayout xmlns:a="http://schemas.openxmlformats.org/drawingml/2006/main" xmlns:r="http://schemas.openxmlformats.org/officeDocument/2006/relationships" xmlns:p="http://schemas.openxmlformats.org/presentationml/2006/main" preserve="1">
+  <p:cSld name="Titlu și legendă">
     <p:spTree>
       <p:nvGrpSpPr>
         <p:cNvPr id="1" name=""/>
@@ -552,92 +694,104 @@
       </p:grpSpPr>
       <p:sp>
         <p:nvSpPr>
-          <p:cNvPr id="2" name="Vertical Title 1"/>
-          <p:cNvSpPr>
-            <a:spLocks noGrp="1"/>
-          </p:cNvSpPr>
-          <p:nvPr>
-            <p:ph type="title" orient="vert"/>
+          <p:cNvPr id="2" name="Title 1"/>
+          <p:cNvSpPr>
+            <a:spLocks noGrp="1"/>
+          </p:cNvSpPr>
+          <p:nvPr>
+            <p:ph type="title"/>
           </p:nvPr>
         </p:nvSpPr>
         <p:spPr>
           <a:xfrm>
-            <a:off x="6629400" y="274638"/>
-            <a:ext cx="2057400" cy="5851525"/>
+            <a:off x="629841" y="365125"/>
+            <a:ext cx="7886700" cy="3534344"/>
           </a:xfrm>
         </p:spPr>
         <p:txBody>
-          <a:bodyPr vert="eaVert"/>
-          <a:lstStyle/>
-          <a:p>
-            <a:r>
-              <a:rPr lang="en-US" smtClean="0"/>
-              <a:t>Click to edit Master title style</a:t>
-            </a:r>
-            <a:endParaRPr lang="en-US"/>
-          </a:p>
-        </p:txBody>
-      </p:sp>
-      <p:sp>
-        <p:nvSpPr>
-          <p:cNvPr id="3" name="Vertical Text Placeholder 2"/>
-          <p:cNvSpPr>
-            <a:spLocks noGrp="1"/>
-          </p:cNvSpPr>
-          <p:nvPr>
-            <p:ph type="body" orient="vert" idx="1"/>
+          <a:bodyPr anchor="ctr"/>
+          <a:lstStyle>
+            <a:lvl1pPr>
+              <a:defRPr sz="2400"/>
+            </a:lvl1pPr>
+          </a:lstStyle>
+          <a:p>
+            <a:r>
+              <a:rPr lang="ro-RO"/>
+              <a:t>Faceți clic pentru a edita stilul de titlu coordonator</a:t>
+            </a:r>
+            <a:endParaRPr lang="en-US" dirty="0"/>
+          </a:p>
+        </p:txBody>
+      </p:sp>
+      <p:sp>
+        <p:nvSpPr>
+          <p:cNvPr id="4" name="Text Placeholder 3"/>
+          <p:cNvSpPr>
+            <a:spLocks noGrp="1"/>
+          </p:cNvSpPr>
+          <p:nvPr>
+            <p:ph type="body" sz="half" idx="2"/>
           </p:nvPr>
         </p:nvSpPr>
         <p:spPr>
           <a:xfrm>
-            <a:off x="457200" y="274638"/>
-            <a:ext cx="6019800" cy="5851525"/>
+            <a:off x="629841" y="4489399"/>
+            <a:ext cx="7885509" cy="1501826"/>
           </a:xfrm>
         </p:spPr>
         <p:txBody>
-          <a:bodyPr vert="eaVert"/>
-          <a:lstStyle/>
+          <a:bodyPr anchor="ctr"/>
+          <a:lstStyle>
+            <a:lvl1pPr marL="0" indent="0">
+              <a:buNone/>
+              <a:defRPr sz="1200"/>
+            </a:lvl1pPr>
+            <a:lvl2pPr marL="342900" indent="0">
+              <a:buNone/>
+              <a:defRPr sz="1050"/>
+            </a:lvl2pPr>
+            <a:lvl3pPr marL="685800" indent="0">
+              <a:buNone/>
+              <a:defRPr sz="900"/>
+            </a:lvl3pPr>
+            <a:lvl4pPr marL="1028700" indent="0">
+              <a:buNone/>
+              <a:defRPr sz="750"/>
+            </a:lvl4pPr>
+            <a:lvl5pPr marL="1371600" indent="0">
+              <a:buNone/>
+              <a:defRPr sz="750"/>
+            </a:lvl5pPr>
+            <a:lvl6pPr marL="1714500" indent="0">
+              <a:buNone/>
+              <a:defRPr sz="750"/>
+            </a:lvl6pPr>
+            <a:lvl7pPr marL="2057400" indent="0">
+              <a:buNone/>
+              <a:defRPr sz="750"/>
+            </a:lvl7pPr>
+            <a:lvl8pPr marL="2400300" indent="0">
+              <a:buNone/>
+              <a:defRPr sz="750"/>
+            </a:lvl8pPr>
+            <a:lvl9pPr marL="2743200" indent="0">
+              <a:buNone/>
+              <a:defRPr sz="750"/>
+            </a:lvl9pPr>
+          </a:lstStyle>
           <a:p>
             <a:pPr lvl="0"/>
             <a:r>
-              <a:rPr lang="en-US" smtClean="0"/>
-              <a:t>Click to edit Master text styles</a:t>
-            </a:r>
-          </a:p>
-          <a:p>
-            <a:pPr lvl="1"/>
-            <a:r>
-              <a:rPr lang="en-US" smtClean="0"/>
-              <a:t>Second level</a:t>
-            </a:r>
-          </a:p>
-          <a:p>
-            <a:pPr lvl="2"/>
-            <a:r>
-              <a:rPr lang="en-US" smtClean="0"/>
-              <a:t>Third level</a:t>
-            </a:r>
-          </a:p>
-          <a:p>
-            <a:pPr lvl="3"/>
-            <a:r>
-              <a:rPr lang="en-US" smtClean="0"/>
-              <a:t>Fourth level</a:t>
-            </a:r>
-          </a:p>
-          <a:p>
-            <a:pPr lvl="4"/>
-            <a:r>
-              <a:rPr lang="en-US" smtClean="0"/>
-              <a:t>Fifth level</a:t>
-            </a:r>
-            <a:endParaRPr lang="en-US"/>
-          </a:p>
-        </p:txBody>
-      </p:sp>
-      <p:sp>
-        <p:nvSpPr>
-          <p:cNvPr id="4" name="Date Placeholder 3"/>
+              <a:rPr lang="ro-RO"/>
+              <a:t>Faceţi clic pentru a edita Master stiluri text</a:t>
+            </a:r>
+          </a:p>
+        </p:txBody>
+      </p:sp>
+      <p:sp>
+        <p:nvSpPr>
+          <p:cNvPr id="5" name="Date Placeholder 4"/>
           <p:cNvSpPr>
             <a:spLocks noGrp="1"/>
           </p:cNvSpPr>
@@ -652,7 +806,7 @@
           <a:p>
             <a:fld id="{5BCAD085-E8A6-8845-BD4E-CB4CCA059FC4}" type="datetimeFigureOut">
               <a:rPr lang="en-US" smtClean="0"/>
-              <a:t>1/27/13</a:t>
+              <a:t>1/16/2026</a:t>
             </a:fld>
             <a:endParaRPr lang="en-US"/>
           </a:p>
@@ -660,7 +814,7 @@
       </p:sp>
       <p:sp>
         <p:nvSpPr>
-          <p:cNvPr id="5" name="Footer Placeholder 4"/>
+          <p:cNvPr id="6" name="Footer Placeholder 5"/>
           <p:cNvSpPr>
             <a:spLocks noGrp="1"/>
           </p:cNvSpPr>
@@ -679,7 +833,7 @@
       </p:sp>
       <p:sp>
         <p:nvSpPr>
-          <p:cNvPr id="6" name="Slide Number Placeholder 5"/>
+          <p:cNvPr id="7" name="Slide Number Placeholder 6"/>
           <p:cNvSpPr>
             <a:spLocks noGrp="1"/>
           </p:cNvSpPr>
@@ -703,7 +857,7 @@
     </p:spTree>
     <p:extLst>
       <p:ext uri="{BB962C8B-B14F-4D97-AF65-F5344CB8AC3E}">
-        <p14:creationId xmlns:p14="http://schemas.microsoft.com/office/powerpoint/2010/main" val="3612223792"/>
+        <p14:creationId xmlns:p14="http://schemas.microsoft.com/office/powerpoint/2010/main" val="4067390343"/>
       </p:ext>
     </p:extLst>
   </p:cSld>
@@ -713,9 +867,9 @@
 </p:sldLayout>
 </file>
 
-<file path=ppt/slideLayouts/slideLayout2.xml><?xml version="1.0" encoding="utf-8"?>
-<p:sldLayout xmlns:a="http://schemas.openxmlformats.org/drawingml/2006/main" xmlns:r="http://schemas.openxmlformats.org/officeDocument/2006/relationships" xmlns:p="http://schemas.openxmlformats.org/presentationml/2006/main" type="obj" preserve="1">
-  <p:cSld name="Title and Content">
+<file path=ppt/slideLayouts/slideLayout12.xml><?xml version="1.0" encoding="utf-8"?>
+<p:sldLayout xmlns:a="http://schemas.openxmlformats.org/drawingml/2006/main" xmlns:r="http://schemas.openxmlformats.org/officeDocument/2006/relationships" xmlns:p="http://schemas.openxmlformats.org/presentationml/2006/main" preserve="1">
+  <p:cSld name="Citat cu legendă">
     <p:spTree>
       <p:nvGrpSpPr>
         <p:cNvPr id="1" name=""/>
@@ -740,74 +894,165 @@
             <p:ph type="title"/>
           </p:nvPr>
         </p:nvSpPr>
-        <p:spPr/>
-        <p:txBody>
-          <a:bodyPr/>
-          <a:lstStyle/>
-          <a:p>
-            <a:r>
-              <a:rPr lang="en-US" smtClean="0"/>
-              <a:t>Click to edit Master title style</a:t>
-            </a:r>
-            <a:endParaRPr lang="en-US"/>
-          </a:p>
-        </p:txBody>
-      </p:sp>
-      <p:sp>
-        <p:nvSpPr>
-          <p:cNvPr id="3" name="Content Placeholder 2"/>
-          <p:cNvSpPr>
-            <a:spLocks noGrp="1"/>
-          </p:cNvSpPr>
-          <p:nvPr>
-            <p:ph idx="1"/>
-          </p:nvPr>
-        </p:nvSpPr>
-        <p:spPr/>
-        <p:txBody>
-          <a:bodyPr/>
-          <a:lstStyle/>
+        <p:spPr>
+          <a:xfrm>
+            <a:off x="1084659" y="365125"/>
+            <a:ext cx="6977064" cy="2992904"/>
+          </a:xfrm>
+        </p:spPr>
+        <p:txBody>
+          <a:bodyPr anchor="ctr"/>
+          <a:lstStyle>
+            <a:lvl1pPr>
+              <a:defRPr sz="3300"/>
+            </a:lvl1pPr>
+          </a:lstStyle>
+          <a:p>
+            <a:r>
+              <a:rPr lang="ro-RO"/>
+              <a:t>Faceți clic pentru a edita stilul de titlu coordonator</a:t>
+            </a:r>
+            <a:endParaRPr lang="en-US" dirty="0"/>
+          </a:p>
+        </p:txBody>
+      </p:sp>
+      <p:sp>
+        <p:nvSpPr>
+          <p:cNvPr id="12" name="Text Placeholder 3"/>
+          <p:cNvSpPr>
+            <a:spLocks noGrp="1"/>
+          </p:cNvSpPr>
+          <p:nvPr>
+            <p:ph type="body" sz="half" idx="13"/>
+          </p:nvPr>
+        </p:nvSpPr>
+        <p:spPr>
+          <a:xfrm>
+            <a:off x="1290484" y="3365557"/>
+            <a:ext cx="6564224" cy="548968"/>
+          </a:xfrm>
+        </p:spPr>
+        <p:txBody>
+          <a:bodyPr anchor="t">
+            <a:normAutofit/>
+          </a:bodyPr>
+          <a:lstStyle>
+            <a:lvl1pPr marL="0" indent="0">
+              <a:buNone/>
+              <a:defRPr sz="1050"/>
+            </a:lvl1pPr>
+            <a:lvl2pPr marL="342900" indent="0">
+              <a:buNone/>
+              <a:defRPr sz="1050"/>
+            </a:lvl2pPr>
+            <a:lvl3pPr marL="685800" indent="0">
+              <a:buNone/>
+              <a:defRPr sz="900"/>
+            </a:lvl3pPr>
+            <a:lvl4pPr marL="1028700" indent="0">
+              <a:buNone/>
+              <a:defRPr sz="750"/>
+            </a:lvl4pPr>
+            <a:lvl5pPr marL="1371600" indent="0">
+              <a:buNone/>
+              <a:defRPr sz="750"/>
+            </a:lvl5pPr>
+            <a:lvl6pPr marL="1714500" indent="0">
+              <a:buNone/>
+              <a:defRPr sz="750"/>
+            </a:lvl6pPr>
+            <a:lvl7pPr marL="2057400" indent="0">
+              <a:buNone/>
+              <a:defRPr sz="750"/>
+            </a:lvl7pPr>
+            <a:lvl8pPr marL="2400300" indent="0">
+              <a:buNone/>
+              <a:defRPr sz="750"/>
+            </a:lvl8pPr>
+            <a:lvl9pPr marL="2743200" indent="0">
+              <a:buNone/>
+              <a:defRPr sz="750"/>
+            </a:lvl9pPr>
+          </a:lstStyle>
           <a:p>
             <a:pPr lvl="0"/>
             <a:r>
-              <a:rPr lang="en-US" smtClean="0"/>
-              <a:t>Click to edit Master text styles</a:t>
-            </a:r>
-          </a:p>
-          <a:p>
-            <a:pPr lvl="1"/>
-            <a:r>
-              <a:rPr lang="en-US" smtClean="0"/>
-              <a:t>Second level</a:t>
-            </a:r>
-          </a:p>
-          <a:p>
-            <a:pPr lvl="2"/>
-            <a:r>
-              <a:rPr lang="en-US" smtClean="0"/>
-              <a:t>Third level</a:t>
-            </a:r>
-          </a:p>
-          <a:p>
-            <a:pPr lvl="3"/>
-            <a:r>
-              <a:rPr lang="en-US" smtClean="0"/>
-              <a:t>Fourth level</a:t>
-            </a:r>
-          </a:p>
-          <a:p>
-            <a:pPr lvl="4"/>
-            <a:r>
-              <a:rPr lang="en-US" smtClean="0"/>
-              <a:t>Fifth level</a:t>
-            </a:r>
-            <a:endParaRPr lang="en-US"/>
-          </a:p>
-        </p:txBody>
-      </p:sp>
-      <p:sp>
-        <p:nvSpPr>
-          <p:cNvPr id="4" name="Date Placeholder 3"/>
+              <a:rPr lang="ro-RO"/>
+              <a:t>Faceţi clic pentru a edita Master stiluri text</a:t>
+            </a:r>
+          </a:p>
+        </p:txBody>
+      </p:sp>
+      <p:sp>
+        <p:nvSpPr>
+          <p:cNvPr id="4" name="Text Placeholder 3"/>
+          <p:cNvSpPr>
+            <a:spLocks noGrp="1"/>
+          </p:cNvSpPr>
+          <p:nvPr>
+            <p:ph type="body" sz="half" idx="2"/>
+          </p:nvPr>
+        </p:nvSpPr>
+        <p:spPr>
+          <a:xfrm>
+            <a:off x="628650" y="4501729"/>
+            <a:ext cx="7884318" cy="1489496"/>
+          </a:xfrm>
+        </p:spPr>
+        <p:txBody>
+          <a:bodyPr anchor="ctr">
+            <a:normAutofit/>
+          </a:bodyPr>
+          <a:lstStyle>
+            <a:lvl1pPr marL="0" indent="0">
+              <a:buNone/>
+              <a:defRPr sz="1200"/>
+            </a:lvl1pPr>
+            <a:lvl2pPr marL="342900" indent="0">
+              <a:buNone/>
+              <a:defRPr sz="1050"/>
+            </a:lvl2pPr>
+            <a:lvl3pPr marL="685800" indent="0">
+              <a:buNone/>
+              <a:defRPr sz="900"/>
+            </a:lvl3pPr>
+            <a:lvl4pPr marL="1028700" indent="0">
+              <a:buNone/>
+              <a:defRPr sz="750"/>
+            </a:lvl4pPr>
+            <a:lvl5pPr marL="1371600" indent="0">
+              <a:buNone/>
+              <a:defRPr sz="750"/>
+            </a:lvl5pPr>
+            <a:lvl6pPr marL="1714500" indent="0">
+              <a:buNone/>
+              <a:defRPr sz="750"/>
+            </a:lvl6pPr>
+            <a:lvl7pPr marL="2057400" indent="0">
+              <a:buNone/>
+              <a:defRPr sz="750"/>
+            </a:lvl7pPr>
+            <a:lvl8pPr marL="2400300" indent="0">
+              <a:buNone/>
+              <a:defRPr sz="750"/>
+            </a:lvl8pPr>
+            <a:lvl9pPr marL="2743200" indent="0">
+              <a:buNone/>
+              <a:defRPr sz="750"/>
+            </a:lvl9pPr>
+          </a:lstStyle>
+          <a:p>
+            <a:pPr lvl="0"/>
+            <a:r>
+              <a:rPr lang="ro-RO"/>
+              <a:t>Faceţi clic pentru a edita Master stiluri text</a:t>
+            </a:r>
+          </a:p>
+        </p:txBody>
+      </p:sp>
+      <p:sp>
+        <p:nvSpPr>
+          <p:cNvPr id="5" name="Date Placeholder 4"/>
           <p:cNvSpPr>
             <a:spLocks noGrp="1"/>
           </p:cNvSpPr>
@@ -822,7 +1067,7 @@
           <a:p>
             <a:fld id="{5BCAD085-E8A6-8845-BD4E-CB4CCA059FC4}" type="datetimeFigureOut">
               <a:rPr lang="en-US" smtClean="0"/>
-              <a:t>1/27/13</a:t>
+              <a:t>1/16/2026</a:t>
             </a:fld>
             <a:endParaRPr lang="en-US"/>
           </a:p>
@@ -830,7 +1075,7 @@
       </p:sp>
       <p:sp>
         <p:nvSpPr>
-          <p:cNvPr id="5" name="Footer Placeholder 4"/>
+          <p:cNvPr id="6" name="Footer Placeholder 5"/>
           <p:cNvSpPr>
             <a:spLocks noGrp="1"/>
           </p:cNvSpPr>
@@ -849,7 +1094,7 @@
       </p:sp>
       <p:sp>
         <p:nvSpPr>
-          <p:cNvPr id="6" name="Slide Number Placeholder 5"/>
+          <p:cNvPr id="7" name="Slide Number Placeholder 6"/>
           <p:cNvSpPr>
             <a:spLocks noGrp="1"/>
           </p:cNvSpPr>
@@ -870,10 +1115,242 @@
           </a:p>
         </p:txBody>
       </p:sp>
+      <p:sp>
+        <p:nvSpPr>
+          <p:cNvPr id="9" name="TextBox 8"/>
+          <p:cNvSpPr txBox="1"/>
+          <p:nvPr/>
+        </p:nvSpPr>
+        <p:spPr>
+          <a:xfrm>
+            <a:off x="833283" y="786824"/>
+            <a:ext cx="457200" cy="584776"/>
+          </a:xfrm>
+          <a:prstGeom prst="rect">
+            <a:avLst/>
+          </a:prstGeom>
+        </p:spPr>
+        <p:txBody>
+          <a:bodyPr vert="horz" lIns="68580" tIns="34290" rIns="68580" bIns="34290" rtlCol="0" anchor="ctr">
+            <a:noAutofit/>
+          </a:bodyPr>
+          <a:lstStyle>
+            <a:lvl1pPr>
+              <a:spcBef>
+                <a:spcPct val="0"/>
+              </a:spcBef>
+              <a:buNone/>
+              <a:defRPr sz="3200" b="0" cap="all">
+                <a:ln w="3175" cmpd="sng">
+                  <a:noFill/>
+                </a:ln>
+                <a:effectLst>
+                  <a:glow rad="38100">
+                    <a:schemeClr val="bg1">
+                      <a:lumMod val="65000"/>
+                      <a:lumOff val="35000"/>
+                      <a:alpha val="40000"/>
+                    </a:schemeClr>
+                  </a:glow>
+                  <a:outerShdw blurRad="28575" dist="38100" dir="14040000" algn="tl" rotWithShape="0">
+                    <a:srgbClr val="000000">
+                      <a:alpha val="25000"/>
+                    </a:srgbClr>
+                  </a:outerShdw>
+                </a:effectLst>
+              </a:defRPr>
+            </a:lvl1pPr>
+            <a:lvl2pPr>
+              <a:defRPr>
+                <a:solidFill>
+                  <a:schemeClr val="tx2"/>
+                </a:solidFill>
+              </a:defRPr>
+            </a:lvl2pPr>
+            <a:lvl3pPr>
+              <a:defRPr>
+                <a:solidFill>
+                  <a:schemeClr val="tx2"/>
+                </a:solidFill>
+              </a:defRPr>
+            </a:lvl3pPr>
+            <a:lvl4pPr>
+              <a:defRPr>
+                <a:solidFill>
+                  <a:schemeClr val="tx2"/>
+                </a:solidFill>
+              </a:defRPr>
+            </a:lvl4pPr>
+            <a:lvl5pPr>
+              <a:defRPr>
+                <a:solidFill>
+                  <a:schemeClr val="tx2"/>
+                </a:solidFill>
+              </a:defRPr>
+            </a:lvl5pPr>
+            <a:lvl6pPr>
+              <a:defRPr>
+                <a:solidFill>
+                  <a:schemeClr val="tx2"/>
+                </a:solidFill>
+              </a:defRPr>
+            </a:lvl6pPr>
+            <a:lvl7pPr>
+              <a:defRPr>
+                <a:solidFill>
+                  <a:schemeClr val="tx2"/>
+                </a:solidFill>
+              </a:defRPr>
+            </a:lvl7pPr>
+            <a:lvl8pPr>
+              <a:defRPr>
+                <a:solidFill>
+                  <a:schemeClr val="tx2"/>
+                </a:solidFill>
+              </a:defRPr>
+            </a:lvl8pPr>
+            <a:lvl9pPr>
+              <a:defRPr>
+                <a:solidFill>
+                  <a:schemeClr val="tx2"/>
+                </a:solidFill>
+              </a:defRPr>
+            </a:lvl9pPr>
+          </a:lstStyle>
+          <a:p>
+            <a:pPr lvl="0"/>
+            <a:r>
+              <a:rPr lang="en-US" sz="6000" dirty="0">
+                <a:solidFill>
+                  <a:schemeClr val="tx1"/>
+                </a:solidFill>
+                <a:effectLst/>
+              </a:rPr>
+              <a:t>“</a:t>
+            </a:r>
+          </a:p>
+        </p:txBody>
+      </p:sp>
+      <p:sp>
+        <p:nvSpPr>
+          <p:cNvPr id="10" name="TextBox 9"/>
+          <p:cNvSpPr txBox="1"/>
+          <p:nvPr/>
+        </p:nvSpPr>
+        <p:spPr>
+          <a:xfrm>
+            <a:off x="7828359" y="2743200"/>
+            <a:ext cx="457200" cy="584776"/>
+          </a:xfrm>
+          <a:prstGeom prst="rect">
+            <a:avLst/>
+          </a:prstGeom>
+        </p:spPr>
+        <p:txBody>
+          <a:bodyPr vert="horz" lIns="68580" tIns="34290" rIns="68580" bIns="34290" rtlCol="0" anchor="ctr">
+            <a:noAutofit/>
+          </a:bodyPr>
+          <a:lstStyle>
+            <a:lvl1pPr>
+              <a:spcBef>
+                <a:spcPct val="0"/>
+              </a:spcBef>
+              <a:buNone/>
+              <a:defRPr sz="3200" b="0" cap="all">
+                <a:ln w="3175" cmpd="sng">
+                  <a:noFill/>
+                </a:ln>
+                <a:effectLst>
+                  <a:glow rad="38100">
+                    <a:schemeClr val="bg1">
+                      <a:lumMod val="65000"/>
+                      <a:lumOff val="35000"/>
+                      <a:alpha val="40000"/>
+                    </a:schemeClr>
+                  </a:glow>
+                  <a:outerShdw blurRad="28575" dist="38100" dir="14040000" algn="tl" rotWithShape="0">
+                    <a:srgbClr val="000000">
+                      <a:alpha val="25000"/>
+                    </a:srgbClr>
+                  </a:outerShdw>
+                </a:effectLst>
+              </a:defRPr>
+            </a:lvl1pPr>
+            <a:lvl2pPr>
+              <a:defRPr>
+                <a:solidFill>
+                  <a:schemeClr val="tx2"/>
+                </a:solidFill>
+              </a:defRPr>
+            </a:lvl2pPr>
+            <a:lvl3pPr>
+              <a:defRPr>
+                <a:solidFill>
+                  <a:schemeClr val="tx2"/>
+                </a:solidFill>
+              </a:defRPr>
+            </a:lvl3pPr>
+            <a:lvl4pPr>
+              <a:defRPr>
+                <a:solidFill>
+                  <a:schemeClr val="tx2"/>
+                </a:solidFill>
+              </a:defRPr>
+            </a:lvl4pPr>
+            <a:lvl5pPr>
+              <a:defRPr>
+                <a:solidFill>
+                  <a:schemeClr val="tx2"/>
+                </a:solidFill>
+              </a:defRPr>
+            </a:lvl5pPr>
+            <a:lvl6pPr>
+              <a:defRPr>
+                <a:solidFill>
+                  <a:schemeClr val="tx2"/>
+                </a:solidFill>
+              </a:defRPr>
+            </a:lvl6pPr>
+            <a:lvl7pPr>
+              <a:defRPr>
+                <a:solidFill>
+                  <a:schemeClr val="tx2"/>
+                </a:solidFill>
+              </a:defRPr>
+            </a:lvl7pPr>
+            <a:lvl8pPr>
+              <a:defRPr>
+                <a:solidFill>
+                  <a:schemeClr val="tx2"/>
+                </a:solidFill>
+              </a:defRPr>
+            </a:lvl8pPr>
+            <a:lvl9pPr>
+              <a:defRPr>
+                <a:solidFill>
+                  <a:schemeClr val="tx2"/>
+                </a:solidFill>
+              </a:defRPr>
+            </a:lvl9pPr>
+          </a:lstStyle>
+          <a:p>
+            <a:pPr lvl="0" algn="r"/>
+            <a:r>
+              <a:rPr lang="en-US" sz="6000" dirty="0">
+                <a:solidFill>
+                  <a:schemeClr val="tx1"/>
+                </a:solidFill>
+                <a:effectLst/>
+              </a:rPr>
+              <a:t>”</a:t>
+            </a:r>
+          </a:p>
+        </p:txBody>
+      </p:sp>
     </p:spTree>
     <p:extLst>
       <p:ext uri="{BB962C8B-B14F-4D97-AF65-F5344CB8AC3E}">
-        <p14:creationId xmlns:p14="http://schemas.microsoft.com/office/powerpoint/2010/main" val="2614314258"/>
+        <p14:creationId xmlns:p14="http://schemas.microsoft.com/office/powerpoint/2010/main" val="3623936552"/>
       </p:ext>
     </p:extLst>
   </p:cSld>
@@ -883,9 +1360,9 @@
 </p:sldLayout>
 </file>
 
-<file path=ppt/slideLayouts/slideLayout3.xml><?xml version="1.0" encoding="utf-8"?>
-<p:sldLayout xmlns:a="http://schemas.openxmlformats.org/drawingml/2006/main" xmlns:r="http://schemas.openxmlformats.org/officeDocument/2006/relationships" xmlns:p="http://schemas.openxmlformats.org/presentationml/2006/main" type="secHead" preserve="1">
-  <p:cSld name="Section Header">
+<file path=ppt/slideLayouts/slideLayout13.xml><?xml version="1.0" encoding="utf-8"?>
+<p:sldLayout xmlns:a="http://schemas.openxmlformats.org/drawingml/2006/main" xmlns:r="http://schemas.openxmlformats.org/officeDocument/2006/relationships" xmlns:p="http://schemas.openxmlformats.org/presentationml/2006/main" preserve="1">
+  <p:cSld name="Carte de vizită">
     <p:spTree>
       <p:nvGrpSpPr>
         <p:cNvPr id="1" name=""/>
@@ -912,148 +1389,96 @@
         </p:nvSpPr>
         <p:spPr>
           <a:xfrm>
-            <a:off x="722313" y="4406900"/>
-            <a:ext cx="7772400" cy="1362075"/>
+            <a:off x="629841" y="2326968"/>
+            <a:ext cx="7886700" cy="2511835"/>
           </a:xfrm>
         </p:spPr>
         <p:txBody>
+          <a:bodyPr anchor="b">
+            <a:normAutofit/>
+          </a:bodyPr>
+          <a:lstStyle>
+            <a:lvl1pPr>
+              <a:defRPr sz="4050"/>
+            </a:lvl1pPr>
+          </a:lstStyle>
+          <a:p>
+            <a:r>
+              <a:rPr lang="ro-RO"/>
+              <a:t>Faceți clic pentru a edita stilul de titlu coordonator</a:t>
+            </a:r>
+            <a:endParaRPr lang="en-US" dirty="0"/>
+          </a:p>
+        </p:txBody>
+      </p:sp>
+      <p:sp>
+        <p:nvSpPr>
+          <p:cNvPr id="4" name="Text Placeholder 3"/>
+          <p:cNvSpPr>
+            <a:spLocks noGrp="1"/>
+          </p:cNvSpPr>
+          <p:nvPr>
+            <p:ph type="body" sz="half" idx="2"/>
+          </p:nvPr>
+        </p:nvSpPr>
+        <p:spPr>
+          <a:xfrm>
+            <a:off x="629841" y="4850581"/>
+            <a:ext cx="7885509" cy="1140644"/>
+          </a:xfrm>
+        </p:spPr>
+        <p:txBody>
           <a:bodyPr anchor="t"/>
           <a:lstStyle>
-            <a:lvl1pPr algn="l">
-              <a:defRPr sz="4000" b="1" cap="all"/>
+            <a:lvl1pPr marL="0" indent="0">
+              <a:buNone/>
+              <a:defRPr sz="1200"/>
             </a:lvl1pPr>
-          </a:lstStyle>
-          <a:p>
-            <a:r>
-              <a:rPr lang="en-US" smtClean="0"/>
-              <a:t>Click to edit Master title style</a:t>
-            </a:r>
-            <a:endParaRPr lang="en-US"/>
-          </a:p>
-        </p:txBody>
-      </p:sp>
-      <p:sp>
-        <p:nvSpPr>
-          <p:cNvPr id="3" name="Text Placeholder 2"/>
-          <p:cNvSpPr>
-            <a:spLocks noGrp="1"/>
-          </p:cNvSpPr>
-          <p:nvPr>
-            <p:ph type="body" idx="1"/>
-          </p:nvPr>
-        </p:nvSpPr>
-        <p:spPr>
-          <a:xfrm>
-            <a:off x="722313" y="2906713"/>
-            <a:ext cx="7772400" cy="1500187"/>
-          </a:xfrm>
-        </p:spPr>
-        <p:txBody>
-          <a:bodyPr anchor="b"/>
-          <a:lstStyle>
-            <a:lvl1pPr marL="0" indent="0">
-              <a:buNone/>
-              <a:defRPr sz="2000">
-                <a:solidFill>
-                  <a:schemeClr val="tx1">
-                    <a:tint val="75000"/>
-                  </a:schemeClr>
-                </a:solidFill>
-              </a:defRPr>
-            </a:lvl1pPr>
-            <a:lvl2pPr marL="457200" indent="0">
-              <a:buNone/>
-              <a:defRPr sz="1800">
-                <a:solidFill>
-                  <a:schemeClr val="tx1">
-                    <a:tint val="75000"/>
-                  </a:schemeClr>
-                </a:solidFill>
-              </a:defRPr>
+            <a:lvl2pPr marL="342900" indent="0">
+              <a:buNone/>
+              <a:defRPr sz="1050"/>
             </a:lvl2pPr>
-            <a:lvl3pPr marL="914400" indent="0">
-              <a:buNone/>
-              <a:defRPr sz="1600">
-                <a:solidFill>
-                  <a:schemeClr val="tx1">
-                    <a:tint val="75000"/>
-                  </a:schemeClr>
-                </a:solidFill>
-              </a:defRPr>
+            <a:lvl3pPr marL="685800" indent="0">
+              <a:buNone/>
+              <a:defRPr sz="900"/>
             </a:lvl3pPr>
-            <a:lvl4pPr marL="1371600" indent="0">
-              <a:buNone/>
-              <a:defRPr sz="1400">
-                <a:solidFill>
-                  <a:schemeClr val="tx1">
-                    <a:tint val="75000"/>
-                  </a:schemeClr>
-                </a:solidFill>
-              </a:defRPr>
+            <a:lvl4pPr marL="1028700" indent="0">
+              <a:buNone/>
+              <a:defRPr sz="750"/>
             </a:lvl4pPr>
-            <a:lvl5pPr marL="1828800" indent="0">
-              <a:buNone/>
-              <a:defRPr sz="1400">
-                <a:solidFill>
-                  <a:schemeClr val="tx1">
-                    <a:tint val="75000"/>
-                  </a:schemeClr>
-                </a:solidFill>
-              </a:defRPr>
+            <a:lvl5pPr marL="1371600" indent="0">
+              <a:buNone/>
+              <a:defRPr sz="750"/>
             </a:lvl5pPr>
-            <a:lvl6pPr marL="2286000" indent="0">
-              <a:buNone/>
-              <a:defRPr sz="1400">
-                <a:solidFill>
-                  <a:schemeClr val="tx1">
-                    <a:tint val="75000"/>
-                  </a:schemeClr>
-                </a:solidFill>
-              </a:defRPr>
+            <a:lvl6pPr marL="1714500" indent="0">
+              <a:buNone/>
+              <a:defRPr sz="750"/>
             </a:lvl6pPr>
-            <a:lvl7pPr marL="2743200" indent="0">
-              <a:buNone/>
-              <a:defRPr sz="1400">
-                <a:solidFill>
-                  <a:schemeClr val="tx1">
-                    <a:tint val="75000"/>
-                  </a:schemeClr>
-                </a:solidFill>
-              </a:defRPr>
+            <a:lvl7pPr marL="2057400" indent="0">
+              <a:buNone/>
+              <a:defRPr sz="750"/>
             </a:lvl7pPr>
-            <a:lvl8pPr marL="3200400" indent="0">
-              <a:buNone/>
-              <a:defRPr sz="1400">
-                <a:solidFill>
-                  <a:schemeClr val="tx1">
-                    <a:tint val="75000"/>
-                  </a:schemeClr>
-                </a:solidFill>
-              </a:defRPr>
+            <a:lvl8pPr marL="2400300" indent="0">
+              <a:buNone/>
+              <a:defRPr sz="750"/>
             </a:lvl8pPr>
-            <a:lvl9pPr marL="3657600" indent="0">
-              <a:buNone/>
-              <a:defRPr sz="1400">
-                <a:solidFill>
-                  <a:schemeClr val="tx1">
-                    <a:tint val="75000"/>
-                  </a:schemeClr>
-                </a:solidFill>
-              </a:defRPr>
+            <a:lvl9pPr marL="2743200" indent="0">
+              <a:buNone/>
+              <a:defRPr sz="750"/>
             </a:lvl9pPr>
           </a:lstStyle>
           <a:p>
             <a:pPr lvl="0"/>
             <a:r>
-              <a:rPr lang="en-US" smtClean="0"/>
-              <a:t>Click to edit Master text styles</a:t>
-            </a:r>
-          </a:p>
-        </p:txBody>
-      </p:sp>
-      <p:sp>
-        <p:nvSpPr>
-          <p:cNvPr id="4" name="Date Placeholder 3"/>
+              <a:rPr lang="ro-RO"/>
+              <a:t>Faceţi clic pentru a edita Master stiluri text</a:t>
+            </a:r>
+          </a:p>
+        </p:txBody>
+      </p:sp>
+      <p:sp>
+        <p:nvSpPr>
+          <p:cNvPr id="5" name="Date Placeholder 4"/>
           <p:cNvSpPr>
             <a:spLocks noGrp="1"/>
           </p:cNvSpPr>
@@ -1068,7 +1493,7 @@
           <a:p>
             <a:fld id="{5BCAD085-E8A6-8845-BD4E-CB4CCA059FC4}" type="datetimeFigureOut">
               <a:rPr lang="en-US" smtClean="0"/>
-              <a:t>1/27/13</a:t>
+              <a:t>1/16/2026</a:t>
             </a:fld>
             <a:endParaRPr lang="en-US"/>
           </a:p>
@@ -1076,7 +1501,7 @@
       </p:sp>
       <p:sp>
         <p:nvSpPr>
-          <p:cNvPr id="5" name="Footer Placeholder 4"/>
+          <p:cNvPr id="6" name="Footer Placeholder 5"/>
           <p:cNvSpPr>
             <a:spLocks noGrp="1"/>
           </p:cNvSpPr>
@@ -1095,7 +1520,7 @@
       </p:sp>
       <p:sp>
         <p:nvSpPr>
-          <p:cNvPr id="6" name="Slide Number Placeholder 5"/>
+          <p:cNvPr id="7" name="Slide Number Placeholder 6"/>
           <p:cNvSpPr>
             <a:spLocks noGrp="1"/>
           </p:cNvSpPr>
@@ -1119,7 +1544,7 @@
     </p:spTree>
     <p:extLst>
       <p:ext uri="{BB962C8B-B14F-4D97-AF65-F5344CB8AC3E}">
-        <p14:creationId xmlns:p14="http://schemas.microsoft.com/office/powerpoint/2010/main" val="960648375"/>
+        <p14:creationId xmlns:p14="http://schemas.microsoft.com/office/powerpoint/2010/main" val="4261592928"/>
       </p:ext>
     </p:extLst>
   </p:cSld>
@@ -1129,9 +1554,9 @@
 </p:sldLayout>
 </file>
 
-<file path=ppt/slideLayouts/slideLayout4.xml><?xml version="1.0" encoding="utf-8"?>
-<p:sldLayout xmlns:a="http://schemas.openxmlformats.org/drawingml/2006/main" xmlns:r="http://schemas.openxmlformats.org/officeDocument/2006/relationships" xmlns:p="http://schemas.openxmlformats.org/presentationml/2006/main" type="twoObj" preserve="1">
-  <p:cSld name="Two Content">
+<file path=ppt/slideLayouts/slideLayout14.xml><?xml version="1.0" encoding="utf-8"?>
+<p:sldLayout xmlns:a="http://schemas.openxmlformats.org/drawingml/2006/main" xmlns:r="http://schemas.openxmlformats.org/officeDocument/2006/relationships" xmlns:p="http://schemas.openxmlformats.org/presentationml/2006/main" preserve="1">
+  <p:cSld name="3 coloane">
     <p:spTree>
       <p:nvGrpSpPr>
         <p:cNvPr id="1" name=""/>
@@ -1148,200 +1573,458 @@
       </p:grpSpPr>
       <p:sp>
         <p:nvSpPr>
-          <p:cNvPr id="2" name="Title 1"/>
+          <p:cNvPr id="15" name="Title 1"/>
           <p:cNvSpPr>
             <a:spLocks noGrp="1"/>
           </p:cNvSpPr>
           <p:nvPr>
             <p:ph type="title"/>
-          </p:nvPr>
-        </p:nvSpPr>
-        <p:spPr/>
-        <p:txBody>
-          <a:bodyPr/>
-          <a:lstStyle/>
-          <a:p>
-            <a:r>
-              <a:rPr lang="en-US" smtClean="0"/>
-              <a:t>Click to edit Master title style</a:t>
-            </a:r>
-            <a:endParaRPr lang="en-US"/>
-          </a:p>
-        </p:txBody>
-      </p:sp>
-      <p:sp>
-        <p:nvSpPr>
-          <p:cNvPr id="3" name="Content Placeholder 2"/>
-          <p:cNvSpPr>
-            <a:spLocks noGrp="1"/>
-          </p:cNvSpPr>
-          <p:nvPr>
-            <p:ph sz="half" idx="1"/>
           </p:nvPr>
         </p:nvSpPr>
         <p:spPr>
           <a:xfrm>
-            <a:off x="457200" y="1600200"/>
-            <a:ext cx="4038600" cy="4525963"/>
+            <a:off x="628650" y="365126"/>
+            <a:ext cx="7886700" cy="1325563"/>
           </a:xfrm>
         </p:spPr>
         <p:txBody>
           <a:bodyPr/>
+          <a:lstStyle/>
+          <a:p>
+            <a:r>
+              <a:rPr lang="ro-RO"/>
+              <a:t>Faceți clic pentru a edita stilul de titlu coordonator</a:t>
+            </a:r>
+            <a:endParaRPr lang="en-US" dirty="0"/>
+          </a:p>
+        </p:txBody>
+      </p:sp>
+      <p:sp>
+        <p:nvSpPr>
+          <p:cNvPr id="7" name="Text Placeholder 2"/>
+          <p:cNvSpPr>
+            <a:spLocks noGrp="1"/>
+          </p:cNvSpPr>
+          <p:nvPr>
+            <p:ph type="body" idx="1"/>
+          </p:nvPr>
+        </p:nvSpPr>
+        <p:spPr>
+          <a:xfrm>
+            <a:off x="1002961" y="1885950"/>
+            <a:ext cx="2210150" cy="576262"/>
+          </a:xfrm>
+        </p:spPr>
+        <p:txBody>
+          <a:bodyPr anchor="b">
+            <a:noAutofit/>
+          </a:bodyPr>
+          <a:lstStyle>
+            <a:lvl1pPr marL="0" indent="0">
+              <a:buNone/>
+              <a:defRPr sz="1800" b="0">
+                <a:gradFill>
+                  <a:gsLst>
+                    <a:gs pos="15000">
+                      <a:schemeClr val="tx2"/>
+                    </a:gs>
+                    <a:gs pos="73000">
+                      <a:schemeClr val="tx2">
+                        <a:lumMod val="60000"/>
+                        <a:lumOff val="40000"/>
+                      </a:schemeClr>
+                    </a:gs>
+                    <a:gs pos="0">
+                      <a:schemeClr val="tx2">
+                        <a:lumMod val="90000"/>
+                        <a:lumOff val="10000"/>
+                      </a:schemeClr>
+                    </a:gs>
+                    <a:gs pos="100000">
+                      <a:schemeClr val="tx2">
+                        <a:lumMod val="0"/>
+                        <a:lumOff val="100000"/>
+                      </a:schemeClr>
+                    </a:gs>
+                  </a:gsLst>
+                  <a:lin ang="16200000" scaled="1"/>
+                </a:gradFill>
+              </a:defRPr>
+            </a:lvl1pPr>
+            <a:lvl2pPr marL="342900" indent="0">
+              <a:buNone/>
+              <a:defRPr sz="1500" b="1"/>
+            </a:lvl2pPr>
+            <a:lvl3pPr marL="685800" indent="0">
+              <a:buNone/>
+              <a:defRPr sz="1350" b="1"/>
+            </a:lvl3pPr>
+            <a:lvl4pPr marL="1028700" indent="0">
+              <a:buNone/>
+              <a:defRPr sz="1200" b="1"/>
+            </a:lvl4pPr>
+            <a:lvl5pPr marL="1371600" indent="0">
+              <a:buNone/>
+              <a:defRPr sz="1200" b="1"/>
+            </a:lvl5pPr>
+            <a:lvl6pPr marL="1714500" indent="0">
+              <a:buNone/>
+              <a:defRPr sz="1200" b="1"/>
+            </a:lvl6pPr>
+            <a:lvl7pPr marL="2057400" indent="0">
+              <a:buNone/>
+              <a:defRPr sz="1200" b="1"/>
+            </a:lvl7pPr>
+            <a:lvl8pPr marL="2400300" indent="0">
+              <a:buNone/>
+              <a:defRPr sz="1200" b="1"/>
+            </a:lvl8pPr>
+            <a:lvl9pPr marL="2743200" indent="0">
+              <a:buNone/>
+              <a:defRPr sz="1200" b="1"/>
+            </a:lvl9pPr>
+          </a:lstStyle>
+          <a:p>
+            <a:pPr lvl="0"/>
+            <a:r>
+              <a:rPr lang="ro-RO"/>
+              <a:t>Faceţi clic pentru a edita Master stiluri text</a:t>
+            </a:r>
+          </a:p>
+        </p:txBody>
+      </p:sp>
+      <p:sp>
+        <p:nvSpPr>
+          <p:cNvPr id="8" name="Text Placeholder 3"/>
+          <p:cNvSpPr>
+            <a:spLocks noGrp="1"/>
+          </p:cNvSpPr>
+          <p:nvPr>
+            <p:ph type="body" sz="half" idx="15"/>
+          </p:nvPr>
+        </p:nvSpPr>
+        <p:spPr>
+          <a:xfrm>
+            <a:off x="1017598" y="2571750"/>
+            <a:ext cx="2195513" cy="3589338"/>
+          </a:xfrm>
+        </p:spPr>
+        <p:txBody>
+          <a:bodyPr anchor="t">
+            <a:normAutofit/>
+          </a:bodyPr>
+          <a:lstStyle>
+            <a:lvl1pPr marL="0" indent="0">
+              <a:buNone/>
+              <a:defRPr sz="1050"/>
+            </a:lvl1pPr>
+            <a:lvl2pPr marL="342900" indent="0">
+              <a:buNone/>
+              <a:defRPr sz="900"/>
+            </a:lvl2pPr>
+            <a:lvl3pPr marL="685800" indent="0">
+              <a:buNone/>
+              <a:defRPr sz="750"/>
+            </a:lvl3pPr>
+            <a:lvl4pPr marL="1028700" indent="0">
+              <a:buNone/>
+              <a:defRPr sz="675"/>
+            </a:lvl4pPr>
+            <a:lvl5pPr marL="1371600" indent="0">
+              <a:buNone/>
+              <a:defRPr sz="675"/>
+            </a:lvl5pPr>
+            <a:lvl6pPr marL="1714500" indent="0">
+              <a:buNone/>
+              <a:defRPr sz="675"/>
+            </a:lvl6pPr>
+            <a:lvl7pPr marL="2057400" indent="0">
+              <a:buNone/>
+              <a:defRPr sz="675"/>
+            </a:lvl7pPr>
+            <a:lvl8pPr marL="2400300" indent="0">
+              <a:buNone/>
+              <a:defRPr sz="675"/>
+            </a:lvl8pPr>
+            <a:lvl9pPr marL="2743200" indent="0">
+              <a:buNone/>
+              <a:defRPr sz="675"/>
+            </a:lvl9pPr>
+          </a:lstStyle>
+          <a:p>
+            <a:pPr lvl="0"/>
+            <a:r>
+              <a:rPr lang="ro-RO"/>
+              <a:t>Faceţi clic pentru a edita Master stiluri text</a:t>
+            </a:r>
+          </a:p>
+        </p:txBody>
+      </p:sp>
+      <p:sp>
+        <p:nvSpPr>
+          <p:cNvPr id="9" name="Text Placeholder 4"/>
+          <p:cNvSpPr>
+            <a:spLocks noGrp="1"/>
+          </p:cNvSpPr>
+          <p:nvPr>
+            <p:ph type="body" sz="quarter" idx="3"/>
+          </p:nvPr>
+        </p:nvSpPr>
+        <p:spPr>
+          <a:xfrm>
+            <a:off x="3440996" y="1885950"/>
+            <a:ext cx="2202181" cy="576262"/>
+          </a:xfrm>
+        </p:spPr>
+        <p:txBody>
+          <a:bodyPr vert="horz" lIns="91440" tIns="45720" rIns="91440" bIns="45720" rtlCol="0" anchor="b">
+            <a:noAutofit/>
+          </a:bodyPr>
           <a:lstStyle>
             <a:lvl1pPr>
-              <a:defRPr sz="2800"/>
+              <a:buNone/>
+              <a:defRPr lang="en-US" sz="1800" b="0">
+                <a:gradFill>
+                  <a:gsLst>
+                    <a:gs pos="15000">
+                      <a:schemeClr val="tx2"/>
+                    </a:gs>
+                    <a:gs pos="73000">
+                      <a:schemeClr val="tx2">
+                        <a:lumMod val="60000"/>
+                        <a:lumOff val="40000"/>
+                      </a:schemeClr>
+                    </a:gs>
+                    <a:gs pos="0">
+                      <a:schemeClr val="tx2">
+                        <a:lumMod val="90000"/>
+                        <a:lumOff val="10000"/>
+                      </a:schemeClr>
+                    </a:gs>
+                    <a:gs pos="100000">
+                      <a:schemeClr val="tx2">
+                        <a:lumMod val="0"/>
+                        <a:lumOff val="100000"/>
+                      </a:schemeClr>
+                    </a:gs>
+                  </a:gsLst>
+                  <a:lin ang="16200000" scaled="1"/>
+                </a:gradFill>
+              </a:defRPr>
             </a:lvl1pPr>
-            <a:lvl2pPr>
-              <a:defRPr sz="2400"/>
+          </a:lstStyle>
+          <a:p>
+            <a:pPr marL="0" lvl="0" indent="0">
+              <a:buNone/>
+            </a:pPr>
+            <a:r>
+              <a:rPr lang="ro-RO"/>
+              <a:t>Faceţi clic pentru a edita Master stiluri text</a:t>
+            </a:r>
+          </a:p>
+        </p:txBody>
+      </p:sp>
+      <p:sp>
+        <p:nvSpPr>
+          <p:cNvPr id="10" name="Text Placeholder 3"/>
+          <p:cNvSpPr>
+            <a:spLocks noGrp="1"/>
+          </p:cNvSpPr>
+          <p:nvPr>
+            <p:ph type="body" sz="half" idx="16"/>
+          </p:nvPr>
+        </p:nvSpPr>
+        <p:spPr>
+          <a:xfrm>
+            <a:off x="3433081" y="2571750"/>
+            <a:ext cx="2210096" cy="3589338"/>
+          </a:xfrm>
+        </p:spPr>
+        <p:txBody>
+          <a:bodyPr anchor="t">
+            <a:normAutofit/>
+          </a:bodyPr>
+          <a:lstStyle>
+            <a:lvl1pPr marL="0" indent="0">
+              <a:buNone/>
+              <a:defRPr sz="1050"/>
+            </a:lvl1pPr>
+            <a:lvl2pPr marL="342900" indent="0">
+              <a:buNone/>
+              <a:defRPr sz="900"/>
             </a:lvl2pPr>
-            <a:lvl3pPr>
-              <a:defRPr sz="2000"/>
+            <a:lvl3pPr marL="685800" indent="0">
+              <a:buNone/>
+              <a:defRPr sz="750"/>
             </a:lvl3pPr>
-            <a:lvl4pPr>
-              <a:defRPr sz="1800"/>
+            <a:lvl4pPr marL="1028700" indent="0">
+              <a:buNone/>
+              <a:defRPr sz="675"/>
             </a:lvl4pPr>
-            <a:lvl5pPr>
-              <a:defRPr sz="1800"/>
+            <a:lvl5pPr marL="1371600" indent="0">
+              <a:buNone/>
+              <a:defRPr sz="675"/>
             </a:lvl5pPr>
-            <a:lvl6pPr>
-              <a:defRPr sz="1800"/>
+            <a:lvl6pPr marL="1714500" indent="0">
+              <a:buNone/>
+              <a:defRPr sz="675"/>
             </a:lvl6pPr>
-            <a:lvl7pPr>
-              <a:defRPr sz="1800"/>
+            <a:lvl7pPr marL="2057400" indent="0">
+              <a:buNone/>
+              <a:defRPr sz="675"/>
             </a:lvl7pPr>
-            <a:lvl8pPr>
-              <a:defRPr sz="1800"/>
+            <a:lvl8pPr marL="2400300" indent="0">
+              <a:buNone/>
+              <a:defRPr sz="675"/>
             </a:lvl8pPr>
-            <a:lvl9pPr>
-              <a:defRPr sz="1800"/>
+            <a:lvl9pPr marL="2743200" indent="0">
+              <a:buNone/>
+              <a:defRPr sz="675"/>
             </a:lvl9pPr>
           </a:lstStyle>
           <a:p>
             <a:pPr lvl="0"/>
             <a:r>
-              <a:rPr lang="en-US" smtClean="0"/>
-              <a:t>Click to edit Master text styles</a:t>
-            </a:r>
-          </a:p>
-          <a:p>
-            <a:pPr lvl="1"/>
-            <a:r>
-              <a:rPr lang="en-US" smtClean="0"/>
-              <a:t>Second level</a:t>
-            </a:r>
-          </a:p>
-          <a:p>
-            <a:pPr lvl="2"/>
-            <a:r>
-              <a:rPr lang="en-US" smtClean="0"/>
-              <a:t>Third level</a:t>
-            </a:r>
-          </a:p>
-          <a:p>
-            <a:pPr lvl="3"/>
-            <a:r>
-              <a:rPr lang="en-US" smtClean="0"/>
-              <a:t>Fourth level</a:t>
-            </a:r>
-          </a:p>
-          <a:p>
-            <a:pPr lvl="4"/>
-            <a:r>
-              <a:rPr lang="en-US" smtClean="0"/>
-              <a:t>Fifth level</a:t>
-            </a:r>
-            <a:endParaRPr lang="en-US"/>
-          </a:p>
-        </p:txBody>
-      </p:sp>
-      <p:sp>
-        <p:nvSpPr>
-          <p:cNvPr id="4" name="Content Placeholder 3"/>
-          <p:cNvSpPr>
-            <a:spLocks noGrp="1"/>
-          </p:cNvSpPr>
-          <p:nvPr>
-            <p:ph sz="half" idx="2"/>
+              <a:rPr lang="ro-RO"/>
+              <a:t>Faceţi clic pentru a edita Master stiluri text</a:t>
+            </a:r>
+          </a:p>
+        </p:txBody>
+      </p:sp>
+      <p:sp>
+        <p:nvSpPr>
+          <p:cNvPr id="11" name="Text Placeholder 4"/>
+          <p:cNvSpPr>
+            <a:spLocks noGrp="1"/>
+          </p:cNvSpPr>
+          <p:nvPr>
+            <p:ph type="body" sz="quarter" idx="13"/>
           </p:nvPr>
         </p:nvSpPr>
         <p:spPr>
           <a:xfrm>
-            <a:off x="4648200" y="1600200"/>
-            <a:ext cx="4038600" cy="4525963"/>
+            <a:off x="5871777" y="1885950"/>
+            <a:ext cx="2199085" cy="576262"/>
           </a:xfrm>
         </p:spPr>
         <p:txBody>
-          <a:bodyPr/>
+          <a:bodyPr vert="horz" lIns="91440" tIns="45720" rIns="91440" bIns="45720" rtlCol="0" anchor="b">
+            <a:noAutofit/>
+          </a:bodyPr>
           <a:lstStyle>
             <a:lvl1pPr>
-              <a:defRPr sz="2800"/>
+              <a:buNone/>
+              <a:defRPr lang="en-US" sz="1800" b="0" dirty="0">
+                <a:gradFill>
+                  <a:gsLst>
+                    <a:gs pos="15000">
+                      <a:schemeClr val="tx2"/>
+                    </a:gs>
+                    <a:gs pos="73000">
+                      <a:schemeClr val="tx2">
+                        <a:lumMod val="60000"/>
+                        <a:lumOff val="40000"/>
+                      </a:schemeClr>
+                    </a:gs>
+                    <a:gs pos="0">
+                      <a:schemeClr val="tx2">
+                        <a:lumMod val="90000"/>
+                        <a:lumOff val="10000"/>
+                      </a:schemeClr>
+                    </a:gs>
+                    <a:gs pos="100000">
+                      <a:schemeClr val="tx2">
+                        <a:lumMod val="0"/>
+                        <a:lumOff val="100000"/>
+                      </a:schemeClr>
+                    </a:gs>
+                  </a:gsLst>
+                  <a:lin ang="16200000" scaled="1"/>
+                </a:gradFill>
+              </a:defRPr>
             </a:lvl1pPr>
-            <a:lvl2pPr>
-              <a:defRPr sz="2400"/>
+          </a:lstStyle>
+          <a:p>
+            <a:pPr marL="0" lvl="0" indent="0">
+              <a:buNone/>
+            </a:pPr>
+            <a:r>
+              <a:rPr lang="ro-RO"/>
+              <a:t>Faceţi clic pentru a edita Master stiluri text</a:t>
+            </a:r>
+          </a:p>
+        </p:txBody>
+      </p:sp>
+      <p:sp>
+        <p:nvSpPr>
+          <p:cNvPr id="12" name="Text Placeholder 3"/>
+          <p:cNvSpPr>
+            <a:spLocks noGrp="1"/>
+          </p:cNvSpPr>
+          <p:nvPr>
+            <p:ph type="body" sz="half" idx="17"/>
+          </p:nvPr>
+        </p:nvSpPr>
+        <p:spPr>
+          <a:xfrm>
+            <a:off x="5871777" y="2571750"/>
+            <a:ext cx="2199085" cy="3589338"/>
+          </a:xfrm>
+        </p:spPr>
+        <p:txBody>
+          <a:bodyPr anchor="t">
+            <a:normAutofit/>
+          </a:bodyPr>
+          <a:lstStyle>
+            <a:lvl1pPr marL="0" indent="0">
+              <a:buNone/>
+              <a:defRPr sz="1050"/>
+            </a:lvl1pPr>
+            <a:lvl2pPr marL="342900" indent="0">
+              <a:buNone/>
+              <a:defRPr sz="900"/>
             </a:lvl2pPr>
-            <a:lvl3pPr>
-              <a:defRPr sz="2000"/>
+            <a:lvl3pPr marL="685800" indent="0">
+              <a:buNone/>
+              <a:defRPr sz="750"/>
             </a:lvl3pPr>
-            <a:lvl4pPr>
-              <a:defRPr sz="1800"/>
+            <a:lvl4pPr marL="1028700" indent="0">
+              <a:buNone/>
+              <a:defRPr sz="675"/>
             </a:lvl4pPr>
-            <a:lvl5pPr>
-              <a:defRPr sz="1800"/>
+            <a:lvl5pPr marL="1371600" indent="0">
+              <a:buNone/>
+              <a:defRPr sz="675"/>
             </a:lvl5pPr>
-            <a:lvl6pPr>
-              <a:defRPr sz="1800"/>
+            <a:lvl6pPr marL="1714500" indent="0">
+              <a:buNone/>
+              <a:defRPr sz="675"/>
             </a:lvl6pPr>
-            <a:lvl7pPr>
-              <a:defRPr sz="1800"/>
+            <a:lvl7pPr marL="2057400" indent="0">
+              <a:buNone/>
+              <a:defRPr sz="675"/>
             </a:lvl7pPr>
-            <a:lvl8pPr>
-              <a:defRPr sz="1800"/>
+            <a:lvl8pPr marL="2400300" indent="0">
+              <a:buNone/>
+              <a:defRPr sz="675"/>
             </a:lvl8pPr>
-            <a:lvl9pPr>
-              <a:defRPr sz="1800"/>
+            <a:lvl9pPr marL="2743200" indent="0">
+              <a:buNone/>
+              <a:defRPr sz="675"/>
             </a:lvl9pPr>
           </a:lstStyle>
           <a:p>
             <a:pPr lvl="0"/>
             <a:r>
-              <a:rPr lang="en-US" smtClean="0"/>
-              <a:t>Click to edit Master text styles</a:t>
-            </a:r>
-          </a:p>
-          <a:p>
-            <a:pPr lvl="1"/>
-            <a:r>
-              <a:rPr lang="en-US" smtClean="0"/>
-              <a:t>Second level</a:t>
-            </a:r>
-          </a:p>
-          <a:p>
-            <a:pPr lvl="2"/>
-            <a:r>
-              <a:rPr lang="en-US" smtClean="0"/>
-              <a:t>Third level</a:t>
-            </a:r>
-          </a:p>
-          <a:p>
-            <a:pPr lvl="3"/>
-            <a:r>
-              <a:rPr lang="en-US" smtClean="0"/>
-              <a:t>Fourth level</a:t>
-            </a:r>
-          </a:p>
-          <a:p>
-            <a:pPr lvl="4"/>
-            <a:r>
-              <a:rPr lang="en-US" smtClean="0"/>
-              <a:t>Fifth level</a:t>
-            </a:r>
-            <a:endParaRPr lang="en-US"/>
-          </a:p>
-        </p:txBody>
-      </p:sp>
-      <p:sp>
-        <p:nvSpPr>
-          <p:cNvPr id="5" name="Date Placeholder 4"/>
+              <a:rPr lang="ro-RO"/>
+              <a:t>Faceţi clic pentru a edita Master stiluri text</a:t>
+            </a:r>
+          </a:p>
+        </p:txBody>
+      </p:sp>
+      <p:sp>
+        <p:nvSpPr>
+          <p:cNvPr id="3" name="Date Placeholder 2"/>
           <p:cNvSpPr>
             <a:spLocks noGrp="1"/>
           </p:cNvSpPr>
@@ -1356,7 +2039,7 @@
           <a:p>
             <a:fld id="{5BCAD085-E8A6-8845-BD4E-CB4CCA059FC4}" type="datetimeFigureOut">
               <a:rPr lang="en-US" smtClean="0"/>
-              <a:t>1/27/13</a:t>
+              <a:t>1/16/2026</a:t>
             </a:fld>
             <a:endParaRPr lang="en-US"/>
           </a:p>
@@ -1364,7 +2047,7 @@
       </p:sp>
       <p:sp>
         <p:nvSpPr>
-          <p:cNvPr id="6" name="Footer Placeholder 5"/>
+          <p:cNvPr id="4" name="Footer Placeholder 3"/>
           <p:cNvSpPr>
             <a:spLocks noGrp="1"/>
           </p:cNvSpPr>
@@ -1383,7 +2066,7 @@
       </p:sp>
       <p:sp>
         <p:nvSpPr>
-          <p:cNvPr id="7" name="Slide Number Placeholder 6"/>
+          <p:cNvPr id="5" name="Slide Number Placeholder 4"/>
           <p:cNvSpPr>
             <a:spLocks noGrp="1"/>
           </p:cNvSpPr>
@@ -1407,7 +2090,7 @@
     </p:spTree>
     <p:extLst>
       <p:ext uri="{BB962C8B-B14F-4D97-AF65-F5344CB8AC3E}">
-        <p14:creationId xmlns:p14="http://schemas.microsoft.com/office/powerpoint/2010/main" val="2782244947"/>
+        <p14:creationId xmlns:p14="http://schemas.microsoft.com/office/powerpoint/2010/main" val="2453606569"/>
       </p:ext>
     </p:extLst>
   </p:cSld>
@@ -1417,9 +2100,9 @@
 </p:sldLayout>
 </file>
 
-<file path=ppt/slideLayouts/slideLayout5.xml><?xml version="1.0" encoding="utf-8"?>
-<p:sldLayout xmlns:a="http://schemas.openxmlformats.org/drawingml/2006/main" xmlns:r="http://schemas.openxmlformats.org/officeDocument/2006/relationships" xmlns:p="http://schemas.openxmlformats.org/presentationml/2006/main" type="twoTxTwoObj" preserve="1">
-  <p:cSld name="Comparison">
+<file path=ppt/slideLayouts/slideLayout15.xml><?xml version="1.0" encoding="utf-8"?>
+<p:sldLayout xmlns:a="http://schemas.openxmlformats.org/drawingml/2006/main" xmlns:r="http://schemas.openxmlformats.org/officeDocument/2006/relationships" xmlns:p="http://schemas.openxmlformats.org/presentationml/2006/main" preserve="1">
+  <p:cSld name="Coloană cu trei imagini">
     <p:spTree>
       <p:nvGrpSpPr>
         <p:cNvPr id="1" name=""/>
@@ -1436,184 +2119,271 @@
       </p:grpSpPr>
       <p:sp>
         <p:nvSpPr>
-          <p:cNvPr id="2" name="Title 1"/>
+          <p:cNvPr id="30" name="Title 1"/>
           <p:cNvSpPr>
             <a:spLocks noGrp="1"/>
           </p:cNvSpPr>
           <p:nvPr>
             <p:ph type="title"/>
-          </p:nvPr>
-        </p:nvSpPr>
-        <p:spPr/>
-        <p:txBody>
-          <a:bodyPr/>
-          <a:lstStyle>
-            <a:lvl1pPr>
-              <a:defRPr/>
-            </a:lvl1pPr>
-          </a:lstStyle>
-          <a:p>
-            <a:r>
-              <a:rPr lang="en-US" smtClean="0"/>
-              <a:t>Click to edit Master title style</a:t>
-            </a:r>
-            <a:endParaRPr lang="en-US"/>
-          </a:p>
-        </p:txBody>
-      </p:sp>
-      <p:sp>
-        <p:nvSpPr>
-          <p:cNvPr id="3" name="Text Placeholder 2"/>
-          <p:cNvSpPr>
-            <a:spLocks noGrp="1"/>
-          </p:cNvSpPr>
-          <p:nvPr>
-            <p:ph type="body" idx="1"/>
           </p:nvPr>
         </p:nvSpPr>
         <p:spPr>
           <a:xfrm>
-            <a:off x="457200" y="1535113"/>
-            <a:ext cx="4040188" cy="639762"/>
+            <a:off x="628650" y="365126"/>
+            <a:ext cx="7886700" cy="1325563"/>
           </a:xfrm>
         </p:spPr>
         <p:txBody>
-          <a:bodyPr anchor="b"/>
+          <a:bodyPr/>
+          <a:lstStyle/>
+          <a:p>
+            <a:r>
+              <a:rPr lang="ro-RO"/>
+              <a:t>Faceți clic pentru a edita stilul de titlu coordonator</a:t>
+            </a:r>
+            <a:endParaRPr lang="en-US" dirty="0"/>
+          </a:p>
+        </p:txBody>
+      </p:sp>
+      <p:sp>
+        <p:nvSpPr>
+          <p:cNvPr id="19" name="Text Placeholder 2"/>
+          <p:cNvSpPr>
+            <a:spLocks noGrp="1"/>
+          </p:cNvSpPr>
+          <p:nvPr>
+            <p:ph type="body" idx="1"/>
+          </p:nvPr>
+        </p:nvSpPr>
+        <p:spPr>
+          <a:xfrm>
+            <a:off x="999064" y="4297503"/>
+            <a:ext cx="2205038" cy="576262"/>
+          </a:xfrm>
+        </p:spPr>
+        <p:txBody>
+          <a:bodyPr anchor="b">
+            <a:noAutofit/>
+          </a:bodyPr>
           <a:lstStyle>
             <a:lvl1pPr marL="0" indent="0">
               <a:buNone/>
-              <a:defRPr sz="2400" b="1"/>
+              <a:defRPr sz="1800" b="0">
+                <a:gradFill>
+                  <a:gsLst>
+                    <a:gs pos="34000">
+                      <a:schemeClr val="tx1">
+                        <a:lumMod val="93000"/>
+                      </a:schemeClr>
+                    </a:gs>
+                    <a:gs pos="0">
+                      <a:schemeClr val="bg1">
+                        <a:lumMod val="41000"/>
+                        <a:lumOff val="59000"/>
+                      </a:schemeClr>
+                    </a:gs>
+                    <a:gs pos="100000">
+                      <a:schemeClr val="tx2">
+                        <a:lumMod val="0"/>
+                        <a:lumOff val="100000"/>
+                      </a:schemeClr>
+                    </a:gs>
+                  </a:gsLst>
+                  <a:lin ang="4800000" scaled="0"/>
+                </a:gradFill>
+              </a:defRPr>
             </a:lvl1pPr>
-            <a:lvl2pPr marL="457200" indent="0">
-              <a:buNone/>
-              <a:defRPr sz="2000" b="1"/>
+            <a:lvl2pPr marL="342900" indent="0">
+              <a:buNone/>
+              <a:defRPr sz="1500" b="1"/>
             </a:lvl2pPr>
-            <a:lvl3pPr marL="914400" indent="0">
-              <a:buNone/>
-              <a:defRPr sz="1800" b="1"/>
+            <a:lvl3pPr marL="685800" indent="0">
+              <a:buNone/>
+              <a:defRPr sz="1350" b="1"/>
             </a:lvl3pPr>
-            <a:lvl4pPr marL="1371600" indent="0">
-              <a:buNone/>
-              <a:defRPr sz="1600" b="1"/>
+            <a:lvl4pPr marL="1028700" indent="0">
+              <a:buNone/>
+              <a:defRPr sz="1200" b="1"/>
             </a:lvl4pPr>
-            <a:lvl5pPr marL="1828800" indent="0">
-              <a:buNone/>
-              <a:defRPr sz="1600" b="1"/>
+            <a:lvl5pPr marL="1371600" indent="0">
+              <a:buNone/>
+              <a:defRPr sz="1200" b="1"/>
             </a:lvl5pPr>
-            <a:lvl6pPr marL="2286000" indent="0">
-              <a:buNone/>
-              <a:defRPr sz="1600" b="1"/>
+            <a:lvl6pPr marL="1714500" indent="0">
+              <a:buNone/>
+              <a:defRPr sz="1200" b="1"/>
             </a:lvl6pPr>
-            <a:lvl7pPr marL="2743200" indent="0">
-              <a:buNone/>
-              <a:defRPr sz="1600" b="1"/>
+            <a:lvl7pPr marL="2057400" indent="0">
+              <a:buNone/>
+              <a:defRPr sz="1200" b="1"/>
             </a:lvl7pPr>
-            <a:lvl8pPr marL="3200400" indent="0">
-              <a:buNone/>
-              <a:defRPr sz="1600" b="1"/>
+            <a:lvl8pPr marL="2400300" indent="0">
+              <a:buNone/>
+              <a:defRPr sz="1200" b="1"/>
             </a:lvl8pPr>
-            <a:lvl9pPr marL="3657600" indent="0">
-              <a:buNone/>
-              <a:defRPr sz="1600" b="1"/>
+            <a:lvl9pPr marL="2743200" indent="0">
+              <a:buNone/>
+              <a:defRPr sz="1200" b="1"/>
             </a:lvl9pPr>
           </a:lstStyle>
           <a:p>
             <a:pPr lvl="0"/>
             <a:r>
-              <a:rPr lang="en-US" smtClean="0"/>
-              <a:t>Click to edit Master text styles</a:t>
-            </a:r>
-          </a:p>
-        </p:txBody>
-      </p:sp>
-      <p:sp>
-        <p:nvSpPr>
-          <p:cNvPr id="4" name="Content Placeholder 3"/>
-          <p:cNvSpPr>
-            <a:spLocks noGrp="1"/>
-          </p:cNvSpPr>
-          <p:nvPr>
-            <p:ph sz="half" idx="2"/>
+              <a:rPr lang="ro-RO"/>
+              <a:t>Faceţi clic pentru a edita Master stiluri text</a:t>
+            </a:r>
+          </a:p>
+        </p:txBody>
+      </p:sp>
+      <p:sp>
+        <p:nvSpPr>
+          <p:cNvPr id="20" name="Picture Placeholder 2"/>
+          <p:cNvSpPr>
+            <a:spLocks noGrp="1" noChangeAspect="1"/>
+          </p:cNvSpPr>
+          <p:nvPr>
+            <p:ph type="pic" idx="15"/>
           </p:nvPr>
         </p:nvSpPr>
         <p:spPr>
           <a:xfrm>
-            <a:off x="457200" y="2174875"/>
-            <a:ext cx="4040188" cy="3951288"/>
+            <a:off x="999064" y="2256354"/>
+            <a:ext cx="2205038" cy="1524000"/>
+          </a:xfrm>
+          <a:prstGeom prst="roundRect">
+            <a:avLst>
+              <a:gd name="adj" fmla="val 1858"/>
+            </a:avLst>
+          </a:prstGeom>
+          <a:effectLst>
+            <a:outerShdw blurRad="50800" dist="50800" dir="5400000" algn="tl" rotWithShape="0">
+              <a:srgbClr val="000000">
+                <a:alpha val="43000"/>
+              </a:srgbClr>
+            </a:outerShdw>
+          </a:effectLst>
+        </p:spPr>
+        <p:txBody>
+          <a:bodyPr anchor="t">
+            <a:normAutofit/>
+          </a:bodyPr>
+          <a:lstStyle>
+            <a:lvl1pPr marL="0" indent="0" algn="ctr">
+              <a:buNone/>
+              <a:defRPr sz="1200"/>
+            </a:lvl1pPr>
+            <a:lvl2pPr marL="342900" indent="0">
+              <a:buNone/>
+              <a:defRPr sz="1200"/>
+            </a:lvl2pPr>
+            <a:lvl3pPr marL="685800" indent="0">
+              <a:buNone/>
+              <a:defRPr sz="1200"/>
+            </a:lvl3pPr>
+            <a:lvl4pPr marL="1028700" indent="0">
+              <a:buNone/>
+              <a:defRPr sz="1200"/>
+            </a:lvl4pPr>
+            <a:lvl5pPr marL="1371600" indent="0">
+              <a:buNone/>
+              <a:defRPr sz="1200"/>
+            </a:lvl5pPr>
+            <a:lvl6pPr marL="1714500" indent="0">
+              <a:buNone/>
+              <a:defRPr sz="1200"/>
+            </a:lvl6pPr>
+            <a:lvl7pPr marL="2057400" indent="0">
+              <a:buNone/>
+              <a:defRPr sz="1200"/>
+            </a:lvl7pPr>
+            <a:lvl8pPr marL="2400300" indent="0">
+              <a:buNone/>
+              <a:defRPr sz="1200"/>
+            </a:lvl8pPr>
+            <a:lvl9pPr marL="2743200" indent="0">
+              <a:buNone/>
+              <a:defRPr sz="1200"/>
+            </a:lvl9pPr>
+          </a:lstStyle>
+          <a:p>
+            <a:r>
+              <a:rPr lang="ro-RO"/>
+              <a:t>Faceți clic pe pictogramă pentru a adăuga o imagine</a:t>
+            </a:r>
+            <a:endParaRPr lang="en-US" dirty="0"/>
+          </a:p>
+        </p:txBody>
+      </p:sp>
+      <p:sp>
+        <p:nvSpPr>
+          <p:cNvPr id="21" name="Text Placeholder 3"/>
+          <p:cNvSpPr>
+            <a:spLocks noGrp="1"/>
+          </p:cNvSpPr>
+          <p:nvPr>
+            <p:ph type="body" sz="half" idx="18"/>
+          </p:nvPr>
+        </p:nvSpPr>
+        <p:spPr>
+          <a:xfrm>
+            <a:off x="999064" y="4873766"/>
+            <a:ext cx="2205038" cy="659189"/>
           </a:xfrm>
         </p:spPr>
         <p:txBody>
-          <a:bodyPr/>
+          <a:bodyPr anchor="t">
+            <a:normAutofit/>
+          </a:bodyPr>
           <a:lstStyle>
-            <a:lvl1pPr>
-              <a:defRPr sz="2400"/>
+            <a:lvl1pPr marL="0" indent="0">
+              <a:buNone/>
+              <a:defRPr sz="1050"/>
             </a:lvl1pPr>
-            <a:lvl2pPr>
-              <a:defRPr sz="2000"/>
+            <a:lvl2pPr marL="342900" indent="0">
+              <a:buNone/>
+              <a:defRPr sz="900"/>
             </a:lvl2pPr>
-            <a:lvl3pPr>
-              <a:defRPr sz="1800"/>
+            <a:lvl3pPr marL="685800" indent="0">
+              <a:buNone/>
+              <a:defRPr sz="750"/>
             </a:lvl3pPr>
-            <a:lvl4pPr>
-              <a:defRPr sz="1600"/>
+            <a:lvl4pPr marL="1028700" indent="0">
+              <a:buNone/>
+              <a:defRPr sz="675"/>
             </a:lvl4pPr>
-            <a:lvl5pPr>
-              <a:defRPr sz="1600"/>
+            <a:lvl5pPr marL="1371600" indent="0">
+              <a:buNone/>
+              <a:defRPr sz="675"/>
             </a:lvl5pPr>
-            <a:lvl6pPr>
-              <a:defRPr sz="1600"/>
+            <a:lvl6pPr marL="1714500" indent="0">
+              <a:buNone/>
+              <a:defRPr sz="675"/>
             </a:lvl6pPr>
-            <a:lvl7pPr>
-              <a:defRPr sz="1600"/>
+            <a:lvl7pPr marL="2057400" indent="0">
+              <a:buNone/>
+              <a:defRPr sz="675"/>
             </a:lvl7pPr>
-            <a:lvl8pPr>
-              <a:defRPr sz="1600"/>
+            <a:lvl8pPr marL="2400300" indent="0">
+              <a:buNone/>
+              <a:defRPr sz="675"/>
             </a:lvl8pPr>
-            <a:lvl9pPr>
-              <a:defRPr sz="1600"/>
+            <a:lvl9pPr marL="2743200" indent="0">
+              <a:buNone/>
+              <a:defRPr sz="675"/>
             </a:lvl9pPr>
           </a:lstStyle>
           <a:p>
             <a:pPr lvl="0"/>
             <a:r>
-              <a:rPr lang="en-US" smtClean="0"/>
-              <a:t>Click to edit Master text styles</a:t>
-            </a:r>
-          </a:p>
-          <a:p>
-            <a:pPr lvl="1"/>
-            <a:r>
-              <a:rPr lang="en-US" smtClean="0"/>
-              <a:t>Second level</a:t>
-            </a:r>
-          </a:p>
-          <a:p>
-            <a:pPr lvl="2"/>
-            <a:r>
-              <a:rPr lang="en-US" smtClean="0"/>
-              <a:t>Third level</a:t>
-            </a:r>
-          </a:p>
-          <a:p>
-            <a:pPr lvl="3"/>
-            <a:r>
-              <a:rPr lang="en-US" smtClean="0"/>
-              <a:t>Fourth level</a:t>
-            </a:r>
-          </a:p>
-          <a:p>
-            <a:pPr lvl="4"/>
-            <a:r>
-              <a:rPr lang="en-US" smtClean="0"/>
-              <a:t>Fifth level</a:t>
-            </a:r>
-            <a:endParaRPr lang="en-US"/>
-          </a:p>
-        </p:txBody>
-      </p:sp>
-      <p:sp>
-        <p:nvSpPr>
-          <p:cNvPr id="5" name="Text Placeholder 4"/>
+              <a:rPr lang="ro-RO"/>
+              <a:t>Faceţi clic pentru a edita Master stiluri text</a:t>
+            </a:r>
+          </a:p>
+        </p:txBody>
+      </p:sp>
+      <p:sp>
+        <p:nvSpPr>
+          <p:cNvPr id="22" name="Text Placeholder 4"/>
           <p:cNvSpPr>
             <a:spLocks noGrp="1"/>
           </p:cNvSpPr>
@@ -1623,147 +2393,469 @@
         </p:nvSpPr>
         <p:spPr>
           <a:xfrm>
-            <a:off x="4645025" y="1535113"/>
-            <a:ext cx="4041775" cy="639762"/>
+            <a:off x="3426748" y="4297503"/>
+            <a:ext cx="2197894" cy="576262"/>
           </a:xfrm>
         </p:spPr>
         <p:txBody>
-          <a:bodyPr anchor="b"/>
+          <a:bodyPr anchor="b">
+            <a:noAutofit/>
+          </a:bodyPr>
           <a:lstStyle>
             <a:lvl1pPr marL="0" indent="0">
               <a:buNone/>
-              <a:defRPr sz="2400" b="1"/>
+              <a:defRPr sz="1800" b="0">
+                <a:gradFill>
+                  <a:gsLst>
+                    <a:gs pos="34000">
+                      <a:schemeClr val="tx1">
+                        <a:lumMod val="93000"/>
+                      </a:schemeClr>
+                    </a:gs>
+                    <a:gs pos="0">
+                      <a:schemeClr val="bg1">
+                        <a:lumMod val="41000"/>
+                        <a:lumOff val="59000"/>
+                      </a:schemeClr>
+                    </a:gs>
+                    <a:gs pos="100000">
+                      <a:schemeClr val="tx2">
+                        <a:lumMod val="0"/>
+                        <a:lumOff val="100000"/>
+                      </a:schemeClr>
+                    </a:gs>
+                  </a:gsLst>
+                  <a:lin ang="4800000" scaled="0"/>
+                </a:gradFill>
+              </a:defRPr>
             </a:lvl1pPr>
-            <a:lvl2pPr marL="457200" indent="0">
-              <a:buNone/>
-              <a:defRPr sz="2000" b="1"/>
+            <a:lvl2pPr marL="342900" indent="0">
+              <a:buNone/>
+              <a:defRPr sz="1500" b="1"/>
             </a:lvl2pPr>
-            <a:lvl3pPr marL="914400" indent="0">
-              <a:buNone/>
-              <a:defRPr sz="1800" b="1"/>
+            <a:lvl3pPr marL="685800" indent="0">
+              <a:buNone/>
+              <a:defRPr sz="1350" b="1"/>
             </a:lvl3pPr>
-            <a:lvl4pPr marL="1371600" indent="0">
-              <a:buNone/>
-              <a:defRPr sz="1600" b="1"/>
+            <a:lvl4pPr marL="1028700" indent="0">
+              <a:buNone/>
+              <a:defRPr sz="1200" b="1"/>
             </a:lvl4pPr>
-            <a:lvl5pPr marL="1828800" indent="0">
-              <a:buNone/>
-              <a:defRPr sz="1600" b="1"/>
+            <a:lvl5pPr marL="1371600" indent="0">
+              <a:buNone/>
+              <a:defRPr sz="1200" b="1"/>
             </a:lvl5pPr>
-            <a:lvl6pPr marL="2286000" indent="0">
-              <a:buNone/>
-              <a:defRPr sz="1600" b="1"/>
+            <a:lvl6pPr marL="1714500" indent="0">
+              <a:buNone/>
+              <a:defRPr sz="1200" b="1"/>
             </a:lvl6pPr>
-            <a:lvl7pPr marL="2743200" indent="0">
-              <a:buNone/>
-              <a:defRPr sz="1600" b="1"/>
+            <a:lvl7pPr marL="2057400" indent="0">
+              <a:buNone/>
+              <a:defRPr sz="1200" b="1"/>
             </a:lvl7pPr>
-            <a:lvl8pPr marL="3200400" indent="0">
-              <a:buNone/>
-              <a:defRPr sz="1600" b="1"/>
+            <a:lvl8pPr marL="2400300" indent="0">
+              <a:buNone/>
+              <a:defRPr sz="1200" b="1"/>
             </a:lvl8pPr>
-            <a:lvl9pPr marL="3657600" indent="0">
-              <a:buNone/>
-              <a:defRPr sz="1600" b="1"/>
+            <a:lvl9pPr marL="2743200" indent="0">
+              <a:buNone/>
+              <a:defRPr sz="1200" b="1"/>
             </a:lvl9pPr>
           </a:lstStyle>
           <a:p>
             <a:pPr lvl="0"/>
             <a:r>
-              <a:rPr lang="en-US" smtClean="0"/>
-              <a:t>Click to edit Master text styles</a:t>
-            </a:r>
-          </a:p>
-        </p:txBody>
-      </p:sp>
-      <p:sp>
-        <p:nvSpPr>
-          <p:cNvPr id="6" name="Content Placeholder 5"/>
-          <p:cNvSpPr>
-            <a:spLocks noGrp="1"/>
-          </p:cNvSpPr>
-          <p:nvPr>
-            <p:ph sz="quarter" idx="4"/>
+              <a:rPr lang="ro-RO"/>
+              <a:t>Faceţi clic pentru a edita Master stiluri text</a:t>
+            </a:r>
+          </a:p>
+        </p:txBody>
+      </p:sp>
+      <p:sp>
+        <p:nvSpPr>
+          <p:cNvPr id="23" name="Picture Placeholder 2"/>
+          <p:cNvSpPr>
+            <a:spLocks noGrp="1" noChangeAspect="1"/>
+          </p:cNvSpPr>
+          <p:nvPr>
+            <p:ph type="pic" idx="21"/>
           </p:nvPr>
         </p:nvSpPr>
         <p:spPr>
           <a:xfrm>
-            <a:off x="4645025" y="2174875"/>
-            <a:ext cx="4041775" cy="3951288"/>
+            <a:off x="3426747" y="2256354"/>
+            <a:ext cx="2197894" cy="1524000"/>
+          </a:xfrm>
+          <a:prstGeom prst="roundRect">
+            <a:avLst>
+              <a:gd name="adj" fmla="val 1858"/>
+            </a:avLst>
+          </a:prstGeom>
+          <a:effectLst>
+            <a:outerShdw blurRad="50800" dist="50800" dir="5400000" algn="tl" rotWithShape="0">
+              <a:srgbClr val="000000">
+                <a:alpha val="43000"/>
+              </a:srgbClr>
+            </a:outerShdw>
+          </a:effectLst>
+        </p:spPr>
+        <p:txBody>
+          <a:bodyPr anchor="t">
+            <a:normAutofit/>
+          </a:bodyPr>
+          <a:lstStyle>
+            <a:lvl1pPr marL="0" indent="0" algn="ctr">
+              <a:buNone/>
+              <a:defRPr sz="1200"/>
+            </a:lvl1pPr>
+            <a:lvl2pPr marL="342900" indent="0">
+              <a:buNone/>
+              <a:defRPr sz="1200"/>
+            </a:lvl2pPr>
+            <a:lvl3pPr marL="685800" indent="0">
+              <a:buNone/>
+              <a:defRPr sz="1200"/>
+            </a:lvl3pPr>
+            <a:lvl4pPr marL="1028700" indent="0">
+              <a:buNone/>
+              <a:defRPr sz="1200"/>
+            </a:lvl4pPr>
+            <a:lvl5pPr marL="1371600" indent="0">
+              <a:buNone/>
+              <a:defRPr sz="1200"/>
+            </a:lvl5pPr>
+            <a:lvl6pPr marL="1714500" indent="0">
+              <a:buNone/>
+              <a:defRPr sz="1200"/>
+            </a:lvl6pPr>
+            <a:lvl7pPr marL="2057400" indent="0">
+              <a:buNone/>
+              <a:defRPr sz="1200"/>
+            </a:lvl7pPr>
+            <a:lvl8pPr marL="2400300" indent="0">
+              <a:buNone/>
+              <a:defRPr sz="1200"/>
+            </a:lvl8pPr>
+            <a:lvl9pPr marL="2743200" indent="0">
+              <a:buNone/>
+              <a:defRPr sz="1200"/>
+            </a:lvl9pPr>
+          </a:lstStyle>
+          <a:p>
+            <a:r>
+              <a:rPr lang="ro-RO"/>
+              <a:t>Faceți clic pe pictogramă pentru a adăuga o imagine</a:t>
+            </a:r>
+            <a:endParaRPr lang="en-US" dirty="0"/>
+          </a:p>
+        </p:txBody>
+      </p:sp>
+      <p:sp>
+        <p:nvSpPr>
+          <p:cNvPr id="24" name="Text Placeholder 3"/>
+          <p:cNvSpPr>
+            <a:spLocks noGrp="1"/>
+          </p:cNvSpPr>
+          <p:nvPr>
+            <p:ph type="body" sz="half" idx="19"/>
+          </p:nvPr>
+        </p:nvSpPr>
+        <p:spPr>
+          <a:xfrm>
+            <a:off x="3425733" y="4873765"/>
+            <a:ext cx="2200805" cy="659189"/>
           </a:xfrm>
         </p:spPr>
         <p:txBody>
-          <a:bodyPr/>
+          <a:bodyPr anchor="t">
+            <a:normAutofit/>
+          </a:bodyPr>
           <a:lstStyle>
-            <a:lvl1pPr>
-              <a:defRPr sz="2400"/>
+            <a:lvl1pPr marL="0" indent="0">
+              <a:buNone/>
+              <a:defRPr sz="1050"/>
             </a:lvl1pPr>
-            <a:lvl2pPr>
-              <a:defRPr sz="2000"/>
+            <a:lvl2pPr marL="342900" indent="0">
+              <a:buNone/>
+              <a:defRPr sz="900"/>
             </a:lvl2pPr>
-            <a:lvl3pPr>
-              <a:defRPr sz="1800"/>
+            <a:lvl3pPr marL="685800" indent="0">
+              <a:buNone/>
+              <a:defRPr sz="750"/>
             </a:lvl3pPr>
-            <a:lvl4pPr>
-              <a:defRPr sz="1600"/>
+            <a:lvl4pPr marL="1028700" indent="0">
+              <a:buNone/>
+              <a:defRPr sz="675"/>
             </a:lvl4pPr>
-            <a:lvl5pPr>
-              <a:defRPr sz="1600"/>
+            <a:lvl5pPr marL="1371600" indent="0">
+              <a:buNone/>
+              <a:defRPr sz="675"/>
             </a:lvl5pPr>
-            <a:lvl6pPr>
-              <a:defRPr sz="1600"/>
+            <a:lvl6pPr marL="1714500" indent="0">
+              <a:buNone/>
+              <a:defRPr sz="675"/>
             </a:lvl6pPr>
-            <a:lvl7pPr>
-              <a:defRPr sz="1600"/>
+            <a:lvl7pPr marL="2057400" indent="0">
+              <a:buNone/>
+              <a:defRPr sz="675"/>
             </a:lvl7pPr>
-            <a:lvl8pPr>
-              <a:defRPr sz="1600"/>
+            <a:lvl8pPr marL="2400300" indent="0">
+              <a:buNone/>
+              <a:defRPr sz="675"/>
             </a:lvl8pPr>
-            <a:lvl9pPr>
-              <a:defRPr sz="1600"/>
+            <a:lvl9pPr marL="2743200" indent="0">
+              <a:buNone/>
+              <a:defRPr sz="675"/>
             </a:lvl9pPr>
           </a:lstStyle>
           <a:p>
             <a:pPr lvl="0"/>
             <a:r>
-              <a:rPr lang="en-US" smtClean="0"/>
-              <a:t>Click to edit Master text styles</a:t>
-            </a:r>
-          </a:p>
-          <a:p>
-            <a:pPr lvl="1"/>
-            <a:r>
-              <a:rPr lang="en-US" smtClean="0"/>
-              <a:t>Second level</a:t>
-            </a:r>
-          </a:p>
-          <a:p>
-            <a:pPr lvl="2"/>
-            <a:r>
-              <a:rPr lang="en-US" smtClean="0"/>
-              <a:t>Third level</a:t>
-            </a:r>
-          </a:p>
-          <a:p>
-            <a:pPr lvl="3"/>
-            <a:r>
-              <a:rPr lang="en-US" smtClean="0"/>
-              <a:t>Fourth level</a:t>
-            </a:r>
-          </a:p>
-          <a:p>
-            <a:pPr lvl="4"/>
-            <a:r>
-              <a:rPr lang="en-US" smtClean="0"/>
-              <a:t>Fifth level</a:t>
-            </a:r>
-            <a:endParaRPr lang="en-US"/>
-          </a:p>
-        </p:txBody>
-      </p:sp>
-      <p:sp>
-        <p:nvSpPr>
-          <p:cNvPr id="7" name="Date Placeholder 6"/>
+              <a:rPr lang="ro-RO"/>
+              <a:t>Faceţi clic pentru a edita Master stiluri text</a:t>
+            </a:r>
+          </a:p>
+        </p:txBody>
+      </p:sp>
+      <p:sp>
+        <p:nvSpPr>
+          <p:cNvPr id="25" name="Text Placeholder 4"/>
+          <p:cNvSpPr>
+            <a:spLocks noGrp="1"/>
+          </p:cNvSpPr>
+          <p:nvPr>
+            <p:ph type="body" sz="quarter" idx="13"/>
+          </p:nvPr>
+        </p:nvSpPr>
+        <p:spPr>
+          <a:xfrm>
+            <a:off x="5853242" y="4297503"/>
+            <a:ext cx="2199085" cy="576262"/>
+          </a:xfrm>
+        </p:spPr>
+        <p:txBody>
+          <a:bodyPr anchor="b">
+            <a:noAutofit/>
+          </a:bodyPr>
+          <a:lstStyle>
+            <a:lvl1pPr marL="0" indent="0">
+              <a:buNone/>
+              <a:defRPr sz="1800" b="0">
+                <a:gradFill>
+                  <a:gsLst>
+                    <a:gs pos="34000">
+                      <a:schemeClr val="tx1">
+                        <a:lumMod val="93000"/>
+                      </a:schemeClr>
+                    </a:gs>
+                    <a:gs pos="0">
+                      <a:schemeClr val="bg1">
+                        <a:lumMod val="41000"/>
+                        <a:lumOff val="59000"/>
+                      </a:schemeClr>
+                    </a:gs>
+                    <a:gs pos="100000">
+                      <a:schemeClr val="tx2">
+                        <a:lumMod val="0"/>
+                        <a:lumOff val="100000"/>
+                      </a:schemeClr>
+                    </a:gs>
+                  </a:gsLst>
+                  <a:lin ang="4800000" scaled="0"/>
+                </a:gradFill>
+              </a:defRPr>
+            </a:lvl1pPr>
+            <a:lvl2pPr marL="342900" indent="0">
+              <a:buNone/>
+              <a:defRPr sz="1500" b="1"/>
+            </a:lvl2pPr>
+            <a:lvl3pPr marL="685800" indent="0">
+              <a:buNone/>
+              <a:defRPr sz="1350" b="1"/>
+            </a:lvl3pPr>
+            <a:lvl4pPr marL="1028700" indent="0">
+              <a:buNone/>
+              <a:defRPr sz="1200" b="1"/>
+            </a:lvl4pPr>
+            <a:lvl5pPr marL="1371600" indent="0">
+              <a:buNone/>
+              <a:defRPr sz="1200" b="1"/>
+            </a:lvl5pPr>
+            <a:lvl6pPr marL="1714500" indent="0">
+              <a:buNone/>
+              <a:defRPr sz="1200" b="1"/>
+            </a:lvl6pPr>
+            <a:lvl7pPr marL="2057400" indent="0">
+              <a:buNone/>
+              <a:defRPr sz="1200" b="1"/>
+            </a:lvl7pPr>
+            <a:lvl8pPr marL="2400300" indent="0">
+              <a:buNone/>
+              <a:defRPr sz="1200" b="1"/>
+            </a:lvl8pPr>
+            <a:lvl9pPr marL="2743200" indent="0">
+              <a:buNone/>
+              <a:defRPr sz="1200" b="1"/>
+            </a:lvl9pPr>
+          </a:lstStyle>
+          <a:p>
+            <a:pPr lvl="0"/>
+            <a:r>
+              <a:rPr lang="ro-RO"/>
+              <a:t>Faceţi clic pentru a edita Master stiluri text</a:t>
+            </a:r>
+          </a:p>
+        </p:txBody>
+      </p:sp>
+      <p:sp>
+        <p:nvSpPr>
+          <p:cNvPr id="26" name="Picture Placeholder 2"/>
+          <p:cNvSpPr>
+            <a:spLocks noGrp="1" noChangeAspect="1"/>
+          </p:cNvSpPr>
+          <p:nvPr>
+            <p:ph type="pic" idx="22"/>
+          </p:nvPr>
+        </p:nvSpPr>
+        <p:spPr>
+          <a:xfrm>
+            <a:off x="5853241" y="2256354"/>
+            <a:ext cx="2199085" cy="1524000"/>
+          </a:xfrm>
+          <a:prstGeom prst="roundRect">
+            <a:avLst>
+              <a:gd name="adj" fmla="val 1858"/>
+            </a:avLst>
+          </a:prstGeom>
+          <a:effectLst>
+            <a:outerShdw blurRad="50800" dist="50800" dir="5400000" algn="tl" rotWithShape="0">
+              <a:srgbClr val="000000">
+                <a:alpha val="43000"/>
+              </a:srgbClr>
+            </a:outerShdw>
+          </a:effectLst>
+        </p:spPr>
+        <p:txBody>
+          <a:bodyPr anchor="t">
+            <a:normAutofit/>
+          </a:bodyPr>
+          <a:lstStyle>
+            <a:lvl1pPr marL="0" indent="0" algn="ctr">
+              <a:buNone/>
+              <a:defRPr sz="1200"/>
+            </a:lvl1pPr>
+            <a:lvl2pPr marL="342900" indent="0">
+              <a:buNone/>
+              <a:defRPr sz="1200"/>
+            </a:lvl2pPr>
+            <a:lvl3pPr marL="685800" indent="0">
+              <a:buNone/>
+              <a:defRPr sz="1200"/>
+            </a:lvl3pPr>
+            <a:lvl4pPr marL="1028700" indent="0">
+              <a:buNone/>
+              <a:defRPr sz="1200"/>
+            </a:lvl4pPr>
+            <a:lvl5pPr marL="1371600" indent="0">
+              <a:buNone/>
+              <a:defRPr sz="1200"/>
+            </a:lvl5pPr>
+            <a:lvl6pPr marL="1714500" indent="0">
+              <a:buNone/>
+              <a:defRPr sz="1200"/>
+            </a:lvl6pPr>
+            <a:lvl7pPr marL="2057400" indent="0">
+              <a:buNone/>
+              <a:defRPr sz="1200"/>
+            </a:lvl7pPr>
+            <a:lvl8pPr marL="2400300" indent="0">
+              <a:buNone/>
+              <a:defRPr sz="1200"/>
+            </a:lvl8pPr>
+            <a:lvl9pPr marL="2743200" indent="0">
+              <a:buNone/>
+              <a:defRPr sz="1200"/>
+            </a:lvl9pPr>
+          </a:lstStyle>
+          <a:p>
+            <a:r>
+              <a:rPr lang="ro-RO"/>
+              <a:t>Faceți clic pe pictogramă pentru a adăuga o imagine</a:t>
+            </a:r>
+            <a:endParaRPr lang="en-US" dirty="0"/>
+          </a:p>
+        </p:txBody>
+      </p:sp>
+      <p:sp>
+        <p:nvSpPr>
+          <p:cNvPr id="27" name="Text Placeholder 3"/>
+          <p:cNvSpPr>
+            <a:spLocks noGrp="1"/>
+          </p:cNvSpPr>
+          <p:nvPr>
+            <p:ph type="body" sz="half" idx="20"/>
+          </p:nvPr>
+        </p:nvSpPr>
+        <p:spPr>
+          <a:xfrm>
+            <a:off x="5853148" y="4873763"/>
+            <a:ext cx="2201998" cy="659189"/>
+          </a:xfrm>
+        </p:spPr>
+        <p:txBody>
+          <a:bodyPr anchor="t">
+            <a:normAutofit/>
+          </a:bodyPr>
+          <a:lstStyle>
+            <a:lvl1pPr marL="0" indent="0">
+              <a:buNone/>
+              <a:defRPr sz="1050"/>
+            </a:lvl1pPr>
+            <a:lvl2pPr marL="342900" indent="0">
+              <a:buNone/>
+              <a:defRPr sz="900"/>
+            </a:lvl2pPr>
+            <a:lvl3pPr marL="685800" indent="0">
+              <a:buNone/>
+              <a:defRPr sz="750"/>
+            </a:lvl3pPr>
+            <a:lvl4pPr marL="1028700" indent="0">
+              <a:buNone/>
+              <a:defRPr sz="675"/>
+            </a:lvl4pPr>
+            <a:lvl5pPr marL="1371600" indent="0">
+              <a:buNone/>
+              <a:defRPr sz="675"/>
+            </a:lvl5pPr>
+            <a:lvl6pPr marL="1714500" indent="0">
+              <a:buNone/>
+              <a:defRPr sz="675"/>
+            </a:lvl6pPr>
+            <a:lvl7pPr marL="2057400" indent="0">
+              <a:buNone/>
+              <a:defRPr sz="675"/>
+            </a:lvl7pPr>
+            <a:lvl8pPr marL="2400300" indent="0">
+              <a:buNone/>
+              <a:defRPr sz="675"/>
+            </a:lvl8pPr>
+            <a:lvl9pPr marL="2743200" indent="0">
+              <a:buNone/>
+              <a:defRPr sz="675"/>
+            </a:lvl9pPr>
+          </a:lstStyle>
+          <a:p>
+            <a:pPr lvl="0"/>
+            <a:r>
+              <a:rPr lang="ro-RO"/>
+              <a:t>Faceţi clic pentru a edita Master stiluri text</a:t>
+            </a:r>
+          </a:p>
+        </p:txBody>
+      </p:sp>
+      <p:sp>
+        <p:nvSpPr>
+          <p:cNvPr id="3" name="Date Placeholder 2"/>
           <p:cNvSpPr>
             <a:spLocks noGrp="1"/>
           </p:cNvSpPr>
@@ -1778,7 +2870,7 @@
           <a:p>
             <a:fld id="{5BCAD085-E8A6-8845-BD4E-CB4CCA059FC4}" type="datetimeFigureOut">
               <a:rPr lang="en-US" smtClean="0"/>
-              <a:t>1/27/13</a:t>
+              <a:t>1/16/2026</a:t>
             </a:fld>
             <a:endParaRPr lang="en-US"/>
           </a:p>
@@ -1786,7 +2878,7 @@
       </p:sp>
       <p:sp>
         <p:nvSpPr>
-          <p:cNvPr id="8" name="Footer Placeholder 7"/>
+          <p:cNvPr id="4" name="Footer Placeholder 3"/>
           <p:cNvSpPr>
             <a:spLocks noGrp="1"/>
           </p:cNvSpPr>
@@ -1805,7 +2897,7 @@
       </p:sp>
       <p:sp>
         <p:nvSpPr>
-          <p:cNvPr id="9" name="Slide Number Placeholder 8"/>
+          <p:cNvPr id="5" name="Slide Number Placeholder 4"/>
           <p:cNvSpPr>
             <a:spLocks noGrp="1"/>
           </p:cNvSpPr>
@@ -1829,7 +2921,7 @@
     </p:spTree>
     <p:extLst>
       <p:ext uri="{BB962C8B-B14F-4D97-AF65-F5344CB8AC3E}">
-        <p14:creationId xmlns:p14="http://schemas.microsoft.com/office/powerpoint/2010/main" val="990158736"/>
+        <p14:creationId xmlns:p14="http://schemas.microsoft.com/office/powerpoint/2010/main" val="543307904"/>
       </p:ext>
     </p:extLst>
   </p:cSld>
@@ -1839,9 +2931,9 @@
 </p:sldLayout>
 </file>
 
-<file path=ppt/slideLayouts/slideLayout6.xml><?xml version="1.0" encoding="utf-8"?>
-<p:sldLayout xmlns:a="http://schemas.openxmlformats.org/drawingml/2006/main" xmlns:r="http://schemas.openxmlformats.org/officeDocument/2006/relationships" xmlns:p="http://schemas.openxmlformats.org/presentationml/2006/main" type="titleOnly" preserve="1">
-  <p:cSld name="Title Only">
+<file path=ppt/slideLayouts/slideLayout16.xml><?xml version="1.0" encoding="utf-8"?>
+<p:sldLayout xmlns:a="http://schemas.openxmlformats.org/drawingml/2006/main" xmlns:r="http://schemas.openxmlformats.org/officeDocument/2006/relationships" xmlns:p="http://schemas.openxmlformats.org/presentationml/2006/main" type="vertTx" preserve="1">
+  <p:cSld name="Text vertical și titlu">
     <p:spTree>
       <p:nvGrpSpPr>
         <p:cNvPr id="1" name=""/>
@@ -1872,16 +2964,68 @@
           <a:lstStyle/>
           <a:p>
             <a:r>
-              <a:rPr lang="en-US" smtClean="0"/>
-              <a:t>Click to edit Master title style</a:t>
-            </a:r>
-            <a:endParaRPr lang="en-US"/>
-          </a:p>
-        </p:txBody>
-      </p:sp>
-      <p:sp>
-        <p:nvSpPr>
-          <p:cNvPr id="3" name="Date Placeholder 2"/>
+              <a:rPr lang="ro-RO"/>
+              <a:t>Faceți clic pentru a edita stilul de titlu coordonator</a:t>
+            </a:r>
+            <a:endParaRPr lang="en-US" dirty="0"/>
+          </a:p>
+        </p:txBody>
+      </p:sp>
+      <p:sp>
+        <p:nvSpPr>
+          <p:cNvPr id="3" name="Vertical Text Placeholder 2"/>
+          <p:cNvSpPr>
+            <a:spLocks noGrp="1"/>
+          </p:cNvSpPr>
+          <p:nvPr>
+            <p:ph type="body" orient="vert" idx="1"/>
+          </p:nvPr>
+        </p:nvSpPr>
+        <p:spPr/>
+        <p:txBody>
+          <a:bodyPr vert="eaVert"/>
+          <a:lstStyle/>
+          <a:p>
+            <a:pPr lvl="0"/>
+            <a:r>
+              <a:rPr lang="ro-RO"/>
+              <a:t>Faceţi clic pentru a edita Master stiluri text</a:t>
+            </a:r>
+          </a:p>
+          <a:p>
+            <a:pPr lvl="1"/>
+            <a:r>
+              <a:rPr lang="ro-RO"/>
+              <a:t>al doilea nivel</a:t>
+            </a:r>
+          </a:p>
+          <a:p>
+            <a:pPr lvl="2"/>
+            <a:r>
+              <a:rPr lang="ro-RO"/>
+              <a:t>al treilea nivel</a:t>
+            </a:r>
+          </a:p>
+          <a:p>
+            <a:pPr lvl="3"/>
+            <a:r>
+              <a:rPr lang="ro-RO"/>
+              <a:t>al patrulea nivel</a:t>
+            </a:r>
+          </a:p>
+          <a:p>
+            <a:pPr lvl="4"/>
+            <a:r>
+              <a:rPr lang="ro-RO"/>
+              <a:t>al cincilea nivel</a:t>
+            </a:r>
+            <a:endParaRPr lang="en-US" dirty="0"/>
+          </a:p>
+        </p:txBody>
+      </p:sp>
+      <p:sp>
+        <p:nvSpPr>
+          <p:cNvPr id="4" name="Date Placeholder 3"/>
           <p:cNvSpPr>
             <a:spLocks noGrp="1"/>
           </p:cNvSpPr>
@@ -1896,7 +3040,7 @@
           <a:p>
             <a:fld id="{5BCAD085-E8A6-8845-BD4E-CB4CCA059FC4}" type="datetimeFigureOut">
               <a:rPr lang="en-US" smtClean="0"/>
-              <a:t>1/27/13</a:t>
+              <a:t>1/16/2026</a:t>
             </a:fld>
             <a:endParaRPr lang="en-US"/>
           </a:p>
@@ -1904,7 +3048,7 @@
       </p:sp>
       <p:sp>
         <p:nvSpPr>
-          <p:cNvPr id="4" name="Footer Placeholder 3"/>
+          <p:cNvPr id="5" name="Footer Placeholder 4"/>
           <p:cNvSpPr>
             <a:spLocks noGrp="1"/>
           </p:cNvSpPr>
@@ -1923,7 +3067,7 @@
       </p:sp>
       <p:sp>
         <p:nvSpPr>
-          <p:cNvPr id="5" name="Slide Number Placeholder 4"/>
+          <p:cNvPr id="6" name="Slide Number Placeholder 5"/>
           <p:cNvSpPr>
             <a:spLocks noGrp="1"/>
           </p:cNvSpPr>
@@ -1947,7 +3091,7 @@
     </p:spTree>
     <p:extLst>
       <p:ext uri="{BB962C8B-B14F-4D97-AF65-F5344CB8AC3E}">
-        <p14:creationId xmlns:p14="http://schemas.microsoft.com/office/powerpoint/2010/main" val="727027711"/>
+        <p14:creationId xmlns:p14="http://schemas.microsoft.com/office/powerpoint/2010/main" val="335551001"/>
       </p:ext>
     </p:extLst>
   </p:cSld>
@@ -1957,9 +3101,9 @@
 </p:sldLayout>
 </file>
 
-<file path=ppt/slideLayouts/slideLayout7.xml><?xml version="1.0" encoding="utf-8"?>
-<p:sldLayout xmlns:a="http://schemas.openxmlformats.org/drawingml/2006/main" xmlns:r="http://schemas.openxmlformats.org/officeDocument/2006/relationships" xmlns:p="http://schemas.openxmlformats.org/presentationml/2006/main" type="blank" preserve="1">
-  <p:cSld name="Blank">
+<file path=ppt/slideLayouts/slideLayout17.xml><?xml version="1.0" encoding="utf-8"?>
+<p:sldLayout xmlns:a="http://schemas.openxmlformats.org/drawingml/2006/main" xmlns:r="http://schemas.openxmlformats.org/officeDocument/2006/relationships" xmlns:p="http://schemas.openxmlformats.org/presentationml/2006/main" type="vertTitleAndTx" preserve="1">
+  <p:cSld name="Titlu vertical și text">
     <p:spTree>
       <p:nvGrpSpPr>
         <p:cNvPr id="1" name=""/>
@@ -1976,7 +3120,92 @@
       </p:grpSpPr>
       <p:sp>
         <p:nvSpPr>
-          <p:cNvPr id="2" name="Date Placeholder 1"/>
+          <p:cNvPr id="2" name="Vertical Title 1"/>
+          <p:cNvSpPr>
+            <a:spLocks noGrp="1"/>
+          </p:cNvSpPr>
+          <p:nvPr>
+            <p:ph type="title" orient="vert"/>
+          </p:nvPr>
+        </p:nvSpPr>
+        <p:spPr>
+          <a:xfrm>
+            <a:off x="6543675" y="365125"/>
+            <a:ext cx="1971675" cy="5811838"/>
+          </a:xfrm>
+        </p:spPr>
+        <p:txBody>
+          <a:bodyPr vert="eaVert"/>
+          <a:lstStyle/>
+          <a:p>
+            <a:r>
+              <a:rPr lang="ro-RO"/>
+              <a:t>Faceți clic pentru a edita stilul de titlu coordonator</a:t>
+            </a:r>
+            <a:endParaRPr lang="en-US" dirty="0"/>
+          </a:p>
+        </p:txBody>
+      </p:sp>
+      <p:sp>
+        <p:nvSpPr>
+          <p:cNvPr id="3" name="Vertical Text Placeholder 2"/>
+          <p:cNvSpPr>
+            <a:spLocks noGrp="1"/>
+          </p:cNvSpPr>
+          <p:nvPr>
+            <p:ph type="body" orient="vert" idx="1"/>
+          </p:nvPr>
+        </p:nvSpPr>
+        <p:spPr>
+          <a:xfrm>
+            <a:off x="628650" y="365125"/>
+            <a:ext cx="5800725" cy="5811838"/>
+          </a:xfrm>
+        </p:spPr>
+        <p:txBody>
+          <a:bodyPr vert="eaVert"/>
+          <a:lstStyle/>
+          <a:p>
+            <a:pPr lvl="0"/>
+            <a:r>
+              <a:rPr lang="ro-RO"/>
+              <a:t>Faceţi clic pentru a edita Master stiluri text</a:t>
+            </a:r>
+          </a:p>
+          <a:p>
+            <a:pPr lvl="1"/>
+            <a:r>
+              <a:rPr lang="ro-RO"/>
+              <a:t>al doilea nivel</a:t>
+            </a:r>
+          </a:p>
+          <a:p>
+            <a:pPr lvl="2"/>
+            <a:r>
+              <a:rPr lang="ro-RO"/>
+              <a:t>al treilea nivel</a:t>
+            </a:r>
+          </a:p>
+          <a:p>
+            <a:pPr lvl="3"/>
+            <a:r>
+              <a:rPr lang="ro-RO"/>
+              <a:t>al patrulea nivel</a:t>
+            </a:r>
+          </a:p>
+          <a:p>
+            <a:pPr lvl="4"/>
+            <a:r>
+              <a:rPr lang="ro-RO"/>
+              <a:t>al cincilea nivel</a:t>
+            </a:r>
+            <a:endParaRPr lang="en-US" dirty="0"/>
+          </a:p>
+        </p:txBody>
+      </p:sp>
+      <p:sp>
+        <p:nvSpPr>
+          <p:cNvPr id="4" name="Date Placeholder 3"/>
           <p:cNvSpPr>
             <a:spLocks noGrp="1"/>
           </p:cNvSpPr>
@@ -1991,7 +3220,7 @@
           <a:p>
             <a:fld id="{5BCAD085-E8A6-8845-BD4E-CB4CCA059FC4}" type="datetimeFigureOut">
               <a:rPr lang="en-US" smtClean="0"/>
-              <a:t>1/27/13</a:t>
+              <a:t>1/16/2026</a:t>
             </a:fld>
             <a:endParaRPr lang="en-US"/>
           </a:p>
@@ -1999,7 +3228,7 @@
       </p:sp>
       <p:sp>
         <p:nvSpPr>
-          <p:cNvPr id="3" name="Footer Placeholder 2"/>
+          <p:cNvPr id="5" name="Footer Placeholder 4"/>
           <p:cNvSpPr>
             <a:spLocks noGrp="1"/>
           </p:cNvSpPr>
@@ -2018,7 +3247,7 @@
       </p:sp>
       <p:sp>
         <p:nvSpPr>
-          <p:cNvPr id="4" name="Slide Number Placeholder 3"/>
+          <p:cNvPr id="6" name="Slide Number Placeholder 5"/>
           <p:cNvSpPr>
             <a:spLocks noGrp="1"/>
           </p:cNvSpPr>
@@ -2042,7 +3271,7 @@
     </p:spTree>
     <p:extLst>
       <p:ext uri="{BB962C8B-B14F-4D97-AF65-F5344CB8AC3E}">
-        <p14:creationId xmlns:p14="http://schemas.microsoft.com/office/powerpoint/2010/main" val="1212999818"/>
+        <p14:creationId xmlns:p14="http://schemas.microsoft.com/office/powerpoint/2010/main" val="2226413160"/>
       </p:ext>
     </p:extLst>
   </p:cSld>
@@ -2052,9 +3281,9 @@
 </p:sldLayout>
 </file>
 
-<file path=ppt/slideLayouts/slideLayout8.xml><?xml version="1.0" encoding="utf-8"?>
-<p:sldLayout xmlns:a="http://schemas.openxmlformats.org/drawingml/2006/main" xmlns:r="http://schemas.openxmlformats.org/officeDocument/2006/relationships" xmlns:p="http://schemas.openxmlformats.org/presentationml/2006/main" type="objTx" preserve="1">
-  <p:cSld name="Content with Caption">
+<file path=ppt/slideLayouts/slideLayout2.xml><?xml version="1.0" encoding="utf-8"?>
+<p:sldLayout xmlns:a="http://schemas.openxmlformats.org/drawingml/2006/main" xmlns:r="http://schemas.openxmlformats.org/officeDocument/2006/relationships" xmlns:p="http://schemas.openxmlformats.org/presentationml/2006/main" type="obj" preserve="1">
+  <p:cSld name="Titlu și conținut">
     <p:spTree>
       <p:nvGrpSpPr>
         <p:cNvPr id="1" name=""/>
@@ -2071,7 +3300,7 @@
       </p:grpSpPr>
       <p:sp>
         <p:nvSpPr>
-          <p:cNvPr id="2" name="Title 1"/>
+          <p:cNvPr id="8" name="Title 1"/>
           <p:cNvSpPr>
             <a:spLocks noGrp="1"/>
           </p:cNvSpPr>
@@ -2079,25 +3308,16 @@
             <p:ph type="title"/>
           </p:nvPr>
         </p:nvSpPr>
-        <p:spPr>
-          <a:xfrm>
-            <a:off x="457200" y="273050"/>
-            <a:ext cx="3008313" cy="1162050"/>
-          </a:xfrm>
-        </p:spPr>
-        <p:txBody>
-          <a:bodyPr anchor="b"/>
-          <a:lstStyle>
-            <a:lvl1pPr algn="l">
-              <a:defRPr sz="2000" b="1"/>
-            </a:lvl1pPr>
-          </a:lstStyle>
-          <a:p>
-            <a:r>
-              <a:rPr lang="en-US" smtClean="0"/>
-              <a:t>Click to edit Master title style</a:t>
-            </a:r>
-            <a:endParaRPr lang="en-US"/>
+        <p:spPr/>
+        <p:txBody>
+          <a:bodyPr/>
+          <a:lstStyle/>
+          <a:p>
+            <a:r>
+              <a:rPr lang="ro-RO"/>
+              <a:t>Faceți clic pentru a edita stilul de titlu coordonator</a:t>
+            </a:r>
+            <a:endParaRPr lang="en-US" dirty="0"/>
           </a:p>
         </p:txBody>
       </p:sp>
@@ -2111,149 +3331,51 @@
             <p:ph idx="1"/>
           </p:nvPr>
         </p:nvSpPr>
-        <p:spPr>
-          <a:xfrm>
-            <a:off x="3575050" y="273050"/>
-            <a:ext cx="5111750" cy="5853113"/>
-          </a:xfrm>
-        </p:spPr>
-        <p:txBody>
-          <a:bodyPr/>
-          <a:lstStyle>
-            <a:lvl1pPr>
-              <a:defRPr sz="3200"/>
-            </a:lvl1pPr>
-            <a:lvl2pPr>
-              <a:defRPr sz="2800"/>
-            </a:lvl2pPr>
-            <a:lvl3pPr>
-              <a:defRPr sz="2400"/>
-            </a:lvl3pPr>
-            <a:lvl4pPr>
-              <a:defRPr sz="2000"/>
-            </a:lvl4pPr>
-            <a:lvl5pPr>
-              <a:defRPr sz="2000"/>
-            </a:lvl5pPr>
-            <a:lvl6pPr>
-              <a:defRPr sz="2000"/>
-            </a:lvl6pPr>
-            <a:lvl7pPr>
-              <a:defRPr sz="2000"/>
-            </a:lvl7pPr>
-            <a:lvl8pPr>
-              <a:defRPr sz="2000"/>
-            </a:lvl8pPr>
-            <a:lvl9pPr>
-              <a:defRPr sz="2000"/>
-            </a:lvl9pPr>
-          </a:lstStyle>
+        <p:spPr/>
+        <p:txBody>
+          <a:bodyPr/>
+          <a:lstStyle/>
           <a:p>
             <a:pPr lvl="0"/>
             <a:r>
-              <a:rPr lang="en-US" smtClean="0"/>
-              <a:t>Click to edit Master text styles</a:t>
+              <a:rPr lang="ro-RO"/>
+              <a:t>Faceţi clic pentru a edita Master stiluri text</a:t>
             </a:r>
           </a:p>
           <a:p>
             <a:pPr lvl="1"/>
             <a:r>
-              <a:rPr lang="en-US" smtClean="0"/>
-              <a:t>Second level</a:t>
+              <a:rPr lang="ro-RO"/>
+              <a:t>al doilea nivel</a:t>
             </a:r>
           </a:p>
           <a:p>
             <a:pPr lvl="2"/>
             <a:r>
-              <a:rPr lang="en-US" smtClean="0"/>
-              <a:t>Third level</a:t>
+              <a:rPr lang="ro-RO"/>
+              <a:t>al treilea nivel</a:t>
             </a:r>
           </a:p>
           <a:p>
             <a:pPr lvl="3"/>
             <a:r>
-              <a:rPr lang="en-US" smtClean="0"/>
-              <a:t>Fourth level</a:t>
+              <a:rPr lang="ro-RO"/>
+              <a:t>al patrulea nivel</a:t>
             </a:r>
           </a:p>
           <a:p>
             <a:pPr lvl="4"/>
             <a:r>
-              <a:rPr lang="en-US" smtClean="0"/>
-              <a:t>Fifth level</a:t>
-            </a:r>
-            <a:endParaRPr lang="en-US"/>
-          </a:p>
-        </p:txBody>
-      </p:sp>
-      <p:sp>
-        <p:nvSpPr>
-          <p:cNvPr id="4" name="Text Placeholder 3"/>
-          <p:cNvSpPr>
-            <a:spLocks noGrp="1"/>
-          </p:cNvSpPr>
-          <p:nvPr>
-            <p:ph type="body" sz="half" idx="2"/>
-          </p:nvPr>
-        </p:nvSpPr>
-        <p:spPr>
-          <a:xfrm>
-            <a:off x="457200" y="1435100"/>
-            <a:ext cx="3008313" cy="4691063"/>
-          </a:xfrm>
-        </p:spPr>
-        <p:txBody>
-          <a:bodyPr/>
-          <a:lstStyle>
-            <a:lvl1pPr marL="0" indent="0">
-              <a:buNone/>
-              <a:defRPr sz="1400"/>
-            </a:lvl1pPr>
-            <a:lvl2pPr marL="457200" indent="0">
-              <a:buNone/>
-              <a:defRPr sz="1200"/>
-            </a:lvl2pPr>
-            <a:lvl3pPr marL="914400" indent="0">
-              <a:buNone/>
-              <a:defRPr sz="1000"/>
-            </a:lvl3pPr>
-            <a:lvl4pPr marL="1371600" indent="0">
-              <a:buNone/>
-              <a:defRPr sz="900"/>
-            </a:lvl4pPr>
-            <a:lvl5pPr marL="1828800" indent="0">
-              <a:buNone/>
-              <a:defRPr sz="900"/>
-            </a:lvl5pPr>
-            <a:lvl6pPr marL="2286000" indent="0">
-              <a:buNone/>
-              <a:defRPr sz="900"/>
-            </a:lvl6pPr>
-            <a:lvl7pPr marL="2743200" indent="0">
-              <a:buNone/>
-              <a:defRPr sz="900"/>
-            </a:lvl7pPr>
-            <a:lvl8pPr marL="3200400" indent="0">
-              <a:buNone/>
-              <a:defRPr sz="900"/>
-            </a:lvl8pPr>
-            <a:lvl9pPr marL="3657600" indent="0">
-              <a:buNone/>
-              <a:defRPr sz="900"/>
-            </a:lvl9pPr>
-          </a:lstStyle>
-          <a:p>
-            <a:pPr lvl="0"/>
-            <a:r>
-              <a:rPr lang="en-US" smtClean="0"/>
-              <a:t>Click to edit Master text styles</a:t>
-            </a:r>
-          </a:p>
-        </p:txBody>
-      </p:sp>
-      <p:sp>
-        <p:nvSpPr>
-          <p:cNvPr id="5" name="Date Placeholder 4"/>
+              <a:rPr lang="ro-RO"/>
+              <a:t>al cincilea nivel</a:t>
+            </a:r>
+            <a:endParaRPr lang="en-US" dirty="0"/>
+          </a:p>
+        </p:txBody>
+      </p:sp>
+      <p:sp>
+        <p:nvSpPr>
+          <p:cNvPr id="4" name="Date Placeholder 3"/>
           <p:cNvSpPr>
             <a:spLocks noGrp="1"/>
           </p:cNvSpPr>
@@ -2268,7 +3390,7 @@
           <a:p>
             <a:fld id="{5BCAD085-E8A6-8845-BD4E-CB4CCA059FC4}" type="datetimeFigureOut">
               <a:rPr lang="en-US" smtClean="0"/>
-              <a:t>1/27/13</a:t>
+              <a:t>1/16/2026</a:t>
             </a:fld>
             <a:endParaRPr lang="en-US"/>
           </a:p>
@@ -2276,7 +3398,7 @@
       </p:sp>
       <p:sp>
         <p:nvSpPr>
-          <p:cNvPr id="6" name="Footer Placeholder 5"/>
+          <p:cNvPr id="5" name="Footer Placeholder 4"/>
           <p:cNvSpPr>
             <a:spLocks noGrp="1"/>
           </p:cNvSpPr>
@@ -2295,7 +3417,7 @@
       </p:sp>
       <p:sp>
         <p:nvSpPr>
-          <p:cNvPr id="7" name="Slide Number Placeholder 6"/>
+          <p:cNvPr id="6" name="Slide Number Placeholder 5"/>
           <p:cNvSpPr>
             <a:spLocks noGrp="1"/>
           </p:cNvSpPr>
@@ -2319,7 +3441,7 @@
     </p:spTree>
     <p:extLst>
       <p:ext uri="{BB962C8B-B14F-4D97-AF65-F5344CB8AC3E}">
-        <p14:creationId xmlns:p14="http://schemas.microsoft.com/office/powerpoint/2010/main" val="1840726560"/>
+        <p14:creationId xmlns:p14="http://schemas.microsoft.com/office/powerpoint/2010/main" val="2762745146"/>
       </p:ext>
     </p:extLst>
   </p:cSld>
@@ -2329,9 +3451,9 @@
 </p:sldLayout>
 </file>
 
-<file path=ppt/slideLayouts/slideLayout9.xml><?xml version="1.0" encoding="utf-8"?>
-<p:sldLayout xmlns:a="http://schemas.openxmlformats.org/drawingml/2006/main" xmlns:r="http://schemas.openxmlformats.org/officeDocument/2006/relationships" xmlns:p="http://schemas.openxmlformats.org/presentationml/2006/main" type="picTx" preserve="1">
-  <p:cSld name="Picture with Caption">
+<file path=ppt/slideLayouts/slideLayout3.xml><?xml version="1.0" encoding="utf-8"?>
+<p:sldLayout xmlns:a="http://schemas.openxmlformats.org/drawingml/2006/main" xmlns:r="http://schemas.openxmlformats.org/officeDocument/2006/relationships" xmlns:p="http://schemas.openxmlformats.org/presentationml/2006/main" type="secHead" preserve="1">
+  <p:cSld name="Antet secțiune">
     <p:spTree>
       <p:nvGrpSpPr>
         <p:cNvPr id="1" name=""/>
@@ -2348,165 +3470,169 @@
       </p:grpSpPr>
       <p:sp>
         <p:nvSpPr>
-          <p:cNvPr id="2" name="Title 1"/>
-          <p:cNvSpPr>
-            <a:spLocks noGrp="1"/>
-          </p:cNvSpPr>
-          <p:nvPr>
-            <p:ph type="title"/>
+          <p:cNvPr id="7" name="Title 1"/>
+          <p:cNvSpPr>
+            <a:spLocks noGrp="1"/>
+          </p:cNvSpPr>
+          <p:nvPr>
+            <p:ph type="ctrTitle"/>
           </p:nvPr>
         </p:nvSpPr>
         <p:spPr>
           <a:xfrm>
-            <a:off x="1792288" y="4800600"/>
-            <a:ext cx="5486400" cy="566738"/>
+            <a:off x="640899" y="4464028"/>
+            <a:ext cx="6858000" cy="1194650"/>
           </a:xfrm>
         </p:spPr>
         <p:txBody>
-          <a:bodyPr anchor="b"/>
+          <a:bodyPr wrap="none" anchor="t">
+            <a:normAutofit/>
+          </a:bodyPr>
           <a:lstStyle>
             <a:lvl1pPr algn="l">
-              <a:defRPr sz="2000" b="1"/>
+              <a:defRPr sz="7200" b="0" spc="-225">
+                <a:gradFill flip="none" rotWithShape="1">
+                  <a:gsLst>
+                    <a:gs pos="32000">
+                      <a:schemeClr val="tx1">
+                        <a:lumMod val="89000"/>
+                      </a:schemeClr>
+                    </a:gs>
+                    <a:gs pos="0">
+                      <a:schemeClr val="bg1">
+                        <a:lumMod val="47000"/>
+                        <a:lumOff val="53000"/>
+                      </a:schemeClr>
+                    </a:gs>
+                    <a:gs pos="100000">
+                      <a:schemeClr val="tx2">
+                        <a:lumMod val="0"/>
+                        <a:lumOff val="100000"/>
+                      </a:schemeClr>
+                    </a:gs>
+                  </a:gsLst>
+                  <a:lin ang="8100000" scaled="1"/>
+                  <a:tileRect/>
+                </a:gradFill>
+                <a:effectLst>
+                  <a:outerShdw blurRad="469900" dist="342900" dir="5400000" sy="-20000" rotWithShape="0">
+                    <a:prstClr val="black">
+                      <a:alpha val="66000"/>
+                    </a:prstClr>
+                  </a:outerShdw>
+                </a:effectLst>
+                <a:latin typeface="+mj-lt"/>
+              </a:defRPr>
             </a:lvl1pPr>
           </a:lstStyle>
           <a:p>
             <a:r>
-              <a:rPr lang="en-US" smtClean="0"/>
-              <a:t>Click to edit Master title style</a:t>
-            </a:r>
-            <a:endParaRPr lang="en-US"/>
-          </a:p>
-        </p:txBody>
-      </p:sp>
-      <p:sp>
-        <p:nvSpPr>
-          <p:cNvPr id="3" name="Picture Placeholder 2"/>
-          <p:cNvSpPr>
-            <a:spLocks noGrp="1"/>
-          </p:cNvSpPr>
-          <p:nvPr>
-            <p:ph type="pic" idx="1"/>
+              <a:rPr lang="ro-RO"/>
+              <a:t>Faceți clic pentru a edita stilul de titlu coordonator</a:t>
+            </a:r>
+            <a:endParaRPr lang="en-US" dirty="0"/>
+          </a:p>
+        </p:txBody>
+      </p:sp>
+      <p:sp>
+        <p:nvSpPr>
+          <p:cNvPr id="8" name="Subtitle 2"/>
+          <p:cNvSpPr>
+            <a:spLocks noGrp="1"/>
+          </p:cNvSpPr>
+          <p:nvPr>
+            <p:ph type="subTitle" idx="1"/>
           </p:nvPr>
         </p:nvSpPr>
         <p:spPr>
           <a:xfrm>
-            <a:off x="1792288" y="612775"/>
-            <a:ext cx="5486400" cy="4114800"/>
+            <a:off x="640899" y="3829878"/>
+            <a:ext cx="6858000" cy="617822"/>
           </a:xfrm>
         </p:spPr>
         <p:txBody>
-          <a:bodyPr/>
+          <a:bodyPr anchor="b">
+            <a:normAutofit/>
+          </a:bodyPr>
           <a:lstStyle>
-            <a:lvl1pPr marL="0" indent="0">
-              <a:buNone/>
-              <a:defRPr sz="3200"/>
+            <a:lvl1pPr marL="0" indent="0" algn="l">
+              <a:buNone/>
+              <a:defRPr sz="2400" b="0">
+                <a:gradFill flip="none" rotWithShape="1">
+                  <a:gsLst>
+                    <a:gs pos="15000">
+                      <a:schemeClr val="tx2"/>
+                    </a:gs>
+                    <a:gs pos="73000">
+                      <a:schemeClr val="tx2">
+                        <a:lumMod val="60000"/>
+                        <a:lumOff val="40000"/>
+                      </a:schemeClr>
+                    </a:gs>
+                    <a:gs pos="0">
+                      <a:schemeClr val="tx2">
+                        <a:lumMod val="90000"/>
+                        <a:lumOff val="10000"/>
+                      </a:schemeClr>
+                    </a:gs>
+                    <a:gs pos="100000">
+                      <a:schemeClr val="tx2">
+                        <a:lumMod val="0"/>
+                        <a:lumOff val="100000"/>
+                      </a:schemeClr>
+                    </a:gs>
+                  </a:gsLst>
+                  <a:lin ang="16200000" scaled="1"/>
+                  <a:tileRect/>
+                </a:gradFill>
+                <a:latin typeface="+mj-lt"/>
+              </a:defRPr>
             </a:lvl1pPr>
-            <a:lvl2pPr marL="457200" indent="0">
-              <a:buNone/>
-              <a:defRPr sz="2800"/>
+            <a:lvl2pPr marL="342900" indent="0" algn="ctr">
+              <a:buNone/>
+              <a:defRPr sz="1500"/>
             </a:lvl2pPr>
-            <a:lvl3pPr marL="914400" indent="0">
-              <a:buNone/>
-              <a:defRPr sz="2400"/>
+            <a:lvl3pPr marL="685800" indent="0" algn="ctr">
+              <a:buNone/>
+              <a:defRPr sz="1350"/>
             </a:lvl3pPr>
-            <a:lvl4pPr marL="1371600" indent="0">
-              <a:buNone/>
-              <a:defRPr sz="2000"/>
+            <a:lvl4pPr marL="1028700" indent="0" algn="ctr">
+              <a:buNone/>
+              <a:defRPr sz="1200"/>
             </a:lvl4pPr>
-            <a:lvl5pPr marL="1828800" indent="0">
-              <a:buNone/>
-              <a:defRPr sz="2000"/>
+            <a:lvl5pPr marL="1371600" indent="0" algn="ctr">
+              <a:buNone/>
+              <a:defRPr sz="1200"/>
             </a:lvl5pPr>
-            <a:lvl6pPr marL="2286000" indent="0">
-              <a:buNone/>
-              <a:defRPr sz="2000"/>
+            <a:lvl6pPr marL="1714500" indent="0" algn="ctr">
+              <a:buNone/>
+              <a:defRPr sz="1200"/>
             </a:lvl6pPr>
-            <a:lvl7pPr marL="2743200" indent="0">
-              <a:buNone/>
-              <a:defRPr sz="2000"/>
+            <a:lvl7pPr marL="2057400" indent="0" algn="ctr">
+              <a:buNone/>
+              <a:defRPr sz="1200"/>
             </a:lvl7pPr>
-            <a:lvl8pPr marL="3200400" indent="0">
-              <a:buNone/>
-              <a:defRPr sz="2000"/>
+            <a:lvl8pPr marL="2400300" indent="0" algn="ctr">
+              <a:buNone/>
+              <a:defRPr sz="1200"/>
             </a:lvl8pPr>
-            <a:lvl9pPr marL="3657600" indent="0">
-              <a:buNone/>
-              <a:defRPr sz="2000"/>
+            <a:lvl9pPr marL="2743200" indent="0" algn="ctr">
+              <a:buNone/>
+              <a:defRPr sz="1200"/>
             </a:lvl9pPr>
           </a:lstStyle>
           <a:p>
-            <a:endParaRPr lang="en-US"/>
-          </a:p>
-        </p:txBody>
-      </p:sp>
-      <p:sp>
-        <p:nvSpPr>
-          <p:cNvPr id="4" name="Text Placeholder 3"/>
-          <p:cNvSpPr>
-            <a:spLocks noGrp="1"/>
-          </p:cNvSpPr>
-          <p:nvPr>
-            <p:ph type="body" sz="half" idx="2"/>
-          </p:nvPr>
-        </p:nvSpPr>
-        <p:spPr>
-          <a:xfrm>
-            <a:off x="1792288" y="5367338"/>
-            <a:ext cx="5486400" cy="804862"/>
-          </a:xfrm>
-        </p:spPr>
-        <p:txBody>
-          <a:bodyPr/>
-          <a:lstStyle>
-            <a:lvl1pPr marL="0" indent="0">
-              <a:buNone/>
-              <a:defRPr sz="1400"/>
-            </a:lvl1pPr>
-            <a:lvl2pPr marL="457200" indent="0">
-              <a:buNone/>
-              <a:defRPr sz="1200"/>
-            </a:lvl2pPr>
-            <a:lvl3pPr marL="914400" indent="0">
-              <a:buNone/>
-              <a:defRPr sz="1000"/>
-            </a:lvl3pPr>
-            <a:lvl4pPr marL="1371600" indent="0">
-              <a:buNone/>
-              <a:defRPr sz="900"/>
-            </a:lvl4pPr>
-            <a:lvl5pPr marL="1828800" indent="0">
-              <a:buNone/>
-              <a:defRPr sz="900"/>
-            </a:lvl5pPr>
-            <a:lvl6pPr marL="2286000" indent="0">
-              <a:buNone/>
-              <a:defRPr sz="900"/>
-            </a:lvl6pPr>
-            <a:lvl7pPr marL="2743200" indent="0">
-              <a:buNone/>
-              <a:defRPr sz="900"/>
-            </a:lvl7pPr>
-            <a:lvl8pPr marL="3200400" indent="0">
-              <a:buNone/>
-              <a:defRPr sz="900"/>
-            </a:lvl8pPr>
-            <a:lvl9pPr marL="3657600" indent="0">
-              <a:buNone/>
-              <a:defRPr sz="900"/>
-            </a:lvl9pPr>
-          </a:lstStyle>
-          <a:p>
-            <a:pPr lvl="0"/>
-            <a:r>
-              <a:rPr lang="en-US" smtClean="0"/>
-              <a:t>Click to edit Master text styles</a:t>
-            </a:r>
-          </a:p>
-        </p:txBody>
-      </p:sp>
-      <p:sp>
-        <p:nvSpPr>
-          <p:cNvPr id="5" name="Date Placeholder 4"/>
+            <a:r>
+              <a:rPr lang="ro-RO"/>
+              <a:t>Faceți clic pentru a edita stilul de subtitlu coordonator</a:t>
+            </a:r>
+            <a:endParaRPr lang="en-US" dirty="0"/>
+          </a:p>
+        </p:txBody>
+      </p:sp>
+      <p:sp>
+        <p:nvSpPr>
+          <p:cNvPr id="4" name="Date Placeholder 3"/>
           <p:cNvSpPr>
             <a:spLocks noGrp="1"/>
           </p:cNvSpPr>
@@ -2521,7 +3647,7 @@
           <a:p>
             <a:fld id="{5BCAD085-E8A6-8845-BD4E-CB4CCA059FC4}" type="datetimeFigureOut">
               <a:rPr lang="en-US" smtClean="0"/>
-              <a:t>1/27/13</a:t>
+              <a:t>1/16/2026</a:t>
             </a:fld>
             <a:endParaRPr lang="en-US"/>
           </a:p>
@@ -2529,7 +3655,7 @@
       </p:sp>
       <p:sp>
         <p:nvSpPr>
-          <p:cNvPr id="6" name="Footer Placeholder 5"/>
+          <p:cNvPr id="5" name="Footer Placeholder 4"/>
           <p:cNvSpPr>
             <a:spLocks noGrp="1"/>
           </p:cNvSpPr>
@@ -2548,7 +3674,7 @@
       </p:sp>
       <p:sp>
         <p:nvSpPr>
-          <p:cNvPr id="7" name="Slide Number Placeholder 6"/>
+          <p:cNvPr id="6" name="Slide Number Placeholder 5"/>
           <p:cNvSpPr>
             <a:spLocks noGrp="1"/>
           </p:cNvSpPr>
@@ -2572,7 +3698,1405 @@
     </p:spTree>
     <p:extLst>
       <p:ext uri="{BB962C8B-B14F-4D97-AF65-F5344CB8AC3E}">
-        <p14:creationId xmlns:p14="http://schemas.microsoft.com/office/powerpoint/2010/main" val="3889236939"/>
+        <p14:creationId xmlns:p14="http://schemas.microsoft.com/office/powerpoint/2010/main" val="2496140321"/>
+      </p:ext>
+    </p:extLst>
+  </p:cSld>
+  <p:clrMapOvr>
+    <a:masterClrMapping/>
+  </p:clrMapOvr>
+</p:sldLayout>
+</file>
+
+<file path=ppt/slideLayouts/slideLayout4.xml><?xml version="1.0" encoding="utf-8"?>
+<p:sldLayout xmlns:a="http://schemas.openxmlformats.org/drawingml/2006/main" xmlns:r="http://schemas.openxmlformats.org/officeDocument/2006/relationships" xmlns:p="http://schemas.openxmlformats.org/presentationml/2006/main" type="twoObj" preserve="1">
+  <p:cSld name="Două tipuri de conținut">
+    <p:spTree>
+      <p:nvGrpSpPr>
+        <p:cNvPr id="1" name=""/>
+        <p:cNvGrpSpPr/>
+        <p:nvPr/>
+      </p:nvGrpSpPr>
+      <p:grpSpPr>
+        <a:xfrm>
+          <a:off x="0" y="0"/>
+          <a:ext cx="0" cy="0"/>
+          <a:chOff x="0" y="0"/>
+          <a:chExt cx="0" cy="0"/>
+        </a:xfrm>
+      </p:grpSpPr>
+      <p:sp>
+        <p:nvSpPr>
+          <p:cNvPr id="2" name="Title 1"/>
+          <p:cNvSpPr>
+            <a:spLocks noGrp="1"/>
+          </p:cNvSpPr>
+          <p:nvPr>
+            <p:ph type="title"/>
+          </p:nvPr>
+        </p:nvSpPr>
+        <p:spPr/>
+        <p:txBody>
+          <a:bodyPr/>
+          <a:lstStyle/>
+          <a:p>
+            <a:r>
+              <a:rPr lang="ro-RO"/>
+              <a:t>Faceți clic pentru a edita stilul de titlu coordonator</a:t>
+            </a:r>
+            <a:endParaRPr lang="en-US" dirty="0"/>
+          </a:p>
+        </p:txBody>
+      </p:sp>
+      <p:sp>
+        <p:nvSpPr>
+          <p:cNvPr id="3" name="Content Placeholder 2"/>
+          <p:cNvSpPr>
+            <a:spLocks noGrp="1"/>
+          </p:cNvSpPr>
+          <p:nvPr>
+            <p:ph sz="half" idx="1"/>
+          </p:nvPr>
+        </p:nvSpPr>
+        <p:spPr>
+          <a:xfrm>
+            <a:off x="840000" y="1825625"/>
+            <a:ext cx="3768912" cy="4351338"/>
+          </a:xfrm>
+        </p:spPr>
+        <p:txBody>
+          <a:bodyPr/>
+          <a:lstStyle/>
+          <a:p>
+            <a:pPr lvl="0"/>
+            <a:r>
+              <a:rPr lang="ro-RO"/>
+              <a:t>Faceţi clic pentru a edita Master stiluri text</a:t>
+            </a:r>
+          </a:p>
+          <a:p>
+            <a:pPr lvl="1"/>
+            <a:r>
+              <a:rPr lang="ro-RO"/>
+              <a:t>al doilea nivel</a:t>
+            </a:r>
+          </a:p>
+          <a:p>
+            <a:pPr lvl="2"/>
+            <a:r>
+              <a:rPr lang="ro-RO"/>
+              <a:t>al treilea nivel</a:t>
+            </a:r>
+          </a:p>
+          <a:p>
+            <a:pPr lvl="3"/>
+            <a:r>
+              <a:rPr lang="ro-RO"/>
+              <a:t>al patrulea nivel</a:t>
+            </a:r>
+          </a:p>
+          <a:p>
+            <a:pPr lvl="4"/>
+            <a:r>
+              <a:rPr lang="ro-RO"/>
+              <a:t>al cincilea nivel</a:t>
+            </a:r>
+            <a:endParaRPr lang="en-US" dirty="0"/>
+          </a:p>
+        </p:txBody>
+      </p:sp>
+      <p:sp>
+        <p:nvSpPr>
+          <p:cNvPr id="4" name="Content Placeholder 3"/>
+          <p:cNvSpPr>
+            <a:spLocks noGrp="1"/>
+          </p:cNvSpPr>
+          <p:nvPr>
+            <p:ph sz="half" idx="2"/>
+          </p:nvPr>
+        </p:nvSpPr>
+        <p:spPr>
+          <a:xfrm>
+            <a:off x="4739880" y="1825625"/>
+            <a:ext cx="3775470" cy="4351338"/>
+          </a:xfrm>
+        </p:spPr>
+        <p:txBody>
+          <a:bodyPr/>
+          <a:lstStyle/>
+          <a:p>
+            <a:pPr lvl="0"/>
+            <a:r>
+              <a:rPr lang="ro-RO"/>
+              <a:t>Faceţi clic pentru a edita Master stiluri text</a:t>
+            </a:r>
+          </a:p>
+          <a:p>
+            <a:pPr lvl="1"/>
+            <a:r>
+              <a:rPr lang="ro-RO"/>
+              <a:t>al doilea nivel</a:t>
+            </a:r>
+          </a:p>
+          <a:p>
+            <a:pPr lvl="2"/>
+            <a:r>
+              <a:rPr lang="ro-RO"/>
+              <a:t>al treilea nivel</a:t>
+            </a:r>
+          </a:p>
+          <a:p>
+            <a:pPr lvl="3"/>
+            <a:r>
+              <a:rPr lang="ro-RO"/>
+              <a:t>al patrulea nivel</a:t>
+            </a:r>
+          </a:p>
+          <a:p>
+            <a:pPr lvl="4"/>
+            <a:r>
+              <a:rPr lang="ro-RO"/>
+              <a:t>al cincilea nivel</a:t>
+            </a:r>
+            <a:endParaRPr lang="en-US" dirty="0"/>
+          </a:p>
+        </p:txBody>
+      </p:sp>
+      <p:sp>
+        <p:nvSpPr>
+          <p:cNvPr id="5" name="Date Placeholder 4"/>
+          <p:cNvSpPr>
+            <a:spLocks noGrp="1"/>
+          </p:cNvSpPr>
+          <p:nvPr>
+            <p:ph type="dt" sz="half" idx="10"/>
+          </p:nvPr>
+        </p:nvSpPr>
+        <p:spPr/>
+        <p:txBody>
+          <a:bodyPr/>
+          <a:lstStyle/>
+          <a:p>
+            <a:fld id="{5BCAD085-E8A6-8845-BD4E-CB4CCA059FC4}" type="datetimeFigureOut">
+              <a:rPr lang="en-US" smtClean="0"/>
+              <a:t>1/16/2026</a:t>
+            </a:fld>
+            <a:endParaRPr lang="en-US"/>
+          </a:p>
+        </p:txBody>
+      </p:sp>
+      <p:sp>
+        <p:nvSpPr>
+          <p:cNvPr id="6" name="Footer Placeholder 5"/>
+          <p:cNvSpPr>
+            <a:spLocks noGrp="1"/>
+          </p:cNvSpPr>
+          <p:nvPr>
+            <p:ph type="ftr" sz="quarter" idx="11"/>
+          </p:nvPr>
+        </p:nvSpPr>
+        <p:spPr/>
+        <p:txBody>
+          <a:bodyPr/>
+          <a:lstStyle/>
+          <a:p>
+            <a:endParaRPr lang="en-US"/>
+          </a:p>
+        </p:txBody>
+      </p:sp>
+      <p:sp>
+        <p:nvSpPr>
+          <p:cNvPr id="7" name="Slide Number Placeholder 6"/>
+          <p:cNvSpPr>
+            <a:spLocks noGrp="1"/>
+          </p:cNvSpPr>
+          <p:nvPr>
+            <p:ph type="sldNum" sz="quarter" idx="12"/>
+          </p:nvPr>
+        </p:nvSpPr>
+        <p:spPr/>
+        <p:txBody>
+          <a:bodyPr/>
+          <a:lstStyle/>
+          <a:p>
+            <a:fld id="{C1FF6DA9-008F-8B48-92A6-B652298478BF}" type="slidenum">
+              <a:rPr lang="en-US" smtClean="0"/>
+              <a:t>‹#›</a:t>
+            </a:fld>
+            <a:endParaRPr lang="en-US"/>
+          </a:p>
+        </p:txBody>
+      </p:sp>
+    </p:spTree>
+    <p:extLst>
+      <p:ext uri="{BB962C8B-B14F-4D97-AF65-F5344CB8AC3E}">
+        <p14:creationId xmlns:p14="http://schemas.microsoft.com/office/powerpoint/2010/main" val="3766173205"/>
+      </p:ext>
+    </p:extLst>
+  </p:cSld>
+  <p:clrMapOvr>
+    <a:masterClrMapping/>
+  </p:clrMapOvr>
+</p:sldLayout>
+</file>
+
+<file path=ppt/slideLayouts/slideLayout5.xml><?xml version="1.0" encoding="utf-8"?>
+<p:sldLayout xmlns:a="http://schemas.openxmlformats.org/drawingml/2006/main" xmlns:r="http://schemas.openxmlformats.org/officeDocument/2006/relationships" xmlns:p="http://schemas.openxmlformats.org/presentationml/2006/main" type="twoTxTwoObj" preserve="1">
+  <p:cSld name="Comparație">
+    <p:spTree>
+      <p:nvGrpSpPr>
+        <p:cNvPr id="1" name=""/>
+        <p:cNvGrpSpPr/>
+        <p:nvPr/>
+      </p:nvGrpSpPr>
+      <p:grpSpPr>
+        <a:xfrm>
+          <a:off x="0" y="0"/>
+          <a:ext cx="0" cy="0"/>
+          <a:chOff x="0" y="0"/>
+          <a:chExt cx="0" cy="0"/>
+        </a:xfrm>
+      </p:grpSpPr>
+      <p:sp>
+        <p:nvSpPr>
+          <p:cNvPr id="2" name="Title 1"/>
+          <p:cNvSpPr>
+            <a:spLocks noGrp="1"/>
+          </p:cNvSpPr>
+          <p:nvPr>
+            <p:ph type="title"/>
+          </p:nvPr>
+        </p:nvSpPr>
+        <p:spPr>
+          <a:xfrm>
+            <a:off x="629841" y="365126"/>
+            <a:ext cx="7886700" cy="1325563"/>
+          </a:xfrm>
+        </p:spPr>
+        <p:txBody>
+          <a:bodyPr/>
+          <a:lstStyle/>
+          <a:p>
+            <a:r>
+              <a:rPr lang="ro-RO"/>
+              <a:t>Faceți clic pentru a edita stilul de titlu coordonator</a:t>
+            </a:r>
+            <a:endParaRPr lang="en-US" dirty="0"/>
+          </a:p>
+        </p:txBody>
+      </p:sp>
+      <p:sp>
+        <p:nvSpPr>
+          <p:cNvPr id="3" name="Text Placeholder 2"/>
+          <p:cNvSpPr>
+            <a:spLocks noGrp="1"/>
+          </p:cNvSpPr>
+          <p:nvPr>
+            <p:ph type="body" idx="1"/>
+          </p:nvPr>
+        </p:nvSpPr>
+        <p:spPr>
+          <a:xfrm>
+            <a:off x="840000" y="1681163"/>
+            <a:ext cx="3768912" cy="823912"/>
+          </a:xfrm>
+        </p:spPr>
+        <p:txBody>
+          <a:bodyPr anchor="b">
+            <a:normAutofit/>
+          </a:bodyPr>
+          <a:lstStyle>
+            <a:lvl1pPr marL="0" indent="0">
+              <a:buNone/>
+              <a:defRPr sz="2000" b="0">
+                <a:gradFill>
+                  <a:gsLst>
+                    <a:gs pos="15000">
+                      <a:schemeClr val="tx2"/>
+                    </a:gs>
+                    <a:gs pos="73000">
+                      <a:schemeClr val="tx2">
+                        <a:lumMod val="60000"/>
+                        <a:lumOff val="40000"/>
+                      </a:schemeClr>
+                    </a:gs>
+                    <a:gs pos="0">
+                      <a:schemeClr val="tx2">
+                        <a:lumMod val="90000"/>
+                        <a:lumOff val="10000"/>
+                      </a:schemeClr>
+                    </a:gs>
+                    <a:gs pos="100000">
+                      <a:schemeClr val="tx2">
+                        <a:lumMod val="0"/>
+                        <a:lumOff val="100000"/>
+                      </a:schemeClr>
+                    </a:gs>
+                  </a:gsLst>
+                  <a:lin ang="16200000" scaled="1"/>
+                </a:gradFill>
+              </a:defRPr>
+            </a:lvl1pPr>
+            <a:lvl2pPr marL="342900" indent="0">
+              <a:buNone/>
+              <a:defRPr sz="1500" b="1"/>
+            </a:lvl2pPr>
+            <a:lvl3pPr marL="685800" indent="0">
+              <a:buNone/>
+              <a:defRPr sz="1350" b="1"/>
+            </a:lvl3pPr>
+            <a:lvl4pPr marL="1028700" indent="0">
+              <a:buNone/>
+              <a:defRPr sz="1200" b="1"/>
+            </a:lvl4pPr>
+            <a:lvl5pPr marL="1371600" indent="0">
+              <a:buNone/>
+              <a:defRPr sz="1200" b="1"/>
+            </a:lvl5pPr>
+            <a:lvl6pPr marL="1714500" indent="0">
+              <a:buNone/>
+              <a:defRPr sz="1200" b="1"/>
+            </a:lvl6pPr>
+            <a:lvl7pPr marL="2057400" indent="0">
+              <a:buNone/>
+              <a:defRPr sz="1200" b="1"/>
+            </a:lvl7pPr>
+            <a:lvl8pPr marL="2400300" indent="0">
+              <a:buNone/>
+              <a:defRPr sz="1200" b="1"/>
+            </a:lvl8pPr>
+            <a:lvl9pPr marL="2743200" indent="0">
+              <a:buNone/>
+              <a:defRPr sz="1200" b="1"/>
+            </a:lvl9pPr>
+          </a:lstStyle>
+          <a:p>
+            <a:pPr lvl="0"/>
+            <a:r>
+              <a:rPr lang="ro-RO"/>
+              <a:t>Faceţi clic pentru a edita Master stiluri text</a:t>
+            </a:r>
+          </a:p>
+        </p:txBody>
+      </p:sp>
+      <p:sp>
+        <p:nvSpPr>
+          <p:cNvPr id="4" name="Content Placeholder 3"/>
+          <p:cNvSpPr>
+            <a:spLocks noGrp="1"/>
+          </p:cNvSpPr>
+          <p:nvPr>
+            <p:ph sz="half" idx="2"/>
+          </p:nvPr>
+        </p:nvSpPr>
+        <p:spPr>
+          <a:xfrm>
+            <a:off x="840000" y="2505075"/>
+            <a:ext cx="3768912" cy="3684588"/>
+          </a:xfrm>
+        </p:spPr>
+        <p:txBody>
+          <a:bodyPr/>
+          <a:lstStyle/>
+          <a:p>
+            <a:pPr lvl="0"/>
+            <a:r>
+              <a:rPr lang="ro-RO"/>
+              <a:t>Faceţi clic pentru a edita Master stiluri text</a:t>
+            </a:r>
+          </a:p>
+          <a:p>
+            <a:pPr lvl="1"/>
+            <a:r>
+              <a:rPr lang="ro-RO"/>
+              <a:t>al doilea nivel</a:t>
+            </a:r>
+          </a:p>
+          <a:p>
+            <a:pPr lvl="2"/>
+            <a:r>
+              <a:rPr lang="ro-RO"/>
+              <a:t>al treilea nivel</a:t>
+            </a:r>
+          </a:p>
+          <a:p>
+            <a:pPr lvl="3"/>
+            <a:r>
+              <a:rPr lang="ro-RO"/>
+              <a:t>al patrulea nivel</a:t>
+            </a:r>
+          </a:p>
+          <a:p>
+            <a:pPr lvl="4"/>
+            <a:r>
+              <a:rPr lang="ro-RO"/>
+              <a:t>al cincilea nivel</a:t>
+            </a:r>
+            <a:endParaRPr lang="en-US" dirty="0"/>
+          </a:p>
+        </p:txBody>
+      </p:sp>
+      <p:sp>
+        <p:nvSpPr>
+          <p:cNvPr id="5" name="Text Placeholder 4"/>
+          <p:cNvSpPr>
+            <a:spLocks noGrp="1"/>
+          </p:cNvSpPr>
+          <p:nvPr>
+            <p:ph type="body" sz="quarter" idx="3"/>
+          </p:nvPr>
+        </p:nvSpPr>
+        <p:spPr>
+          <a:xfrm>
+            <a:off x="4739880" y="1681163"/>
+            <a:ext cx="3776661" cy="823912"/>
+          </a:xfrm>
+        </p:spPr>
+        <p:txBody>
+          <a:bodyPr vert="horz" lIns="91440" tIns="45720" rIns="91440" bIns="45720" rtlCol="0" anchor="b">
+            <a:normAutofit/>
+          </a:bodyPr>
+          <a:lstStyle>
+            <a:lvl1pPr>
+              <a:buNone/>
+              <a:defRPr lang="en-US" sz="2000" b="0">
+                <a:gradFill>
+                  <a:gsLst>
+                    <a:gs pos="15000">
+                      <a:schemeClr val="tx2"/>
+                    </a:gs>
+                    <a:gs pos="73000">
+                      <a:schemeClr val="tx2">
+                        <a:lumMod val="60000"/>
+                        <a:lumOff val="40000"/>
+                      </a:schemeClr>
+                    </a:gs>
+                    <a:gs pos="0">
+                      <a:schemeClr val="tx2">
+                        <a:lumMod val="90000"/>
+                        <a:lumOff val="10000"/>
+                      </a:schemeClr>
+                    </a:gs>
+                    <a:gs pos="100000">
+                      <a:schemeClr val="tx2">
+                        <a:lumMod val="0"/>
+                        <a:lumOff val="100000"/>
+                      </a:schemeClr>
+                    </a:gs>
+                  </a:gsLst>
+                  <a:lin ang="16200000" scaled="1"/>
+                </a:gradFill>
+              </a:defRPr>
+            </a:lvl1pPr>
+          </a:lstStyle>
+          <a:p>
+            <a:pPr marL="0" lvl="0" indent="0">
+              <a:buNone/>
+            </a:pPr>
+            <a:r>
+              <a:rPr lang="ro-RO"/>
+              <a:t>Faceţi clic pentru a edita Master stiluri text</a:t>
+            </a:r>
+          </a:p>
+        </p:txBody>
+      </p:sp>
+      <p:sp>
+        <p:nvSpPr>
+          <p:cNvPr id="6" name="Content Placeholder 5"/>
+          <p:cNvSpPr>
+            <a:spLocks noGrp="1"/>
+          </p:cNvSpPr>
+          <p:nvPr>
+            <p:ph sz="quarter" idx="4"/>
+          </p:nvPr>
+        </p:nvSpPr>
+        <p:spPr>
+          <a:xfrm>
+            <a:off x="4739880" y="2505075"/>
+            <a:ext cx="3776661" cy="3684588"/>
+          </a:xfrm>
+        </p:spPr>
+        <p:txBody>
+          <a:bodyPr/>
+          <a:lstStyle/>
+          <a:p>
+            <a:pPr lvl="0"/>
+            <a:r>
+              <a:rPr lang="ro-RO"/>
+              <a:t>Faceţi clic pentru a edita Master stiluri text</a:t>
+            </a:r>
+          </a:p>
+          <a:p>
+            <a:pPr lvl="1"/>
+            <a:r>
+              <a:rPr lang="ro-RO"/>
+              <a:t>al doilea nivel</a:t>
+            </a:r>
+          </a:p>
+          <a:p>
+            <a:pPr lvl="2"/>
+            <a:r>
+              <a:rPr lang="ro-RO"/>
+              <a:t>al treilea nivel</a:t>
+            </a:r>
+          </a:p>
+          <a:p>
+            <a:pPr lvl="3"/>
+            <a:r>
+              <a:rPr lang="ro-RO"/>
+              <a:t>al patrulea nivel</a:t>
+            </a:r>
+          </a:p>
+          <a:p>
+            <a:pPr lvl="4"/>
+            <a:r>
+              <a:rPr lang="ro-RO"/>
+              <a:t>al cincilea nivel</a:t>
+            </a:r>
+            <a:endParaRPr lang="en-US" dirty="0"/>
+          </a:p>
+        </p:txBody>
+      </p:sp>
+      <p:sp>
+        <p:nvSpPr>
+          <p:cNvPr id="7" name="Date Placeholder 6"/>
+          <p:cNvSpPr>
+            <a:spLocks noGrp="1"/>
+          </p:cNvSpPr>
+          <p:nvPr>
+            <p:ph type="dt" sz="half" idx="10"/>
+          </p:nvPr>
+        </p:nvSpPr>
+        <p:spPr/>
+        <p:txBody>
+          <a:bodyPr/>
+          <a:lstStyle/>
+          <a:p>
+            <a:fld id="{5BCAD085-E8A6-8845-BD4E-CB4CCA059FC4}" type="datetimeFigureOut">
+              <a:rPr lang="en-US" smtClean="0"/>
+              <a:t>1/16/2026</a:t>
+            </a:fld>
+            <a:endParaRPr lang="en-US"/>
+          </a:p>
+        </p:txBody>
+      </p:sp>
+      <p:sp>
+        <p:nvSpPr>
+          <p:cNvPr id="8" name="Footer Placeholder 7"/>
+          <p:cNvSpPr>
+            <a:spLocks noGrp="1"/>
+          </p:cNvSpPr>
+          <p:nvPr>
+            <p:ph type="ftr" sz="quarter" idx="11"/>
+          </p:nvPr>
+        </p:nvSpPr>
+        <p:spPr/>
+        <p:txBody>
+          <a:bodyPr/>
+          <a:lstStyle/>
+          <a:p>
+            <a:endParaRPr lang="en-US"/>
+          </a:p>
+        </p:txBody>
+      </p:sp>
+      <p:sp>
+        <p:nvSpPr>
+          <p:cNvPr id="9" name="Slide Number Placeholder 8"/>
+          <p:cNvSpPr>
+            <a:spLocks noGrp="1"/>
+          </p:cNvSpPr>
+          <p:nvPr>
+            <p:ph type="sldNum" sz="quarter" idx="12"/>
+          </p:nvPr>
+        </p:nvSpPr>
+        <p:spPr/>
+        <p:txBody>
+          <a:bodyPr/>
+          <a:lstStyle/>
+          <a:p>
+            <a:fld id="{C1FF6DA9-008F-8B48-92A6-B652298478BF}" type="slidenum">
+              <a:rPr lang="en-US" smtClean="0"/>
+              <a:t>‹#›</a:t>
+            </a:fld>
+            <a:endParaRPr lang="en-US"/>
+          </a:p>
+        </p:txBody>
+      </p:sp>
+    </p:spTree>
+    <p:extLst>
+      <p:ext uri="{BB962C8B-B14F-4D97-AF65-F5344CB8AC3E}">
+        <p14:creationId xmlns:p14="http://schemas.microsoft.com/office/powerpoint/2010/main" val="579780175"/>
+      </p:ext>
+    </p:extLst>
+  </p:cSld>
+  <p:clrMapOvr>
+    <a:masterClrMapping/>
+  </p:clrMapOvr>
+</p:sldLayout>
+</file>
+
+<file path=ppt/slideLayouts/slideLayout6.xml><?xml version="1.0" encoding="utf-8"?>
+<p:sldLayout xmlns:a="http://schemas.openxmlformats.org/drawingml/2006/main" xmlns:r="http://schemas.openxmlformats.org/officeDocument/2006/relationships" xmlns:p="http://schemas.openxmlformats.org/presentationml/2006/main" type="titleOnly" preserve="1">
+  <p:cSld name="Doar titlu">
+    <p:spTree>
+      <p:nvGrpSpPr>
+        <p:cNvPr id="1" name=""/>
+        <p:cNvGrpSpPr/>
+        <p:nvPr/>
+      </p:nvGrpSpPr>
+      <p:grpSpPr>
+        <a:xfrm>
+          <a:off x="0" y="0"/>
+          <a:ext cx="0" cy="0"/>
+          <a:chOff x="0" y="0"/>
+          <a:chExt cx="0" cy="0"/>
+        </a:xfrm>
+      </p:grpSpPr>
+      <p:sp>
+        <p:nvSpPr>
+          <p:cNvPr id="2" name="Title 1"/>
+          <p:cNvSpPr>
+            <a:spLocks noGrp="1"/>
+          </p:cNvSpPr>
+          <p:nvPr>
+            <p:ph type="title"/>
+          </p:nvPr>
+        </p:nvSpPr>
+        <p:spPr/>
+        <p:txBody>
+          <a:bodyPr/>
+          <a:lstStyle/>
+          <a:p>
+            <a:r>
+              <a:rPr lang="ro-RO"/>
+              <a:t>Faceți clic pentru a edita stilul de titlu coordonator</a:t>
+            </a:r>
+            <a:endParaRPr lang="en-US" dirty="0"/>
+          </a:p>
+        </p:txBody>
+      </p:sp>
+      <p:sp>
+        <p:nvSpPr>
+          <p:cNvPr id="3" name="Date Placeholder 2"/>
+          <p:cNvSpPr>
+            <a:spLocks noGrp="1"/>
+          </p:cNvSpPr>
+          <p:nvPr>
+            <p:ph type="dt" sz="half" idx="10"/>
+          </p:nvPr>
+        </p:nvSpPr>
+        <p:spPr/>
+        <p:txBody>
+          <a:bodyPr/>
+          <a:lstStyle/>
+          <a:p>
+            <a:fld id="{5BCAD085-E8A6-8845-BD4E-CB4CCA059FC4}" type="datetimeFigureOut">
+              <a:rPr lang="en-US" smtClean="0"/>
+              <a:t>1/16/2026</a:t>
+            </a:fld>
+            <a:endParaRPr lang="en-US"/>
+          </a:p>
+        </p:txBody>
+      </p:sp>
+      <p:sp>
+        <p:nvSpPr>
+          <p:cNvPr id="4" name="Footer Placeholder 3"/>
+          <p:cNvSpPr>
+            <a:spLocks noGrp="1"/>
+          </p:cNvSpPr>
+          <p:nvPr>
+            <p:ph type="ftr" sz="quarter" idx="11"/>
+          </p:nvPr>
+        </p:nvSpPr>
+        <p:spPr/>
+        <p:txBody>
+          <a:bodyPr/>
+          <a:lstStyle/>
+          <a:p>
+            <a:endParaRPr lang="en-US"/>
+          </a:p>
+        </p:txBody>
+      </p:sp>
+      <p:sp>
+        <p:nvSpPr>
+          <p:cNvPr id="5" name="Slide Number Placeholder 4"/>
+          <p:cNvSpPr>
+            <a:spLocks noGrp="1"/>
+          </p:cNvSpPr>
+          <p:nvPr>
+            <p:ph type="sldNum" sz="quarter" idx="12"/>
+          </p:nvPr>
+        </p:nvSpPr>
+        <p:spPr/>
+        <p:txBody>
+          <a:bodyPr/>
+          <a:lstStyle/>
+          <a:p>
+            <a:fld id="{C1FF6DA9-008F-8B48-92A6-B652298478BF}" type="slidenum">
+              <a:rPr lang="en-US" smtClean="0"/>
+              <a:t>‹#›</a:t>
+            </a:fld>
+            <a:endParaRPr lang="en-US"/>
+          </a:p>
+        </p:txBody>
+      </p:sp>
+    </p:spTree>
+    <p:extLst>
+      <p:ext uri="{BB962C8B-B14F-4D97-AF65-F5344CB8AC3E}">
+        <p14:creationId xmlns:p14="http://schemas.microsoft.com/office/powerpoint/2010/main" val="3897028046"/>
+      </p:ext>
+    </p:extLst>
+  </p:cSld>
+  <p:clrMapOvr>
+    <a:masterClrMapping/>
+  </p:clrMapOvr>
+</p:sldLayout>
+</file>
+
+<file path=ppt/slideLayouts/slideLayout7.xml><?xml version="1.0" encoding="utf-8"?>
+<p:sldLayout xmlns:a="http://schemas.openxmlformats.org/drawingml/2006/main" xmlns:r="http://schemas.openxmlformats.org/officeDocument/2006/relationships" xmlns:p="http://schemas.openxmlformats.org/presentationml/2006/main" type="blank" preserve="1">
+  <p:cSld name="Necompletat">
+    <p:spTree>
+      <p:nvGrpSpPr>
+        <p:cNvPr id="1" name=""/>
+        <p:cNvGrpSpPr/>
+        <p:nvPr/>
+      </p:nvGrpSpPr>
+      <p:grpSpPr>
+        <a:xfrm>
+          <a:off x="0" y="0"/>
+          <a:ext cx="0" cy="0"/>
+          <a:chOff x="0" y="0"/>
+          <a:chExt cx="0" cy="0"/>
+        </a:xfrm>
+      </p:grpSpPr>
+      <p:sp>
+        <p:nvSpPr>
+          <p:cNvPr id="2" name="Date Placeholder 1"/>
+          <p:cNvSpPr>
+            <a:spLocks noGrp="1"/>
+          </p:cNvSpPr>
+          <p:nvPr>
+            <p:ph type="dt" sz="half" idx="10"/>
+          </p:nvPr>
+        </p:nvSpPr>
+        <p:spPr/>
+        <p:txBody>
+          <a:bodyPr/>
+          <a:lstStyle/>
+          <a:p>
+            <a:fld id="{5BCAD085-E8A6-8845-BD4E-CB4CCA059FC4}" type="datetimeFigureOut">
+              <a:rPr lang="en-US" smtClean="0"/>
+              <a:t>1/16/2026</a:t>
+            </a:fld>
+            <a:endParaRPr lang="en-US"/>
+          </a:p>
+        </p:txBody>
+      </p:sp>
+      <p:sp>
+        <p:nvSpPr>
+          <p:cNvPr id="3" name="Footer Placeholder 2"/>
+          <p:cNvSpPr>
+            <a:spLocks noGrp="1"/>
+          </p:cNvSpPr>
+          <p:nvPr>
+            <p:ph type="ftr" sz="quarter" idx="11"/>
+          </p:nvPr>
+        </p:nvSpPr>
+        <p:spPr/>
+        <p:txBody>
+          <a:bodyPr/>
+          <a:lstStyle/>
+          <a:p>
+            <a:endParaRPr lang="en-US"/>
+          </a:p>
+        </p:txBody>
+      </p:sp>
+      <p:sp>
+        <p:nvSpPr>
+          <p:cNvPr id="4" name="Slide Number Placeholder 3"/>
+          <p:cNvSpPr>
+            <a:spLocks noGrp="1"/>
+          </p:cNvSpPr>
+          <p:nvPr>
+            <p:ph type="sldNum" sz="quarter" idx="12"/>
+          </p:nvPr>
+        </p:nvSpPr>
+        <p:spPr/>
+        <p:txBody>
+          <a:bodyPr/>
+          <a:lstStyle/>
+          <a:p>
+            <a:fld id="{C1FF6DA9-008F-8B48-92A6-B652298478BF}" type="slidenum">
+              <a:rPr lang="en-US" smtClean="0"/>
+              <a:t>‹#›</a:t>
+            </a:fld>
+            <a:endParaRPr lang="en-US"/>
+          </a:p>
+        </p:txBody>
+      </p:sp>
+    </p:spTree>
+    <p:extLst>
+      <p:ext uri="{BB962C8B-B14F-4D97-AF65-F5344CB8AC3E}">
+        <p14:creationId xmlns:p14="http://schemas.microsoft.com/office/powerpoint/2010/main" val="3122662310"/>
+      </p:ext>
+    </p:extLst>
+  </p:cSld>
+  <p:clrMapOvr>
+    <a:masterClrMapping/>
+  </p:clrMapOvr>
+</p:sldLayout>
+</file>
+
+<file path=ppt/slideLayouts/slideLayout8.xml><?xml version="1.0" encoding="utf-8"?>
+<p:sldLayout xmlns:a="http://schemas.openxmlformats.org/drawingml/2006/main" xmlns:r="http://schemas.openxmlformats.org/officeDocument/2006/relationships" xmlns:p="http://schemas.openxmlformats.org/presentationml/2006/main" type="objTx" preserve="1">
+  <p:cSld name="Conținut cu legendă">
+    <p:spTree>
+      <p:nvGrpSpPr>
+        <p:cNvPr id="1" name=""/>
+        <p:cNvGrpSpPr/>
+        <p:nvPr/>
+      </p:nvGrpSpPr>
+      <p:grpSpPr>
+        <a:xfrm>
+          <a:off x="0" y="0"/>
+          <a:ext cx="0" cy="0"/>
+          <a:chOff x="0" y="0"/>
+          <a:chExt cx="0" cy="0"/>
+        </a:xfrm>
+      </p:grpSpPr>
+      <p:sp>
+        <p:nvSpPr>
+          <p:cNvPr id="2" name="Title 1"/>
+          <p:cNvSpPr>
+            <a:spLocks noGrp="1"/>
+          </p:cNvSpPr>
+          <p:nvPr>
+            <p:ph type="title"/>
+          </p:nvPr>
+        </p:nvSpPr>
+        <p:spPr>
+          <a:xfrm>
+            <a:off x="629841" y="457200"/>
+            <a:ext cx="2949178" cy="1600200"/>
+          </a:xfrm>
+        </p:spPr>
+        <p:txBody>
+          <a:bodyPr anchor="b"/>
+          <a:lstStyle>
+            <a:lvl1pPr>
+              <a:defRPr sz="2400"/>
+            </a:lvl1pPr>
+          </a:lstStyle>
+          <a:p>
+            <a:r>
+              <a:rPr lang="ro-RO"/>
+              <a:t>Faceți clic pentru a edita stilul de titlu coordonator</a:t>
+            </a:r>
+            <a:endParaRPr lang="en-US" dirty="0"/>
+          </a:p>
+        </p:txBody>
+      </p:sp>
+      <p:sp>
+        <p:nvSpPr>
+          <p:cNvPr id="3" name="Content Placeholder 2"/>
+          <p:cNvSpPr>
+            <a:spLocks noGrp="1"/>
+          </p:cNvSpPr>
+          <p:nvPr>
+            <p:ph idx="1"/>
+          </p:nvPr>
+        </p:nvSpPr>
+        <p:spPr>
+          <a:xfrm>
+            <a:off x="3887391" y="987426"/>
+            <a:ext cx="4629150" cy="4873625"/>
+          </a:xfrm>
+        </p:spPr>
+        <p:txBody>
+          <a:bodyPr/>
+          <a:lstStyle/>
+          <a:p>
+            <a:pPr lvl="0"/>
+            <a:r>
+              <a:rPr lang="ro-RO"/>
+              <a:t>Faceţi clic pentru a edita Master stiluri text</a:t>
+            </a:r>
+          </a:p>
+          <a:p>
+            <a:pPr lvl="1"/>
+            <a:r>
+              <a:rPr lang="ro-RO"/>
+              <a:t>al doilea nivel</a:t>
+            </a:r>
+          </a:p>
+          <a:p>
+            <a:pPr lvl="2"/>
+            <a:r>
+              <a:rPr lang="ro-RO"/>
+              <a:t>al treilea nivel</a:t>
+            </a:r>
+          </a:p>
+          <a:p>
+            <a:pPr lvl="3"/>
+            <a:r>
+              <a:rPr lang="ro-RO"/>
+              <a:t>al patrulea nivel</a:t>
+            </a:r>
+          </a:p>
+          <a:p>
+            <a:pPr lvl="4"/>
+            <a:r>
+              <a:rPr lang="ro-RO"/>
+              <a:t>al cincilea nivel</a:t>
+            </a:r>
+            <a:endParaRPr lang="en-US" dirty="0"/>
+          </a:p>
+        </p:txBody>
+      </p:sp>
+      <p:sp>
+        <p:nvSpPr>
+          <p:cNvPr id="4" name="Text Placeholder 3"/>
+          <p:cNvSpPr>
+            <a:spLocks noGrp="1"/>
+          </p:cNvSpPr>
+          <p:nvPr>
+            <p:ph type="body" sz="half" idx="2"/>
+          </p:nvPr>
+        </p:nvSpPr>
+        <p:spPr>
+          <a:xfrm>
+            <a:off x="840000" y="2057400"/>
+            <a:ext cx="2739019" cy="3811588"/>
+          </a:xfrm>
+        </p:spPr>
+        <p:txBody>
+          <a:bodyPr>
+            <a:normAutofit/>
+          </a:bodyPr>
+          <a:lstStyle>
+            <a:lvl1pPr marL="0" indent="0">
+              <a:buNone/>
+              <a:defRPr sz="1400">
+                <a:gradFill>
+                  <a:gsLst>
+                    <a:gs pos="15000">
+                      <a:schemeClr val="tx2"/>
+                    </a:gs>
+                    <a:gs pos="73000">
+                      <a:schemeClr val="tx2">
+                        <a:lumMod val="60000"/>
+                        <a:lumOff val="40000"/>
+                      </a:schemeClr>
+                    </a:gs>
+                    <a:gs pos="0">
+                      <a:schemeClr val="tx1"/>
+                    </a:gs>
+                    <a:gs pos="100000">
+                      <a:schemeClr val="tx2">
+                        <a:lumMod val="0"/>
+                        <a:lumOff val="100000"/>
+                      </a:schemeClr>
+                    </a:gs>
+                  </a:gsLst>
+                  <a:lin ang="16200000" scaled="1"/>
+                </a:gradFill>
+              </a:defRPr>
+            </a:lvl1pPr>
+            <a:lvl2pPr marL="342900" indent="0">
+              <a:buNone/>
+              <a:defRPr sz="1050"/>
+            </a:lvl2pPr>
+            <a:lvl3pPr marL="685800" indent="0">
+              <a:buNone/>
+              <a:defRPr sz="900"/>
+            </a:lvl3pPr>
+            <a:lvl4pPr marL="1028700" indent="0">
+              <a:buNone/>
+              <a:defRPr sz="750"/>
+            </a:lvl4pPr>
+            <a:lvl5pPr marL="1371600" indent="0">
+              <a:buNone/>
+              <a:defRPr sz="750"/>
+            </a:lvl5pPr>
+            <a:lvl6pPr marL="1714500" indent="0">
+              <a:buNone/>
+              <a:defRPr sz="750"/>
+            </a:lvl6pPr>
+            <a:lvl7pPr marL="2057400" indent="0">
+              <a:buNone/>
+              <a:defRPr sz="750"/>
+            </a:lvl7pPr>
+            <a:lvl8pPr marL="2400300" indent="0">
+              <a:buNone/>
+              <a:defRPr sz="750"/>
+            </a:lvl8pPr>
+            <a:lvl9pPr marL="2743200" indent="0">
+              <a:buNone/>
+              <a:defRPr sz="750"/>
+            </a:lvl9pPr>
+          </a:lstStyle>
+          <a:p>
+            <a:pPr lvl="0"/>
+            <a:r>
+              <a:rPr lang="ro-RO"/>
+              <a:t>Faceţi clic pentru a edita Master stiluri text</a:t>
+            </a:r>
+          </a:p>
+        </p:txBody>
+      </p:sp>
+      <p:sp>
+        <p:nvSpPr>
+          <p:cNvPr id="5" name="Date Placeholder 4"/>
+          <p:cNvSpPr>
+            <a:spLocks noGrp="1"/>
+          </p:cNvSpPr>
+          <p:nvPr>
+            <p:ph type="dt" sz="half" idx="10"/>
+          </p:nvPr>
+        </p:nvSpPr>
+        <p:spPr/>
+        <p:txBody>
+          <a:bodyPr/>
+          <a:lstStyle/>
+          <a:p>
+            <a:fld id="{5BCAD085-E8A6-8845-BD4E-CB4CCA059FC4}" type="datetimeFigureOut">
+              <a:rPr lang="en-US" smtClean="0"/>
+              <a:t>1/16/2026</a:t>
+            </a:fld>
+            <a:endParaRPr lang="en-US"/>
+          </a:p>
+        </p:txBody>
+      </p:sp>
+      <p:sp>
+        <p:nvSpPr>
+          <p:cNvPr id="6" name="Footer Placeholder 5"/>
+          <p:cNvSpPr>
+            <a:spLocks noGrp="1"/>
+          </p:cNvSpPr>
+          <p:nvPr>
+            <p:ph type="ftr" sz="quarter" idx="11"/>
+          </p:nvPr>
+        </p:nvSpPr>
+        <p:spPr/>
+        <p:txBody>
+          <a:bodyPr/>
+          <a:lstStyle/>
+          <a:p>
+            <a:endParaRPr lang="en-US"/>
+          </a:p>
+        </p:txBody>
+      </p:sp>
+      <p:sp>
+        <p:nvSpPr>
+          <p:cNvPr id="7" name="Slide Number Placeholder 6"/>
+          <p:cNvSpPr>
+            <a:spLocks noGrp="1"/>
+          </p:cNvSpPr>
+          <p:nvPr>
+            <p:ph type="sldNum" sz="quarter" idx="12"/>
+          </p:nvPr>
+        </p:nvSpPr>
+        <p:spPr/>
+        <p:txBody>
+          <a:bodyPr/>
+          <a:lstStyle/>
+          <a:p>
+            <a:fld id="{C1FF6DA9-008F-8B48-92A6-B652298478BF}" type="slidenum">
+              <a:rPr lang="en-US" smtClean="0"/>
+              <a:t>‹#›</a:t>
+            </a:fld>
+            <a:endParaRPr lang="en-US"/>
+          </a:p>
+        </p:txBody>
+      </p:sp>
+    </p:spTree>
+    <p:extLst>
+      <p:ext uri="{BB962C8B-B14F-4D97-AF65-F5344CB8AC3E}">
+        <p14:creationId xmlns:p14="http://schemas.microsoft.com/office/powerpoint/2010/main" val="2984785925"/>
+      </p:ext>
+    </p:extLst>
+  </p:cSld>
+  <p:clrMapOvr>
+    <a:masterClrMapping/>
+  </p:clrMapOvr>
+</p:sldLayout>
+</file>
+
+<file path=ppt/slideLayouts/slideLayout9.xml><?xml version="1.0" encoding="utf-8"?>
+<p:sldLayout xmlns:a="http://schemas.openxmlformats.org/drawingml/2006/main" xmlns:r="http://schemas.openxmlformats.org/officeDocument/2006/relationships" xmlns:p="http://schemas.openxmlformats.org/presentationml/2006/main" type="picTx" preserve="1">
+  <p:cSld name="Imagine cu legendă">
+    <p:spTree>
+      <p:nvGrpSpPr>
+        <p:cNvPr id="1" name=""/>
+        <p:cNvGrpSpPr/>
+        <p:nvPr/>
+      </p:nvGrpSpPr>
+      <p:grpSpPr>
+        <a:xfrm>
+          <a:off x="0" y="0"/>
+          <a:ext cx="0" cy="0"/>
+          <a:chOff x="0" y="0"/>
+          <a:chExt cx="0" cy="0"/>
+        </a:xfrm>
+      </p:grpSpPr>
+      <p:sp>
+        <p:nvSpPr>
+          <p:cNvPr id="2" name="Title 1"/>
+          <p:cNvSpPr>
+            <a:spLocks noGrp="1"/>
+          </p:cNvSpPr>
+          <p:nvPr>
+            <p:ph type="title"/>
+          </p:nvPr>
+        </p:nvSpPr>
+        <p:spPr>
+          <a:xfrm>
+            <a:off x="629841" y="457200"/>
+            <a:ext cx="2949178" cy="1600200"/>
+          </a:xfrm>
+        </p:spPr>
+        <p:txBody>
+          <a:bodyPr anchor="b"/>
+          <a:lstStyle>
+            <a:lvl1pPr>
+              <a:defRPr sz="2400"/>
+            </a:lvl1pPr>
+          </a:lstStyle>
+          <a:p>
+            <a:r>
+              <a:rPr lang="ro-RO"/>
+              <a:t>Faceți clic pentru a edita stilul de titlu coordonator</a:t>
+            </a:r>
+            <a:endParaRPr lang="en-US" dirty="0"/>
+          </a:p>
+        </p:txBody>
+      </p:sp>
+      <p:sp>
+        <p:nvSpPr>
+          <p:cNvPr id="3" name="Picture Placeholder 2"/>
+          <p:cNvSpPr>
+            <a:spLocks noGrp="1" noChangeAspect="1"/>
+          </p:cNvSpPr>
+          <p:nvPr>
+            <p:ph type="pic" idx="1"/>
+          </p:nvPr>
+        </p:nvSpPr>
+        <p:spPr>
+          <a:xfrm>
+            <a:off x="3887391" y="987426"/>
+            <a:ext cx="4629150" cy="4873625"/>
+          </a:xfrm>
+        </p:spPr>
+        <p:txBody>
+          <a:bodyPr anchor="t"/>
+          <a:lstStyle>
+            <a:lvl1pPr marL="0" indent="0">
+              <a:buNone/>
+              <a:defRPr sz="2400"/>
+            </a:lvl1pPr>
+            <a:lvl2pPr marL="342900" indent="0">
+              <a:buNone/>
+              <a:defRPr sz="2100"/>
+            </a:lvl2pPr>
+            <a:lvl3pPr marL="685800" indent="0">
+              <a:buNone/>
+              <a:defRPr sz="1800"/>
+            </a:lvl3pPr>
+            <a:lvl4pPr marL="1028700" indent="0">
+              <a:buNone/>
+              <a:defRPr sz="1500"/>
+            </a:lvl4pPr>
+            <a:lvl5pPr marL="1371600" indent="0">
+              <a:buNone/>
+              <a:defRPr sz="1500"/>
+            </a:lvl5pPr>
+            <a:lvl6pPr marL="1714500" indent="0">
+              <a:buNone/>
+              <a:defRPr sz="1500"/>
+            </a:lvl6pPr>
+            <a:lvl7pPr marL="2057400" indent="0">
+              <a:buNone/>
+              <a:defRPr sz="1500"/>
+            </a:lvl7pPr>
+            <a:lvl8pPr marL="2400300" indent="0">
+              <a:buNone/>
+              <a:defRPr sz="1500"/>
+            </a:lvl8pPr>
+            <a:lvl9pPr marL="2743200" indent="0">
+              <a:buNone/>
+              <a:defRPr sz="1500"/>
+            </a:lvl9pPr>
+          </a:lstStyle>
+          <a:p>
+            <a:r>
+              <a:rPr lang="ro-RO"/>
+              <a:t>Faceți clic pe pictogramă pentru a adăuga o imagine</a:t>
+            </a:r>
+            <a:endParaRPr lang="en-US" dirty="0"/>
+          </a:p>
+        </p:txBody>
+      </p:sp>
+      <p:sp>
+        <p:nvSpPr>
+          <p:cNvPr id="4" name="Text Placeholder 3"/>
+          <p:cNvSpPr>
+            <a:spLocks noGrp="1"/>
+          </p:cNvSpPr>
+          <p:nvPr>
+            <p:ph type="body" sz="half" idx="2"/>
+          </p:nvPr>
+        </p:nvSpPr>
+        <p:spPr>
+          <a:xfrm>
+            <a:off x="840000" y="2057400"/>
+            <a:ext cx="2739019" cy="3811588"/>
+          </a:xfrm>
+        </p:spPr>
+        <p:txBody>
+          <a:bodyPr>
+            <a:normAutofit/>
+          </a:bodyPr>
+          <a:lstStyle>
+            <a:lvl1pPr marL="0" indent="0">
+              <a:buNone/>
+              <a:defRPr sz="1400">
+                <a:gradFill>
+                  <a:gsLst>
+                    <a:gs pos="15000">
+                      <a:schemeClr val="tx2"/>
+                    </a:gs>
+                    <a:gs pos="73000">
+                      <a:schemeClr val="tx2">
+                        <a:lumMod val="60000"/>
+                        <a:lumOff val="40000"/>
+                      </a:schemeClr>
+                    </a:gs>
+                    <a:gs pos="0">
+                      <a:schemeClr val="tx1"/>
+                    </a:gs>
+                    <a:gs pos="100000">
+                      <a:schemeClr val="tx2">
+                        <a:lumMod val="0"/>
+                        <a:lumOff val="100000"/>
+                      </a:schemeClr>
+                    </a:gs>
+                  </a:gsLst>
+                  <a:lin ang="16200000" scaled="1"/>
+                </a:gradFill>
+              </a:defRPr>
+            </a:lvl1pPr>
+            <a:lvl2pPr marL="342900" indent="0">
+              <a:buNone/>
+              <a:defRPr sz="1050"/>
+            </a:lvl2pPr>
+            <a:lvl3pPr marL="685800" indent="0">
+              <a:buNone/>
+              <a:defRPr sz="900"/>
+            </a:lvl3pPr>
+            <a:lvl4pPr marL="1028700" indent="0">
+              <a:buNone/>
+              <a:defRPr sz="750"/>
+            </a:lvl4pPr>
+            <a:lvl5pPr marL="1371600" indent="0">
+              <a:buNone/>
+              <a:defRPr sz="750"/>
+            </a:lvl5pPr>
+            <a:lvl6pPr marL="1714500" indent="0">
+              <a:buNone/>
+              <a:defRPr sz="750"/>
+            </a:lvl6pPr>
+            <a:lvl7pPr marL="2057400" indent="0">
+              <a:buNone/>
+              <a:defRPr sz="750"/>
+            </a:lvl7pPr>
+            <a:lvl8pPr marL="2400300" indent="0">
+              <a:buNone/>
+              <a:defRPr sz="750"/>
+            </a:lvl8pPr>
+            <a:lvl9pPr marL="2743200" indent="0">
+              <a:buNone/>
+              <a:defRPr sz="750"/>
+            </a:lvl9pPr>
+          </a:lstStyle>
+          <a:p>
+            <a:pPr lvl="0"/>
+            <a:r>
+              <a:rPr lang="ro-RO"/>
+              <a:t>Faceţi clic pentru a edita Master stiluri text</a:t>
+            </a:r>
+          </a:p>
+        </p:txBody>
+      </p:sp>
+      <p:sp>
+        <p:nvSpPr>
+          <p:cNvPr id="5" name="Date Placeholder 4"/>
+          <p:cNvSpPr>
+            <a:spLocks noGrp="1"/>
+          </p:cNvSpPr>
+          <p:nvPr>
+            <p:ph type="dt" sz="half" idx="10"/>
+          </p:nvPr>
+        </p:nvSpPr>
+        <p:spPr/>
+        <p:txBody>
+          <a:bodyPr/>
+          <a:lstStyle/>
+          <a:p>
+            <a:fld id="{5BCAD085-E8A6-8845-BD4E-CB4CCA059FC4}" type="datetimeFigureOut">
+              <a:rPr lang="en-US" smtClean="0"/>
+              <a:t>1/16/2026</a:t>
+            </a:fld>
+            <a:endParaRPr lang="en-US"/>
+          </a:p>
+        </p:txBody>
+      </p:sp>
+      <p:sp>
+        <p:nvSpPr>
+          <p:cNvPr id="6" name="Footer Placeholder 5"/>
+          <p:cNvSpPr>
+            <a:spLocks noGrp="1"/>
+          </p:cNvSpPr>
+          <p:nvPr>
+            <p:ph type="ftr" sz="quarter" idx="11"/>
+          </p:nvPr>
+        </p:nvSpPr>
+        <p:spPr/>
+        <p:txBody>
+          <a:bodyPr/>
+          <a:lstStyle/>
+          <a:p>
+            <a:endParaRPr lang="en-US"/>
+          </a:p>
+        </p:txBody>
+      </p:sp>
+      <p:sp>
+        <p:nvSpPr>
+          <p:cNvPr id="7" name="Slide Number Placeholder 6"/>
+          <p:cNvSpPr>
+            <a:spLocks noGrp="1"/>
+          </p:cNvSpPr>
+          <p:nvPr>
+            <p:ph type="sldNum" sz="quarter" idx="12"/>
+          </p:nvPr>
+        </p:nvSpPr>
+        <p:spPr/>
+        <p:txBody>
+          <a:bodyPr/>
+          <a:lstStyle/>
+          <a:p>
+            <a:fld id="{C1FF6DA9-008F-8B48-92A6-B652298478BF}" type="slidenum">
+              <a:rPr lang="en-US" smtClean="0"/>
+              <a:t>‹#›</a:t>
+            </a:fld>
+            <a:endParaRPr lang="en-US"/>
+          </a:p>
+        </p:txBody>
+      </p:sp>
+    </p:spTree>
+    <p:extLst>
+      <p:ext uri="{BB962C8B-B14F-4D97-AF65-F5344CB8AC3E}">
+        <p14:creationId xmlns:p14="http://schemas.microsoft.com/office/powerpoint/2010/main" val="3443405064"/>
       </p:ext>
     </p:extLst>
   </p:cSld>
@@ -2586,9 +5110,18 @@
 <p:sldMaster xmlns:a="http://schemas.openxmlformats.org/drawingml/2006/main" xmlns:r="http://schemas.openxmlformats.org/officeDocument/2006/relationships" xmlns:p="http://schemas.openxmlformats.org/presentationml/2006/main">
   <p:cSld>
     <p:bg>
-      <p:bgRef idx="1001">
-        <a:schemeClr val="bg1"/>
-      </p:bgRef>
+      <p:bgPr>
+        <a:blipFill dpi="0" rotWithShape="1">
+          <a:blip r:embed="rId19">
+            <a:lum/>
+          </a:blip>
+          <a:srcRect/>
+          <a:stretch>
+            <a:fillRect l="-17000" r="-17000"/>
+          </a:stretch>
+        </a:blipFill>
+        <a:effectLst/>
+      </p:bgPr>
     </p:bg>
     <p:spTree>
       <p:nvGrpSpPr>
@@ -2616,8 +5149,8 @@
         </p:nvSpPr>
         <p:spPr>
           <a:xfrm>
-            <a:off x="457200" y="274638"/>
-            <a:ext cx="8229600" cy="1143000"/>
+            <a:off x="628650" y="365126"/>
+            <a:ext cx="7886700" cy="1325563"/>
           </a:xfrm>
           <a:prstGeom prst="rect">
             <a:avLst/>
@@ -2630,10 +5163,10 @@
           <a:lstStyle/>
           <a:p>
             <a:r>
-              <a:rPr lang="en-US" smtClean="0"/>
-              <a:t>Click to edit Master title style</a:t>
-            </a:r>
-            <a:endParaRPr lang="en-US"/>
+              <a:rPr lang="ro-RO"/>
+              <a:t>Faceți clic pentru a edita stilul de titlu coordonator</a:t>
+            </a:r>
+            <a:endParaRPr lang="en-US" dirty="0"/>
           </a:p>
         </p:txBody>
       </p:sp>
@@ -2649,8 +5182,8 @@
         </p:nvSpPr>
         <p:spPr>
           <a:xfrm>
-            <a:off x="457200" y="1600200"/>
-            <a:ext cx="8229600" cy="4525963"/>
+            <a:off x="840000" y="1825625"/>
+            <a:ext cx="7675350" cy="4351338"/>
           </a:xfrm>
           <a:prstGeom prst="rect">
             <a:avLst/>
@@ -2664,38 +5197,38 @@
           <a:p>
             <a:pPr lvl="0"/>
             <a:r>
-              <a:rPr lang="en-US" smtClean="0"/>
-              <a:t>Click to edit Master text styles</a:t>
+              <a:rPr lang="ro-RO"/>
+              <a:t>Faceţi clic pentru a edita Master stiluri text</a:t>
             </a:r>
           </a:p>
           <a:p>
             <a:pPr lvl="1"/>
             <a:r>
-              <a:rPr lang="en-US" smtClean="0"/>
-              <a:t>Second level</a:t>
+              <a:rPr lang="ro-RO"/>
+              <a:t>al doilea nivel</a:t>
             </a:r>
           </a:p>
           <a:p>
             <a:pPr lvl="2"/>
             <a:r>
-              <a:rPr lang="en-US" smtClean="0"/>
-              <a:t>Third level</a:t>
+              <a:rPr lang="ro-RO"/>
+              <a:t>al treilea nivel</a:t>
             </a:r>
           </a:p>
           <a:p>
             <a:pPr lvl="3"/>
             <a:r>
-              <a:rPr lang="en-US" smtClean="0"/>
-              <a:t>Fourth level</a:t>
+              <a:rPr lang="ro-RO"/>
+              <a:t>al patrulea nivel</a:t>
             </a:r>
           </a:p>
           <a:p>
             <a:pPr lvl="4"/>
             <a:r>
-              <a:rPr lang="en-US" smtClean="0"/>
-              <a:t>Fifth level</a:t>
-            </a:r>
-            <a:endParaRPr lang="en-US"/>
+              <a:rPr lang="ro-RO"/>
+              <a:t>al cincilea nivel</a:t>
+            </a:r>
+            <a:endParaRPr lang="en-US" dirty="0"/>
           </a:p>
         </p:txBody>
       </p:sp>
@@ -2711,8 +5244,8 @@
         </p:nvSpPr>
         <p:spPr>
           <a:xfrm>
-            <a:off x="457200" y="6356350"/>
-            <a:ext cx="2133600" cy="365125"/>
+            <a:off x="628650" y="6356351"/>
+            <a:ext cx="2057400" cy="365125"/>
           </a:xfrm>
           <a:prstGeom prst="rect">
             <a:avLst/>
@@ -2722,19 +5255,37 @@
           <a:bodyPr vert="horz" lIns="91440" tIns="45720" rIns="91440" bIns="45720" rtlCol="0" anchor="ctr"/>
           <a:lstStyle>
             <a:lvl1pPr algn="l">
-              <a:defRPr sz="1200">
-                <a:solidFill>
-                  <a:schemeClr val="tx1">
-                    <a:tint val="75000"/>
-                  </a:schemeClr>
-                </a:solidFill>
+              <a:defRPr sz="900">
+                <a:gradFill flip="none" rotWithShape="1">
+                  <a:gsLst>
+                    <a:gs pos="28000">
+                      <a:schemeClr val="tx1">
+                        <a:lumMod val="93000"/>
+                      </a:schemeClr>
+                    </a:gs>
+                    <a:gs pos="0">
+                      <a:schemeClr val="bg1">
+                        <a:lumMod val="38000"/>
+                        <a:lumOff val="62000"/>
+                      </a:schemeClr>
+                    </a:gs>
+                    <a:gs pos="100000">
+                      <a:schemeClr val="tx2">
+                        <a:lumMod val="0"/>
+                        <a:lumOff val="100000"/>
+                      </a:schemeClr>
+                    </a:gs>
+                  </a:gsLst>
+                  <a:lin ang="5400000" scaled="1"/>
+                  <a:tileRect/>
+                </a:gradFill>
               </a:defRPr>
             </a:lvl1pPr>
           </a:lstStyle>
           <a:p>
             <a:fld id="{5BCAD085-E8A6-8845-BD4E-CB4CCA059FC4}" type="datetimeFigureOut">
               <a:rPr lang="en-US" smtClean="0"/>
-              <a:t>1/27/13</a:t>
+              <a:t>1/16/2026</a:t>
             </a:fld>
             <a:endParaRPr lang="en-US"/>
           </a:p>
@@ -2752,8 +5303,8 @@
         </p:nvSpPr>
         <p:spPr>
           <a:xfrm>
-            <a:off x="3124200" y="6356350"/>
-            <a:ext cx="2895600" cy="365125"/>
+            <a:off x="3028950" y="6356351"/>
+            <a:ext cx="3086100" cy="365125"/>
           </a:xfrm>
           <a:prstGeom prst="rect">
             <a:avLst/>
@@ -2763,12 +5314,30 @@
           <a:bodyPr vert="horz" lIns="91440" tIns="45720" rIns="91440" bIns="45720" rtlCol="0" anchor="ctr"/>
           <a:lstStyle>
             <a:lvl1pPr algn="ctr">
-              <a:defRPr sz="1200">
-                <a:solidFill>
-                  <a:schemeClr val="tx1">
-                    <a:tint val="75000"/>
-                  </a:schemeClr>
-                </a:solidFill>
+              <a:defRPr sz="900">
+                <a:gradFill flip="none" rotWithShape="1">
+                  <a:gsLst>
+                    <a:gs pos="28000">
+                      <a:schemeClr val="tx1">
+                        <a:lumMod val="93000"/>
+                      </a:schemeClr>
+                    </a:gs>
+                    <a:gs pos="0">
+                      <a:schemeClr val="bg1">
+                        <a:lumMod val="38000"/>
+                        <a:lumOff val="62000"/>
+                      </a:schemeClr>
+                    </a:gs>
+                    <a:gs pos="100000">
+                      <a:schemeClr val="tx2">
+                        <a:lumMod val="0"/>
+                        <a:lumOff val="100000"/>
+                      </a:schemeClr>
+                    </a:gs>
+                  </a:gsLst>
+                  <a:lin ang="5400000" scaled="1"/>
+                  <a:tileRect/>
+                </a:gradFill>
               </a:defRPr>
             </a:lvl1pPr>
           </a:lstStyle>
@@ -2789,8 +5358,8 @@
         </p:nvSpPr>
         <p:spPr>
           <a:xfrm>
-            <a:off x="6553200" y="6356350"/>
-            <a:ext cx="2133600" cy="365125"/>
+            <a:off x="6457950" y="6356351"/>
+            <a:ext cx="2057400" cy="365125"/>
           </a:xfrm>
           <a:prstGeom prst="rect">
             <a:avLst/>
@@ -2800,12 +5369,30 @@
           <a:bodyPr vert="horz" lIns="91440" tIns="45720" rIns="91440" bIns="45720" rtlCol="0" anchor="ctr"/>
           <a:lstStyle>
             <a:lvl1pPr algn="r">
-              <a:defRPr sz="1200">
-                <a:solidFill>
-                  <a:schemeClr val="tx1">
-                    <a:tint val="75000"/>
-                  </a:schemeClr>
-                </a:solidFill>
+              <a:defRPr sz="900">
+                <a:gradFill flip="none" rotWithShape="1">
+                  <a:gsLst>
+                    <a:gs pos="28000">
+                      <a:schemeClr val="tx1">
+                        <a:lumMod val="93000"/>
+                      </a:schemeClr>
+                    </a:gs>
+                    <a:gs pos="0">
+                      <a:schemeClr val="bg1">
+                        <a:lumMod val="38000"/>
+                        <a:lumOff val="62000"/>
+                      </a:schemeClr>
+                    </a:gs>
+                    <a:gs pos="100000">
+                      <a:schemeClr val="tx2">
+                        <a:lumMod val="0"/>
+                        <a:lumOff val="100000"/>
+                      </a:schemeClr>
+                    </a:gs>
+                  </a:gsLst>
+                  <a:lin ang="5400000" scaled="1"/>
+                  <a:tileRect/>
+                </a:gradFill>
               </a:defRPr>
             </a:lvl1pPr>
           </a:lstStyle>
@@ -2821,35 +5408,64 @@
     </p:spTree>
     <p:extLst>
       <p:ext uri="{BB962C8B-B14F-4D97-AF65-F5344CB8AC3E}">
-        <p14:creationId xmlns:p14="http://schemas.microsoft.com/office/powerpoint/2010/main" val="2209977519"/>
+        <p14:creationId xmlns:p14="http://schemas.microsoft.com/office/powerpoint/2010/main" val="3896455523"/>
       </p:ext>
     </p:extLst>
   </p:cSld>
-  <p:clrMap bg1="lt1" tx1="dk1" bg2="lt2" tx2="dk2" accent1="accent1" accent2="accent2" accent3="accent3" accent4="accent4" accent5="accent5" accent6="accent6" hlink="hlink" folHlink="folHlink"/>
+  <p:clrMap bg1="dk1" tx1="lt1" bg2="dk2" tx2="lt2" accent1="accent1" accent2="accent2" accent3="accent3" accent4="accent4" accent5="accent5" accent6="accent6" hlink="hlink" folHlink="folHlink"/>
   <p:sldLayoutIdLst>
-    <p:sldLayoutId id="2147483649" r:id="rId1"/>
-    <p:sldLayoutId id="2147483650" r:id="rId2"/>
-    <p:sldLayoutId id="2147483651" r:id="rId3"/>
-    <p:sldLayoutId id="2147483652" r:id="rId4"/>
-    <p:sldLayoutId id="2147483653" r:id="rId5"/>
-    <p:sldLayoutId id="2147483654" r:id="rId6"/>
-    <p:sldLayoutId id="2147483655" r:id="rId7"/>
-    <p:sldLayoutId id="2147483656" r:id="rId8"/>
-    <p:sldLayoutId id="2147483657" r:id="rId9"/>
-    <p:sldLayoutId id="2147483658" r:id="rId10"/>
-    <p:sldLayoutId id="2147483659" r:id="rId11"/>
+    <p:sldLayoutId id="2147483661" r:id="rId1"/>
+    <p:sldLayoutId id="2147483662" r:id="rId2"/>
+    <p:sldLayoutId id="2147483663" r:id="rId3"/>
+    <p:sldLayoutId id="2147483664" r:id="rId4"/>
+    <p:sldLayoutId id="2147483665" r:id="rId5"/>
+    <p:sldLayoutId id="2147483666" r:id="rId6"/>
+    <p:sldLayoutId id="2147483667" r:id="rId7"/>
+    <p:sldLayoutId id="2147483668" r:id="rId8"/>
+    <p:sldLayoutId id="2147483669" r:id="rId9"/>
+    <p:sldLayoutId id="2147483670" r:id="rId10"/>
+    <p:sldLayoutId id="2147483671" r:id="rId11"/>
+    <p:sldLayoutId id="2147483672" r:id="rId12"/>
+    <p:sldLayoutId id="2147483673" r:id="rId13"/>
+    <p:sldLayoutId id="2147483674" r:id="rId14"/>
+    <p:sldLayoutId id="2147483675" r:id="rId15"/>
+    <p:sldLayoutId id="2147483676" r:id="rId16"/>
+    <p:sldLayoutId id="2147483677" r:id="rId17"/>
   </p:sldLayoutIdLst>
   <p:txStyles>
     <p:titleStyle>
-      <a:lvl1pPr algn="ctr" defTabSz="457200" rtl="0" eaLnBrk="1" latinLnBrk="0" hangingPunct="1">
+      <a:lvl1pPr algn="l" defTabSz="685800" rtl="0" eaLnBrk="1" latinLnBrk="0" hangingPunct="1">
+        <a:lnSpc>
+          <a:spcPct val="90000"/>
+        </a:lnSpc>
         <a:spcBef>
           <a:spcPct val="0"/>
         </a:spcBef>
         <a:buNone/>
-        <a:defRPr sz="4400" kern="1200">
-          <a:solidFill>
-            <a:schemeClr val="tx1"/>
-          </a:solidFill>
+        <a:defRPr sz="4400" b="0" kern="1200">
+          <a:gradFill flip="none" rotWithShape="1">
+            <a:gsLst>
+              <a:gs pos="28000">
+                <a:schemeClr val="tx1">
+                  <a:lumMod val="93000"/>
+                </a:schemeClr>
+              </a:gs>
+              <a:gs pos="0">
+                <a:schemeClr val="bg1">
+                  <a:lumMod val="25000"/>
+                  <a:lumOff val="75000"/>
+                </a:schemeClr>
+              </a:gs>
+              <a:gs pos="100000">
+                <a:schemeClr val="tx2">
+                  <a:lumMod val="0"/>
+                  <a:lumOff val="100000"/>
+                </a:schemeClr>
+              </a:gs>
+            </a:gsLst>
+            <a:lin ang="4800000" scaled="0"/>
+            <a:tileRect/>
+          </a:gradFill>
           <a:latin typeface="+mj-lt"/>
           <a:ea typeface="+mj-ea"/>
           <a:cs typeface="+mj-cs"/>
@@ -2857,88 +5473,201 @@
       </a:lvl1pPr>
     </p:titleStyle>
     <p:bodyStyle>
-      <a:lvl1pPr marL="342900" indent="-342900" algn="l" defTabSz="457200" rtl="0" eaLnBrk="1" latinLnBrk="0" hangingPunct="1">
+      <a:lvl1pPr marL="171450" indent="-171450" algn="l" defTabSz="685800" rtl="0" eaLnBrk="1" latinLnBrk="0" hangingPunct="1">
+        <a:lnSpc>
+          <a:spcPct val="90000"/>
+        </a:lnSpc>
         <a:spcBef>
-          <a:spcPct val="20000"/>
+          <a:spcPts val="750"/>
         </a:spcBef>
-        <a:buFont typeface="Arial"/>
+        <a:buFont typeface="Arial" panose="020B0604020202020204" pitchFamily="34" charset="0"/>
         <a:buChar char="•"/>
-        <a:defRPr sz="3200" kern="1200">
-          <a:solidFill>
-            <a:schemeClr val="tx1"/>
-          </a:solidFill>
+        <a:defRPr sz="2400" kern="1200">
+          <a:gradFill>
+            <a:gsLst>
+              <a:gs pos="34000">
+                <a:schemeClr val="tx1">
+                  <a:lumMod val="93000"/>
+                </a:schemeClr>
+              </a:gs>
+              <a:gs pos="0">
+                <a:schemeClr val="bg1">
+                  <a:lumMod val="25000"/>
+                  <a:lumOff val="75000"/>
+                </a:schemeClr>
+              </a:gs>
+              <a:gs pos="100000">
+                <a:schemeClr val="tx2">
+                  <a:lumMod val="0"/>
+                  <a:lumOff val="100000"/>
+                </a:schemeClr>
+              </a:gs>
+            </a:gsLst>
+            <a:lin ang="4800000" scaled="0"/>
+          </a:gradFill>
           <a:latin typeface="+mn-lt"/>
           <a:ea typeface="+mn-ea"/>
           <a:cs typeface="+mn-cs"/>
         </a:defRPr>
       </a:lvl1pPr>
-      <a:lvl2pPr marL="742950" indent="-285750" algn="l" defTabSz="457200" rtl="0" eaLnBrk="1" latinLnBrk="0" hangingPunct="1">
+      <a:lvl2pPr marL="514350" indent="-171450" algn="l" defTabSz="685800" rtl="0" eaLnBrk="1" latinLnBrk="0" hangingPunct="1">
+        <a:lnSpc>
+          <a:spcPct val="90000"/>
+        </a:lnSpc>
         <a:spcBef>
-          <a:spcPct val="20000"/>
+          <a:spcPts val="375"/>
         </a:spcBef>
-        <a:buFont typeface="Arial"/>
-        <a:buChar char="–"/>
-        <a:defRPr sz="2800" kern="1200">
-          <a:solidFill>
-            <a:schemeClr val="tx1"/>
-          </a:solidFill>
+        <a:buFont typeface="Arial" panose="020B0604020202020204" pitchFamily="34" charset="0"/>
+        <a:buChar char="•"/>
+        <a:defRPr sz="2000" kern="1200">
+          <a:gradFill>
+            <a:gsLst>
+              <a:gs pos="34000">
+                <a:schemeClr val="tx1">
+                  <a:lumMod val="93000"/>
+                </a:schemeClr>
+              </a:gs>
+              <a:gs pos="0">
+                <a:schemeClr val="bg1">
+                  <a:lumMod val="25000"/>
+                  <a:lumOff val="75000"/>
+                </a:schemeClr>
+              </a:gs>
+              <a:gs pos="100000">
+                <a:schemeClr val="tx2">
+                  <a:lumMod val="0"/>
+                  <a:lumOff val="100000"/>
+                </a:schemeClr>
+              </a:gs>
+            </a:gsLst>
+            <a:lin ang="4800000" scaled="0"/>
+          </a:gradFill>
           <a:latin typeface="+mn-lt"/>
           <a:ea typeface="+mn-ea"/>
           <a:cs typeface="+mn-cs"/>
         </a:defRPr>
       </a:lvl2pPr>
-      <a:lvl3pPr marL="1143000" indent="-228600" algn="l" defTabSz="457200" rtl="0" eaLnBrk="1" latinLnBrk="0" hangingPunct="1">
+      <a:lvl3pPr marL="857250" indent="-171450" algn="l" defTabSz="685800" rtl="0" eaLnBrk="1" latinLnBrk="0" hangingPunct="1">
+        <a:lnSpc>
+          <a:spcPct val="90000"/>
+        </a:lnSpc>
         <a:spcBef>
-          <a:spcPct val="20000"/>
+          <a:spcPts val="375"/>
         </a:spcBef>
-        <a:buFont typeface="Arial"/>
+        <a:buFont typeface="Arial" panose="020B0604020202020204" pitchFamily="34" charset="0"/>
         <a:buChar char="•"/>
-        <a:defRPr sz="2400" kern="1200">
-          <a:solidFill>
-            <a:schemeClr val="tx1"/>
-          </a:solidFill>
+        <a:defRPr sz="1600" kern="1200">
+          <a:gradFill>
+            <a:gsLst>
+              <a:gs pos="34000">
+                <a:schemeClr val="tx1">
+                  <a:lumMod val="93000"/>
+                </a:schemeClr>
+              </a:gs>
+              <a:gs pos="0">
+                <a:schemeClr val="bg1">
+                  <a:lumMod val="25000"/>
+                  <a:lumOff val="75000"/>
+                </a:schemeClr>
+              </a:gs>
+              <a:gs pos="100000">
+                <a:schemeClr val="tx2">
+                  <a:lumMod val="0"/>
+                  <a:lumOff val="100000"/>
+                </a:schemeClr>
+              </a:gs>
+            </a:gsLst>
+            <a:lin ang="4800000" scaled="0"/>
+          </a:gradFill>
           <a:latin typeface="+mn-lt"/>
           <a:ea typeface="+mn-ea"/>
           <a:cs typeface="+mn-cs"/>
         </a:defRPr>
       </a:lvl3pPr>
-      <a:lvl4pPr marL="1600200" indent="-228600" algn="l" defTabSz="457200" rtl="0" eaLnBrk="1" latinLnBrk="0" hangingPunct="1">
+      <a:lvl4pPr marL="1200150" indent="-171450" algn="l" defTabSz="685800" rtl="0" eaLnBrk="1" latinLnBrk="0" hangingPunct="1">
+        <a:lnSpc>
+          <a:spcPct val="90000"/>
+        </a:lnSpc>
         <a:spcBef>
-          <a:spcPct val="20000"/>
+          <a:spcPts val="375"/>
         </a:spcBef>
-        <a:buFont typeface="Arial"/>
-        <a:buChar char="–"/>
-        <a:defRPr sz="2000" kern="1200">
-          <a:solidFill>
-            <a:schemeClr val="tx1"/>
-          </a:solidFill>
+        <a:buFont typeface="Arial" panose="020B0604020202020204" pitchFamily="34" charset="0"/>
+        <a:buChar char="•"/>
+        <a:defRPr sz="1400" kern="1200">
+          <a:gradFill>
+            <a:gsLst>
+              <a:gs pos="34000">
+                <a:schemeClr val="tx1">
+                  <a:lumMod val="93000"/>
+                </a:schemeClr>
+              </a:gs>
+              <a:gs pos="0">
+                <a:schemeClr val="bg1">
+                  <a:lumMod val="25000"/>
+                  <a:lumOff val="75000"/>
+                </a:schemeClr>
+              </a:gs>
+              <a:gs pos="100000">
+                <a:schemeClr val="tx2">
+                  <a:lumMod val="0"/>
+                  <a:lumOff val="100000"/>
+                </a:schemeClr>
+              </a:gs>
+            </a:gsLst>
+            <a:lin ang="4800000" scaled="0"/>
+          </a:gradFill>
           <a:latin typeface="+mn-lt"/>
           <a:ea typeface="+mn-ea"/>
           <a:cs typeface="+mn-cs"/>
         </a:defRPr>
       </a:lvl4pPr>
-      <a:lvl5pPr marL="2057400" indent="-228600" algn="l" defTabSz="457200" rtl="0" eaLnBrk="1" latinLnBrk="0" hangingPunct="1">
+      <a:lvl5pPr marL="1543050" indent="-171450" algn="l" defTabSz="685800" rtl="0" eaLnBrk="1" latinLnBrk="0" hangingPunct="1">
+        <a:lnSpc>
+          <a:spcPct val="90000"/>
+        </a:lnSpc>
         <a:spcBef>
-          <a:spcPct val="20000"/>
+          <a:spcPts val="375"/>
         </a:spcBef>
-        <a:buFont typeface="Arial"/>
-        <a:buChar char="»"/>
-        <a:defRPr sz="2000" kern="1200">
-          <a:solidFill>
-            <a:schemeClr val="tx1"/>
-          </a:solidFill>
+        <a:buFont typeface="Arial" panose="020B0604020202020204" pitchFamily="34" charset="0"/>
+        <a:buChar char="•"/>
+        <a:defRPr sz="1400" kern="1200">
+          <a:gradFill>
+            <a:gsLst>
+              <a:gs pos="34000">
+                <a:schemeClr val="tx1">
+                  <a:lumMod val="93000"/>
+                </a:schemeClr>
+              </a:gs>
+              <a:gs pos="0">
+                <a:schemeClr val="bg1">
+                  <a:lumMod val="25000"/>
+                  <a:lumOff val="75000"/>
+                </a:schemeClr>
+              </a:gs>
+              <a:gs pos="100000">
+                <a:schemeClr val="tx2">
+                  <a:lumMod val="0"/>
+                  <a:lumOff val="100000"/>
+                </a:schemeClr>
+              </a:gs>
+            </a:gsLst>
+            <a:lin ang="4800000" scaled="0"/>
+          </a:gradFill>
           <a:latin typeface="+mn-lt"/>
           <a:ea typeface="+mn-ea"/>
           <a:cs typeface="+mn-cs"/>
         </a:defRPr>
       </a:lvl5pPr>
-      <a:lvl6pPr marL="2514600" indent="-228600" algn="l" defTabSz="457200" rtl="0" eaLnBrk="1" latinLnBrk="0" hangingPunct="1">
+      <a:lvl6pPr marL="1885950" indent="-171450" algn="l" defTabSz="685800" rtl="0" eaLnBrk="1" latinLnBrk="0" hangingPunct="1">
+        <a:lnSpc>
+          <a:spcPct val="90000"/>
+        </a:lnSpc>
         <a:spcBef>
-          <a:spcPct val="20000"/>
+          <a:spcPts val="375"/>
         </a:spcBef>
-        <a:buFont typeface="Arial"/>
+        <a:buFont typeface="Arial" panose="020B0604020202020204" pitchFamily="34" charset="0"/>
         <a:buChar char="•"/>
-        <a:defRPr sz="2000" kern="1200">
+        <a:defRPr sz="1350" kern="1200">
           <a:solidFill>
             <a:schemeClr val="tx1"/>
           </a:solidFill>
@@ -2947,13 +5676,16 @@
           <a:cs typeface="+mn-cs"/>
         </a:defRPr>
       </a:lvl6pPr>
-      <a:lvl7pPr marL="2971800" indent="-228600" algn="l" defTabSz="457200" rtl="0" eaLnBrk="1" latinLnBrk="0" hangingPunct="1">
+      <a:lvl7pPr marL="2228850" indent="-171450" algn="l" defTabSz="685800" rtl="0" eaLnBrk="1" latinLnBrk="0" hangingPunct="1">
+        <a:lnSpc>
+          <a:spcPct val="90000"/>
+        </a:lnSpc>
         <a:spcBef>
-          <a:spcPct val="20000"/>
+          <a:spcPts val="375"/>
         </a:spcBef>
-        <a:buFont typeface="Arial"/>
+        <a:buFont typeface="Arial" panose="020B0604020202020204" pitchFamily="34" charset="0"/>
         <a:buChar char="•"/>
-        <a:defRPr sz="2000" kern="1200">
+        <a:defRPr sz="1350" kern="1200">
           <a:solidFill>
             <a:schemeClr val="tx1"/>
           </a:solidFill>
@@ -2962,13 +5694,16 @@
           <a:cs typeface="+mn-cs"/>
         </a:defRPr>
       </a:lvl7pPr>
-      <a:lvl8pPr marL="3429000" indent="-228600" algn="l" defTabSz="457200" rtl="0" eaLnBrk="1" latinLnBrk="0" hangingPunct="1">
+      <a:lvl8pPr marL="2571750" indent="-171450" algn="l" defTabSz="685800" rtl="0" eaLnBrk="1" latinLnBrk="0" hangingPunct="1">
+        <a:lnSpc>
+          <a:spcPct val="90000"/>
+        </a:lnSpc>
         <a:spcBef>
-          <a:spcPct val="20000"/>
+          <a:spcPts val="375"/>
         </a:spcBef>
-        <a:buFont typeface="Arial"/>
+        <a:buFont typeface="Arial" panose="020B0604020202020204" pitchFamily="34" charset="0"/>
         <a:buChar char="•"/>
-        <a:defRPr sz="2000" kern="1200">
+        <a:defRPr sz="1350" kern="1200">
           <a:solidFill>
             <a:schemeClr val="tx1"/>
           </a:solidFill>
@@ -2977,13 +5712,16 @@
           <a:cs typeface="+mn-cs"/>
         </a:defRPr>
       </a:lvl8pPr>
-      <a:lvl9pPr marL="3886200" indent="-228600" algn="l" defTabSz="457200" rtl="0" eaLnBrk="1" latinLnBrk="0" hangingPunct="1">
+      <a:lvl9pPr marL="2914650" indent="-171450" algn="l" defTabSz="685800" rtl="0" eaLnBrk="1" latinLnBrk="0" hangingPunct="1">
+        <a:lnSpc>
+          <a:spcPct val="90000"/>
+        </a:lnSpc>
         <a:spcBef>
-          <a:spcPct val="20000"/>
+          <a:spcPts val="375"/>
         </a:spcBef>
-        <a:buFont typeface="Arial"/>
+        <a:buFont typeface="Arial" panose="020B0604020202020204" pitchFamily="34" charset="0"/>
         <a:buChar char="•"/>
-        <a:defRPr sz="2000" kern="1200">
+        <a:defRPr sz="1350" kern="1200">
           <a:solidFill>
             <a:schemeClr val="tx1"/>
           </a:solidFill>
@@ -2997,8 +5735,8 @@
       <a:defPPr>
         <a:defRPr lang="en-US"/>
       </a:defPPr>
-      <a:lvl1pPr marL="0" algn="l" defTabSz="457200" rtl="0" eaLnBrk="1" latinLnBrk="0" hangingPunct="1">
-        <a:defRPr sz="1800" kern="1200">
+      <a:lvl1pPr marL="0" algn="l" defTabSz="685800" rtl="0" eaLnBrk="1" latinLnBrk="0" hangingPunct="1">
+        <a:defRPr sz="1350" kern="1200">
           <a:solidFill>
             <a:schemeClr val="tx1"/>
           </a:solidFill>
@@ -3007,8 +5745,8 @@
           <a:cs typeface="+mn-cs"/>
         </a:defRPr>
       </a:lvl1pPr>
-      <a:lvl2pPr marL="457200" algn="l" defTabSz="457200" rtl="0" eaLnBrk="1" latinLnBrk="0" hangingPunct="1">
-        <a:defRPr sz="1800" kern="1200">
+      <a:lvl2pPr marL="342900" algn="l" defTabSz="685800" rtl="0" eaLnBrk="1" latinLnBrk="0" hangingPunct="1">
+        <a:defRPr sz="1350" kern="1200">
           <a:solidFill>
             <a:schemeClr val="tx1"/>
           </a:solidFill>
@@ -3017,8 +5755,8 @@
           <a:cs typeface="+mn-cs"/>
         </a:defRPr>
       </a:lvl2pPr>
-      <a:lvl3pPr marL="914400" algn="l" defTabSz="457200" rtl="0" eaLnBrk="1" latinLnBrk="0" hangingPunct="1">
-        <a:defRPr sz="1800" kern="1200">
+      <a:lvl3pPr marL="685800" algn="l" defTabSz="685800" rtl="0" eaLnBrk="1" latinLnBrk="0" hangingPunct="1">
+        <a:defRPr sz="1350" kern="1200">
           <a:solidFill>
             <a:schemeClr val="tx1"/>
           </a:solidFill>
@@ -3027,8 +5765,8 @@
           <a:cs typeface="+mn-cs"/>
         </a:defRPr>
       </a:lvl3pPr>
-      <a:lvl4pPr marL="1371600" algn="l" defTabSz="457200" rtl="0" eaLnBrk="1" latinLnBrk="0" hangingPunct="1">
-        <a:defRPr sz="1800" kern="1200">
+      <a:lvl4pPr marL="1028700" algn="l" defTabSz="685800" rtl="0" eaLnBrk="1" latinLnBrk="0" hangingPunct="1">
+        <a:defRPr sz="1350" kern="1200">
           <a:solidFill>
             <a:schemeClr val="tx1"/>
           </a:solidFill>
@@ -3037,8 +5775,8 @@
           <a:cs typeface="+mn-cs"/>
         </a:defRPr>
       </a:lvl4pPr>
-      <a:lvl5pPr marL="1828800" algn="l" defTabSz="457200" rtl="0" eaLnBrk="1" latinLnBrk="0" hangingPunct="1">
-        <a:defRPr sz="1800" kern="1200">
+      <a:lvl5pPr marL="1371600" algn="l" defTabSz="685800" rtl="0" eaLnBrk="1" latinLnBrk="0" hangingPunct="1">
+        <a:defRPr sz="1350" kern="1200">
           <a:solidFill>
             <a:schemeClr val="tx1"/>
           </a:solidFill>
@@ -3047,8 +5785,8 @@
           <a:cs typeface="+mn-cs"/>
         </a:defRPr>
       </a:lvl5pPr>
-      <a:lvl6pPr marL="2286000" algn="l" defTabSz="457200" rtl="0" eaLnBrk="1" latinLnBrk="0" hangingPunct="1">
-        <a:defRPr sz="1800" kern="1200">
+      <a:lvl6pPr marL="1714500" algn="l" defTabSz="685800" rtl="0" eaLnBrk="1" latinLnBrk="0" hangingPunct="1">
+        <a:defRPr sz="1350" kern="1200">
           <a:solidFill>
             <a:schemeClr val="tx1"/>
           </a:solidFill>
@@ -3057,8 +5795,8 @@
           <a:cs typeface="+mn-cs"/>
         </a:defRPr>
       </a:lvl6pPr>
-      <a:lvl7pPr marL="2743200" algn="l" defTabSz="457200" rtl="0" eaLnBrk="1" latinLnBrk="0" hangingPunct="1">
-        <a:defRPr sz="1800" kern="1200">
+      <a:lvl7pPr marL="2057400" algn="l" defTabSz="685800" rtl="0" eaLnBrk="1" latinLnBrk="0" hangingPunct="1">
+        <a:defRPr sz="1350" kern="1200">
           <a:solidFill>
             <a:schemeClr val="tx1"/>
           </a:solidFill>
@@ -3067,8 +5805,8 @@
           <a:cs typeface="+mn-cs"/>
         </a:defRPr>
       </a:lvl7pPr>
-      <a:lvl8pPr marL="3200400" algn="l" defTabSz="457200" rtl="0" eaLnBrk="1" latinLnBrk="0" hangingPunct="1">
-        <a:defRPr sz="1800" kern="1200">
+      <a:lvl8pPr marL="2400300" algn="l" defTabSz="685800" rtl="0" eaLnBrk="1" latinLnBrk="0" hangingPunct="1">
+        <a:defRPr sz="1350" kern="1200">
           <a:solidFill>
             <a:schemeClr val="tx1"/>
           </a:solidFill>
@@ -3077,8 +5815,8 @@
           <a:cs typeface="+mn-cs"/>
         </a:defRPr>
       </a:lvl8pPr>
-      <a:lvl9pPr marL="3657600" algn="l" defTabSz="457200" rtl="0" eaLnBrk="1" latinLnBrk="0" hangingPunct="1">
-        <a:defRPr sz="1800" kern="1200">
+      <a:lvl9pPr marL="2743200" algn="l" defTabSz="685800" rtl="0" eaLnBrk="1" latinLnBrk="0" hangingPunct="1">
+        <a:defRPr sz="1350" kern="1200">
           <a:solidFill>
             <a:schemeClr val="tx1"/>
           </a:solidFill>
@@ -3093,7 +5831,7 @@
 </file>
 
 <file path=ppt/slides/slide1.xml><?xml version="1.0" encoding="utf-8"?>
-<p:sld xmlns:a="http://schemas.openxmlformats.org/drawingml/2006/main" xmlns:p="http://schemas.openxmlformats.org/presentationml/2006/main" xmlns:r="http://schemas.openxmlformats.org/officeDocument/2006/relationships">
+<p:sld xmlns:a="http://schemas.openxmlformats.org/drawingml/2006/main" xmlns:r="http://schemas.openxmlformats.org/officeDocument/2006/relationships" xmlns:p="http://schemas.openxmlformats.org/presentationml/2006/main">
   <p:cSld>
     <p:spTree>
       <p:nvGrpSpPr>
@@ -3101,7 +5839,14 @@
         <p:cNvGrpSpPr/>
         <p:nvPr/>
       </p:nvGrpSpPr>
-      <p:grpSpPr/>
+      <p:grpSpPr>
+        <a:xfrm>
+          <a:off x="0" y="0"/>
+          <a:ext cx="0" cy="0"/>
+          <a:chOff x="0" y="0"/>
+          <a:chExt cx="0" cy="0"/>
+        </a:xfrm>
+      </p:grpSpPr>
       <p:sp>
         <p:nvSpPr>
           <p:cNvPr id="2" name="Title 1"/>
@@ -3112,13 +5857,31 @@
             <p:ph type="ctrTitle"/>
           </p:nvPr>
         </p:nvSpPr>
-        <p:spPr/>
-        <p:txBody>
-          <a:bodyPr/>
-          <a:lstStyle/>
-          <a:p>
-            <a:r>
-              <a:t>Predicție Calitate Aer</a:t>
+        <p:spPr>
+          <a:xfrm>
+            <a:off x="685800" y="660400"/>
+            <a:ext cx="7772400" cy="1470025"/>
+          </a:xfrm>
+        </p:spPr>
+        <p:txBody>
+          <a:bodyPr/>
+          <a:lstStyle/>
+          <a:p>
+            <a:r>
+              <a:rPr dirty="0" err="1"/>
+              <a:t>Predicție</a:t>
+            </a:r>
+            <a:r>
+              <a:rPr dirty="0"/>
+              <a:t> </a:t>
+            </a:r>
+            <a:r>
+              <a:rPr dirty="0" err="1"/>
+              <a:t>Calitate</a:t>
+            </a:r>
+            <a:r>
+              <a:rPr dirty="0"/>
+              <a:t> Aer</a:t>
             </a:r>
           </a:p>
         </p:txBody>
@@ -3133,28 +5896,63 @@
             <p:ph type="subTitle" idx="1"/>
           </p:nvPr>
         </p:nvSpPr>
-        <p:spPr/>
-        <p:txBody>
-          <a:bodyPr/>
-          <a:lstStyle/>
-          <a:p>
-            <a:r>
-              <a:t>Aplicație Web bazată pe Machine Learning</a:t>
-            </a:r>
-          </a:p>
-          <a:p>
-            <a:r>
-              <a:t>Echipa 421 B</a:t>
-            </a:r>
-          </a:p>
-          <a:p>
-            <a:r>
-              <a:t>Berciu Antonio | Munteanu Radu | Roman Silviu</a:t>
-            </a:r>
-          </a:p>
-          <a:p>
-            <a:r>
-              <a:t>Ianuarie 2026</a:t>
+        <p:spPr>
+          <a:xfrm>
+            <a:off x="1371600" y="1906571"/>
+            <a:ext cx="6400800" cy="2656002"/>
+          </a:xfrm>
+        </p:spPr>
+        <p:txBody>
+          <a:bodyPr>
+            <a:normAutofit/>
+          </a:bodyPr>
+          <a:lstStyle/>
+          <a:p>
+            <a:r>
+              <a:rPr dirty="0" err="1"/>
+              <a:t>Aplicație</a:t>
+            </a:r>
+            <a:r>
+              <a:rPr dirty="0"/>
+              <a:t> Web </a:t>
+            </a:r>
+            <a:r>
+              <a:rPr dirty="0" err="1"/>
+              <a:t>bazată</a:t>
+            </a:r>
+            <a:r>
+              <a:rPr dirty="0"/>
+              <a:t> pe Machine Learning</a:t>
+            </a:r>
+          </a:p>
+          <a:p>
+            <a:r>
+              <a:rPr dirty="0" err="1"/>
+              <a:t>Echipa</a:t>
+            </a:r>
+            <a:r>
+              <a:rPr dirty="0"/>
+              <a:t> 421 B</a:t>
+            </a:r>
+          </a:p>
+          <a:p>
+            <a:r>
+              <a:rPr dirty="0" err="1"/>
+              <a:t>Berciu</a:t>
+            </a:r>
+            <a:r>
+              <a:rPr dirty="0"/>
+              <a:t> Antonio | Munteanu Radu | Roman Silviu</a:t>
+            </a:r>
+          </a:p>
+          <a:p>
+            <a:r>
+              <a:rPr dirty="0" err="1"/>
+              <a:t>Ianuarie</a:t>
+            </a:r>
+            <a:r>
+              <a:rPr dirty="0"/>
+              <a:t> 2026</a:t>
             </a:r>
           </a:p>
         </p:txBody>
@@ -3168,7 +5966,7 @@
 </file>
 
 <file path=ppt/slides/slide10.xml><?xml version="1.0" encoding="utf-8"?>
-<p:sld xmlns:a="http://schemas.openxmlformats.org/drawingml/2006/main" xmlns:p="http://schemas.openxmlformats.org/presentationml/2006/main" xmlns:r="http://schemas.openxmlformats.org/officeDocument/2006/relationships">
+<p:sld xmlns:a="http://schemas.openxmlformats.org/drawingml/2006/main" xmlns:r="http://schemas.openxmlformats.org/officeDocument/2006/relationships" xmlns:p="http://schemas.openxmlformats.org/presentationml/2006/main">
   <p:cSld>
     <p:spTree>
       <p:nvGrpSpPr>
@@ -3176,7 +5974,14 @@
         <p:cNvGrpSpPr/>
         <p:nvPr/>
       </p:nvGrpSpPr>
-      <p:grpSpPr/>
+      <p:grpSpPr>
+        <a:xfrm>
+          <a:off x="0" y="0"/>
+          <a:ext cx="0" cy="0"/>
+          <a:chOff x="0" y="0"/>
+          <a:chExt cx="0" cy="0"/>
+        </a:xfrm>
+      </p:grpSpPr>
       <p:sp>
         <p:nvSpPr>
           <p:cNvPr id="2" name="Title 1"/>
@@ -3214,7 +6019,7 @@
           <a:lstStyle/>
           <a:p>
             <a:pPr>
-              <a:defRPr b="1" sz="2000"/>
+              <a:defRPr sz="2000" b="1"/>
             </a:pPr>
             <a:r>
               <a:t>Aplicație funcțională cu:</a:t>
@@ -3254,7 +6059,7 @@
           </a:p>
           <a:p>
             <a:pPr>
-              <a:defRPr b="1" sz="2000"/>
+              <a:defRPr sz="2000" b="1"/>
             </a:pPr>
             <a:r>
               <a:t>Performanță:</a:t>
@@ -3294,7 +6099,7 @@
           </a:p>
           <a:p>
             <a:pPr>
-              <a:defRPr b="1" sz="2000"/>
+              <a:defRPr sz="2000" b="1"/>
             </a:pPr>
             <a:r>
               <a:t>Bonus:</a:t>
@@ -3327,7 +6132,7 @@
 </file>
 
 <file path=ppt/slides/slide11.xml><?xml version="1.0" encoding="utf-8"?>
-<p:sld xmlns:a="http://schemas.openxmlformats.org/drawingml/2006/main" xmlns:p="http://schemas.openxmlformats.org/presentationml/2006/main" xmlns:r="http://schemas.openxmlformats.org/officeDocument/2006/relationships">
+<p:sld xmlns:a="http://schemas.openxmlformats.org/drawingml/2006/main" xmlns:r="http://schemas.openxmlformats.org/officeDocument/2006/relationships" xmlns:p="http://schemas.openxmlformats.org/presentationml/2006/main">
   <p:cSld>
     <p:spTree>
       <p:nvGrpSpPr>
@@ -3335,7 +6140,14 @@
         <p:cNvGrpSpPr/>
         <p:nvPr/>
       </p:nvGrpSpPr>
-      <p:grpSpPr/>
+      <p:grpSpPr>
+        <a:xfrm>
+          <a:off x="0" y="0"/>
+          <a:ext cx="0" cy="0"/>
+          <a:chOff x="0" y="0"/>
+          <a:chExt cx="0" cy="0"/>
+        </a:xfrm>
+      </p:grpSpPr>
       <p:sp>
         <p:nvSpPr>
           <p:cNvPr id="2" name="Title 1"/>
@@ -3373,7 +6185,7 @@
           <a:lstStyle/>
           <a:p>
             <a:pPr>
-              <a:defRPr b="1" sz="2000"/>
+              <a:defRPr sz="2000" b="1"/>
             </a:pPr>
             <a:r>
               <a:t>Îmbunătățiri planificate:</a:t>
@@ -3430,7 +6242,7 @@
 </file>
 
 <file path=ppt/slides/slide12.xml><?xml version="1.0" encoding="utf-8"?>
-<p:sld xmlns:a="http://schemas.openxmlformats.org/drawingml/2006/main" xmlns:p="http://schemas.openxmlformats.org/presentationml/2006/main" xmlns:r="http://schemas.openxmlformats.org/officeDocument/2006/relationships">
+<p:sld xmlns:a="http://schemas.openxmlformats.org/drawingml/2006/main" xmlns:r="http://schemas.openxmlformats.org/officeDocument/2006/relationships" xmlns:p="http://schemas.openxmlformats.org/presentationml/2006/main">
   <p:cSld>
     <p:spTree>
       <p:nvGrpSpPr>
@@ -3438,7 +6250,14 @@
         <p:cNvGrpSpPr/>
         <p:nvPr/>
       </p:nvGrpSpPr>
-      <p:grpSpPr/>
+      <p:grpSpPr>
+        <a:xfrm>
+          <a:off x="0" y="0"/>
+          <a:ext cx="0" cy="0"/>
+          <a:chOff x="0" y="0"/>
+          <a:chExt cx="0" cy="0"/>
+        </a:xfrm>
+      </p:grpSpPr>
       <p:sp>
         <p:nvSpPr>
           <p:cNvPr id="2" name="Title 1"/>
@@ -3476,7 +6295,7 @@
           <a:lstStyle/>
           <a:p>
             <a:pPr>
-              <a:defRPr b="1" sz="2000"/>
+              <a:defRPr sz="2000" b="1"/>
             </a:pPr>
             <a:r>
               <a:t>Tehnic</a:t>
@@ -3508,7 +6327,7 @@
           </a:p>
           <a:p>
             <a:pPr>
-              <a:defRPr b="1" sz="2000"/>
+              <a:defRPr sz="2000" b="1"/>
             </a:pPr>
             <a:r>
               <a:t>Lucru în echipă</a:t>
@@ -3557,7 +6376,7 @@
 </file>
 
 <file path=ppt/slides/slide13.xml><?xml version="1.0" encoding="utf-8"?>
-<p:sld xmlns:a="http://schemas.openxmlformats.org/drawingml/2006/main" xmlns:p="http://schemas.openxmlformats.org/presentationml/2006/main" xmlns:r="http://schemas.openxmlformats.org/officeDocument/2006/relationships">
+<p:sld xmlns:a="http://schemas.openxmlformats.org/drawingml/2006/main" xmlns:r="http://schemas.openxmlformats.org/officeDocument/2006/relationships" xmlns:p="http://schemas.openxmlformats.org/presentationml/2006/main">
   <p:cSld>
     <p:spTree>
       <p:nvGrpSpPr>
@@ -3565,7 +6384,14 @@
         <p:cNvGrpSpPr/>
         <p:nvPr/>
       </p:nvGrpSpPr>
-      <p:grpSpPr/>
+      <p:grpSpPr>
+        <a:xfrm>
+          <a:off x="0" y="0"/>
+          <a:ext cx="0" cy="0"/>
+          <a:chOff x="0" y="0"/>
+          <a:chExt cx="0" cy="0"/>
+        </a:xfrm>
+      </p:grpSpPr>
       <p:sp>
         <p:nvSpPr>
           <p:cNvPr id="2" name="Title 1"/>
@@ -3580,7 +6406,9 @@
         <p:txBody>
           <a:bodyPr/>
           <a:lstStyle/>
-          <a:p/>
+          <a:p>
+            <a:endParaRPr/>
+          </a:p>
         </p:txBody>
       </p:sp>
       <p:sp>
@@ -3633,8 +6461,20 @@
                 <a:tableStyleId>{5C22544A-7EE6-4342-B048-85BDC9FD1C3A}</a:tableStyleId>
               </a:tblPr>
               <a:tblGrid>
-                <a:gridCol w="2743200"/>
-                <a:gridCol w="2743200"/>
+                <a:gridCol w="2743200">
+                  <a:extLst>
+                    <a:ext uri="{9D8B030D-6E8A-4147-A177-3AD203B41FA5}">
+                      <a16:colId xmlns:a16="http://schemas.microsoft.com/office/drawing/2014/main" val="20000"/>
+                    </a:ext>
+                  </a:extLst>
+                </a:gridCol>
+                <a:gridCol w="2743200">
+                  <a:extLst>
+                    <a:ext uri="{9D8B030D-6E8A-4147-A177-3AD203B41FA5}">
+                      <a16:colId xmlns:a16="http://schemas.microsoft.com/office/drawing/2014/main" val="20001"/>
+                    </a:ext>
+                  </a:extLst>
+                </a:gridCol>
               </a:tblGrid>
               <a:tr h="685800">
                 <a:tc>
@@ -3643,7 +6483,7 @@
                     <a:lstStyle/>
                     <a:p>
                       <a:pPr>
-                        <a:defRPr b="1" sz="1400">
+                        <a:defRPr sz="1400" b="1">
                           <a:solidFill>
                             <a:srgbClr val="FFFFFF"/>
                           </a:solidFill>
@@ -3666,7 +6506,7 @@
                     <a:lstStyle/>
                     <a:p>
                       <a:pPr>
-                        <a:defRPr b="1" sz="1400">
+                        <a:defRPr sz="1400" b="1">
                           <a:solidFill>
                             <a:srgbClr val="FFFFFF"/>
                           </a:solidFill>
@@ -3683,6 +6523,11 @@
                     </a:solidFill>
                   </a:tcPr>
                 </a:tc>
+                <a:extLst>
+                  <a:ext uri="{0D108BD9-81ED-4DB2-BD59-A6C34878D82A}">
+                    <a16:rowId xmlns:a16="http://schemas.microsoft.com/office/drawing/2014/main" val="10000"/>
+                  </a:ext>
+                </a:extLst>
               </a:tr>
               <a:tr h="685800">
                 <a:tc>
@@ -3715,6 +6560,11 @@
                   </a:txBody>
                   <a:tcPr/>
                 </a:tc>
+                <a:extLst>
+                  <a:ext uri="{0D108BD9-81ED-4DB2-BD59-A6C34878D82A}">
+                    <a16:rowId xmlns:a16="http://schemas.microsoft.com/office/drawing/2014/main" val="10001"/>
+                  </a:ext>
+                </a:extLst>
               </a:tr>
               <a:tr h="685800">
                 <a:tc>
@@ -3747,6 +6597,11 @@
                   </a:txBody>
                   <a:tcPr/>
                 </a:tc>
+                <a:extLst>
+                  <a:ext uri="{0D108BD9-81ED-4DB2-BD59-A6C34878D82A}">
+                    <a16:rowId xmlns:a16="http://schemas.microsoft.com/office/drawing/2014/main" val="10002"/>
+                  </a:ext>
+                </a:extLst>
               </a:tr>
               <a:tr h="685800">
                 <a:tc>
@@ -3779,6 +6634,11 @@
                   </a:txBody>
                   <a:tcPr/>
                 </a:tc>
+                <a:extLst>
+                  <a:ext uri="{0D108BD9-81ED-4DB2-BD59-A6C34878D82A}">
+                    <a16:rowId xmlns:a16="http://schemas.microsoft.com/office/drawing/2014/main" val="10003"/>
+                  </a:ext>
+                </a:extLst>
               </a:tr>
             </a:tbl>
           </a:graphicData>
@@ -3793,7 +6653,7 @@
 </file>
 
 <file path=ppt/slides/slide14.xml><?xml version="1.0" encoding="utf-8"?>
-<p:sld xmlns:a="http://schemas.openxmlformats.org/drawingml/2006/main" xmlns:p="http://schemas.openxmlformats.org/presentationml/2006/main" xmlns:r="http://schemas.openxmlformats.org/officeDocument/2006/relationships">
+<p:sld xmlns:a="http://schemas.openxmlformats.org/drawingml/2006/main" xmlns:r="http://schemas.openxmlformats.org/officeDocument/2006/relationships" xmlns:p="http://schemas.openxmlformats.org/presentationml/2006/main">
   <p:cSld>
     <p:spTree>
       <p:nvGrpSpPr>
@@ -3801,7 +6661,14 @@
         <p:cNvGrpSpPr/>
         <p:nvPr/>
       </p:nvGrpSpPr>
-      <p:grpSpPr/>
+      <p:grpSpPr>
+        <a:xfrm>
+          <a:off x="0" y="0"/>
+          <a:ext cx="0" cy="0"/>
+          <a:chOff x="0" y="0"/>
+          <a:chExt cx="0" cy="0"/>
+        </a:xfrm>
+      </p:grpSpPr>
       <p:sp>
         <p:nvSpPr>
           <p:cNvPr id="2" name="Title 1"/>
@@ -3839,7 +6706,7 @@
           <a:lstStyle/>
           <a:p>
             <a:pPr>
-              <a:defRPr b="1" sz="2000"/>
+              <a:defRPr sz="2000" b="1"/>
             </a:pPr>
             <a:r>
               <a:t>Întrebări?</a:t>
@@ -3864,7 +6731,7 @@
 </file>
 
 <file path=ppt/slides/slide15.xml><?xml version="1.0" encoding="utf-8"?>
-<p:sld xmlns:a="http://schemas.openxmlformats.org/drawingml/2006/main" xmlns:p="http://schemas.openxmlformats.org/presentationml/2006/main" xmlns:r="http://schemas.openxmlformats.org/officeDocument/2006/relationships">
+<p:sld xmlns:a="http://schemas.openxmlformats.org/drawingml/2006/main" xmlns:r="http://schemas.openxmlformats.org/officeDocument/2006/relationships" xmlns:p="http://schemas.openxmlformats.org/presentationml/2006/main">
   <p:cSld>
     <p:spTree>
       <p:nvGrpSpPr>
@@ -3872,7 +6739,14 @@
         <p:cNvGrpSpPr/>
         <p:nvPr/>
       </p:nvGrpSpPr>
-      <p:grpSpPr/>
+      <p:grpSpPr>
+        <a:xfrm>
+          <a:off x="0" y="0"/>
+          <a:ext cx="0" cy="0"/>
+          <a:chOff x="0" y="0"/>
+          <a:chExt cx="0" cy="0"/>
+        </a:xfrm>
+      </p:grpSpPr>
       <p:sp>
         <p:nvSpPr>
           <p:cNvPr id="2" name="Title 1"/>
@@ -3887,7 +6761,9 @@
         <p:txBody>
           <a:bodyPr/>
           <a:lstStyle/>
-          <a:p/>
+          <a:p>
+            <a:endParaRPr/>
+          </a:p>
         </p:txBody>
       </p:sp>
       <p:sp>
@@ -3915,6 +6791,7 @@
             <a:pPr>
               <a:defRPr sz="3200" b="1"/>
             </a:pPr>
+            <a:endParaRPr/>
           </a:p>
         </p:txBody>
       </p:sp>
@@ -3927,7 +6804,7 @@
 </file>
 
 <file path=ppt/slides/slide2.xml><?xml version="1.0" encoding="utf-8"?>
-<p:sld xmlns:a="http://schemas.openxmlformats.org/drawingml/2006/main" xmlns:p="http://schemas.openxmlformats.org/presentationml/2006/main" xmlns:r="http://schemas.openxmlformats.org/officeDocument/2006/relationships">
+<p:sld xmlns:a="http://schemas.openxmlformats.org/drawingml/2006/main" xmlns:r="http://schemas.openxmlformats.org/officeDocument/2006/relationships" xmlns:p="http://schemas.openxmlformats.org/presentationml/2006/main">
   <p:cSld>
     <p:spTree>
       <p:nvGrpSpPr>
@@ -3935,7 +6812,14 @@
         <p:cNvGrpSpPr/>
         <p:nvPr/>
       </p:nvGrpSpPr>
-      <p:grpSpPr/>
+      <p:grpSpPr>
+        <a:xfrm>
+          <a:off x="0" y="0"/>
+          <a:ext cx="0" cy="0"/>
+          <a:chOff x="0" y="0"/>
+          <a:chExt cx="0" cy="0"/>
+        </a:xfrm>
+      </p:grpSpPr>
       <p:sp>
         <p:nvSpPr>
           <p:cNvPr id="2" name="Title 1"/>
@@ -3973,7 +6857,7 @@
           <a:lstStyle/>
           <a:p>
             <a:pPr>
-              <a:defRPr b="1" sz="2000"/>
+              <a:defRPr sz="2000" b="1"/>
             </a:pPr>
             <a:r>
               <a:t>Problema</a:t>
@@ -4013,7 +6897,7 @@
           </a:p>
           <a:p>
             <a:pPr>
-              <a:defRPr b="1" sz="2000"/>
+              <a:defRPr sz="2000" b="1"/>
             </a:pPr>
             <a:r>
               <a:t>Soluția</a:t>
@@ -4029,7 +6913,7 @@
           </a:p>
           <a:p>
             <a:pPr>
-              <a:defRPr b="1" sz="2000"/>
+              <a:defRPr sz="2000" b="1"/>
             </a:pPr>
             <a:r>
               <a:t>De ce este util?</a:t>
@@ -4070,7 +6954,7 @@
 </file>
 
 <file path=ppt/slides/slide3.xml><?xml version="1.0" encoding="utf-8"?>
-<p:sld xmlns:a="http://schemas.openxmlformats.org/drawingml/2006/main" xmlns:p="http://schemas.openxmlformats.org/presentationml/2006/main" xmlns:r="http://schemas.openxmlformats.org/officeDocument/2006/relationships">
+<p:sld xmlns:a="http://schemas.openxmlformats.org/drawingml/2006/main" xmlns:r="http://schemas.openxmlformats.org/officeDocument/2006/relationships" xmlns:p="http://schemas.openxmlformats.org/presentationml/2006/main">
   <p:cSld>
     <p:spTree>
       <p:nvGrpSpPr>
@@ -4078,7 +6962,14 @@
         <p:cNvGrpSpPr/>
         <p:nvPr/>
       </p:nvGrpSpPr>
-      <p:grpSpPr/>
+      <p:grpSpPr>
+        <a:xfrm>
+          <a:off x="0" y="0"/>
+          <a:ext cx="0" cy="0"/>
+          <a:chOff x="0" y="0"/>
+          <a:chExt cx="0" cy="0"/>
+        </a:xfrm>
+      </p:grpSpPr>
       <p:sp>
         <p:nvSpPr>
           <p:cNvPr id="2" name="Title 1"/>
@@ -4116,7 +7007,7 @@
           <a:lstStyle/>
           <a:p>
             <a:pPr>
-              <a:defRPr b="1" sz="2000"/>
+              <a:defRPr sz="2000" b="1"/>
             </a:pPr>
             <a:r>
               <a:t>Tehnologii folosite</a:t>
@@ -4197,7 +7088,7 @@
 </file>
 
 <file path=ppt/slides/slide4.xml><?xml version="1.0" encoding="utf-8"?>
-<p:sld xmlns:a="http://schemas.openxmlformats.org/drawingml/2006/main" xmlns:p="http://schemas.openxmlformats.org/presentationml/2006/main" xmlns:r="http://schemas.openxmlformats.org/officeDocument/2006/relationships">
+<p:sld xmlns:a="http://schemas.openxmlformats.org/drawingml/2006/main" xmlns:r="http://schemas.openxmlformats.org/officeDocument/2006/relationships" xmlns:p="http://schemas.openxmlformats.org/presentationml/2006/main">
   <p:cSld>
     <p:spTree>
       <p:nvGrpSpPr>
@@ -4205,7 +7096,14 @@
         <p:cNvGrpSpPr/>
         <p:nvPr/>
       </p:nvGrpSpPr>
-      <p:grpSpPr/>
+      <p:grpSpPr>
+        <a:xfrm>
+          <a:off x="0" y="0"/>
+          <a:ext cx="0" cy="0"/>
+          <a:chOff x="0" y="0"/>
+          <a:chExt cx="0" cy="0"/>
+        </a:xfrm>
+      </p:grpSpPr>
       <p:sp>
         <p:nvSpPr>
           <p:cNvPr id="2" name="Title 1"/>
@@ -4243,7 +7141,7 @@
           <a:lstStyle/>
           <a:p>
             <a:pPr>
-              <a:defRPr b="1" sz="2000"/>
+              <a:defRPr sz="2000" b="1"/>
             </a:pPr>
             <a:r>
               <a:t>3 Module Principale</a:t>
@@ -4356,7 +7254,7 @@
 </file>
 
 <file path=ppt/slides/slide5.xml><?xml version="1.0" encoding="utf-8"?>
-<p:sld xmlns:a="http://schemas.openxmlformats.org/drawingml/2006/main" xmlns:p="http://schemas.openxmlformats.org/presentationml/2006/main" xmlns:r="http://schemas.openxmlformats.org/officeDocument/2006/relationships">
+<p:sld xmlns:a="http://schemas.openxmlformats.org/drawingml/2006/main" xmlns:r="http://schemas.openxmlformats.org/officeDocument/2006/relationships" xmlns:p="http://schemas.openxmlformats.org/presentationml/2006/main">
   <p:cSld>
     <p:spTree>
       <p:nvGrpSpPr>
@@ -4364,7 +7262,14 @@
         <p:cNvGrpSpPr/>
         <p:nvPr/>
       </p:nvGrpSpPr>
-      <p:grpSpPr/>
+      <p:grpSpPr>
+        <a:xfrm>
+          <a:off x="0" y="0"/>
+          <a:ext cx="0" cy="0"/>
+          <a:chOff x="0" y="0"/>
+          <a:chExt cx="0" cy="0"/>
+        </a:xfrm>
+      </p:grpSpPr>
       <p:sp>
         <p:nvSpPr>
           <p:cNvPr id="2" name="Title 1"/>
@@ -4402,7 +7307,7 @@
           <a:lstStyle/>
           <a:p>
             <a:pPr>
-              <a:defRPr b="1" sz="2000"/>
+              <a:defRPr sz="2000" b="1"/>
             </a:pPr>
             <a:r>
               <a:t>Cum funcționează "creierul" aplicației?</a:t>
@@ -4491,7 +7396,7 @@
 </file>
 
 <file path=ppt/slides/slide6.xml><?xml version="1.0" encoding="utf-8"?>
-<p:sld xmlns:a="http://schemas.openxmlformats.org/drawingml/2006/main" xmlns:p="http://schemas.openxmlformats.org/presentationml/2006/main" xmlns:r="http://schemas.openxmlformats.org/officeDocument/2006/relationships">
+<p:sld xmlns:a="http://schemas.openxmlformats.org/drawingml/2006/main" xmlns:r="http://schemas.openxmlformats.org/officeDocument/2006/relationships" xmlns:p="http://schemas.openxmlformats.org/presentationml/2006/main">
   <p:cSld>
     <p:spTree>
       <p:nvGrpSpPr>
@@ -4499,7 +7404,14 @@
         <p:cNvGrpSpPr/>
         <p:nvPr/>
       </p:nvGrpSpPr>
-      <p:grpSpPr/>
+      <p:grpSpPr>
+        <a:xfrm>
+          <a:off x="0" y="0"/>
+          <a:ext cx="0" cy="0"/>
+          <a:chOff x="0" y="0"/>
+          <a:chExt cx="0" cy="0"/>
+        </a:xfrm>
+      </p:grpSpPr>
       <p:sp>
         <p:nvSpPr>
           <p:cNvPr id="2" name="Title 1"/>
@@ -4537,7 +7449,7 @@
           <a:lstStyle/>
           <a:p>
             <a:pPr>
-              <a:defRPr b="1" sz="2000"/>
+              <a:defRPr sz="2000" b="1"/>
             </a:pPr>
             <a:r>
               <a:t>🔴 Problema 1: Date incomplete</a:t>
@@ -4618,7 +7530,7 @@
 </file>
 
 <file path=ppt/slides/slide7.xml><?xml version="1.0" encoding="utf-8"?>
-<p:sld xmlns:a="http://schemas.openxmlformats.org/drawingml/2006/main" xmlns:p="http://schemas.openxmlformats.org/presentationml/2006/main" xmlns:r="http://schemas.openxmlformats.org/officeDocument/2006/relationships">
+<p:sld xmlns:a="http://schemas.openxmlformats.org/drawingml/2006/main" xmlns:r="http://schemas.openxmlformats.org/officeDocument/2006/relationships" xmlns:p="http://schemas.openxmlformats.org/presentationml/2006/main">
   <p:cSld>
     <p:spTree>
       <p:nvGrpSpPr>
@@ -4626,7 +7538,14 @@
         <p:cNvGrpSpPr/>
         <p:nvPr/>
       </p:nvGrpSpPr>
-      <p:grpSpPr/>
+      <p:grpSpPr>
+        <a:xfrm>
+          <a:off x="0" y="0"/>
+          <a:ext cx="0" cy="0"/>
+          <a:chOff x="0" y="0"/>
+          <a:chExt cx="0" cy="0"/>
+        </a:xfrm>
+      </p:grpSpPr>
       <p:sp>
         <p:nvSpPr>
           <p:cNvPr id="2" name="Title 1"/>
@@ -4664,7 +7583,7 @@
           <a:lstStyle/>
           <a:p>
             <a:pPr>
-              <a:defRPr b="1" sz="2000"/>
+              <a:defRPr sz="2000" b="1"/>
             </a:pPr>
             <a:r>
               <a:t>🔴 Problema 2: Modelul învăța greșit</a:t>
@@ -4745,7 +7664,7 @@
 </file>
 
 <file path=ppt/slides/slide8.xml><?xml version="1.0" encoding="utf-8"?>
-<p:sld xmlns:a="http://schemas.openxmlformats.org/drawingml/2006/main" xmlns:p="http://schemas.openxmlformats.org/presentationml/2006/main" xmlns:r="http://schemas.openxmlformats.org/officeDocument/2006/relationships">
+<p:sld xmlns:a="http://schemas.openxmlformats.org/drawingml/2006/main" xmlns:r="http://schemas.openxmlformats.org/officeDocument/2006/relationships" xmlns:p="http://schemas.openxmlformats.org/presentationml/2006/main">
   <p:cSld>
     <p:spTree>
       <p:nvGrpSpPr>
@@ -4753,7 +7672,14 @@
         <p:cNvGrpSpPr/>
         <p:nvPr/>
       </p:nvGrpSpPr>
-      <p:grpSpPr/>
+      <p:grpSpPr>
+        <a:xfrm>
+          <a:off x="0" y="0"/>
+          <a:ext cx="0" cy="0"/>
+          <a:chOff x="0" y="0"/>
+          <a:chExt cx="0" cy="0"/>
+        </a:xfrm>
+      </p:grpSpPr>
       <p:sp>
         <p:nvSpPr>
           <p:cNvPr id="2" name="Title 1"/>
@@ -4791,7 +7717,7 @@
           <a:lstStyle/>
           <a:p>
             <a:pPr>
-              <a:defRPr b="1" sz="2000"/>
+              <a:defRPr sz="2000" b="1"/>
             </a:pPr>
             <a:r>
               <a:t>🔴 Problema 3: Colaborare în echipă</a:t>
@@ -4880,7 +7806,7 @@
 </file>
 
 <file path=ppt/slides/slide9.xml><?xml version="1.0" encoding="utf-8"?>
-<p:sld xmlns:a="http://schemas.openxmlformats.org/drawingml/2006/main" xmlns:p="http://schemas.openxmlformats.org/presentationml/2006/main" xmlns:r="http://schemas.openxmlformats.org/officeDocument/2006/relationships">
+<p:sld xmlns:a="http://schemas.openxmlformats.org/drawingml/2006/main" xmlns:r="http://schemas.openxmlformats.org/officeDocument/2006/relationships" xmlns:p="http://schemas.openxmlformats.org/presentationml/2006/main">
   <p:cSld>
     <p:spTree>
       <p:nvGrpSpPr>
@@ -4888,7 +7814,14 @@
         <p:cNvGrpSpPr/>
         <p:nvPr/>
       </p:nvGrpSpPr>
-      <p:grpSpPr/>
+      <p:grpSpPr>
+        <a:xfrm>
+          <a:off x="0" y="0"/>
+          <a:ext cx="0" cy="0"/>
+          <a:chOff x="0" y="0"/>
+          <a:chExt cx="0" cy="0"/>
+        </a:xfrm>
+      </p:grpSpPr>
       <p:sp>
         <p:nvSpPr>
           <p:cNvPr id="2" name="Title 1"/>
@@ -4926,7 +7859,7 @@
           <a:lstStyle/>
           <a:p>
             <a:pPr>
-              <a:defRPr b="1" sz="2000"/>
+              <a:defRPr sz="2000" b="1"/>
             </a:pPr>
             <a:r>
               <a:t>🔴 Problema 4: Interface-ul se comporta ciudat</a:t>
@@ -5007,9 +7940,9 @@
 </file>
 
 <file path=ppt/theme/theme1.xml><?xml version="1.0" encoding="utf-8"?>
-<a:theme xmlns:a="http://schemas.openxmlformats.org/drawingml/2006/main" name="Office Theme">
+<a:theme xmlns:a="http://schemas.openxmlformats.org/drawingml/2006/main" name="Adâncime">
   <a:themeElements>
-    <a:clrScheme name="Office">
+    <a:clrScheme name="Adâncime">
       <a:dk1>
         <a:sysClr val="windowText" lastClr="000000"/>
       </a:dk1>
@@ -5017,52 +7950,52 @@
         <a:sysClr val="window" lastClr="FFFFFF"/>
       </a:lt1>
       <a:dk2>
-        <a:srgbClr val="1F497D"/>
+        <a:srgbClr val="455F51"/>
       </a:dk2>
       <a:lt2>
-        <a:srgbClr val="EEECE1"/>
+        <a:srgbClr val="94D7E4"/>
       </a:lt2>
       <a:accent1>
-        <a:srgbClr val="4F81BD"/>
+        <a:srgbClr val="41AEBD"/>
       </a:accent1>
       <a:accent2>
-        <a:srgbClr val="C0504D"/>
+        <a:srgbClr val="97E9D5"/>
       </a:accent2>
       <a:accent3>
-        <a:srgbClr val="9BBB59"/>
+        <a:srgbClr val="A2CF49"/>
       </a:accent3>
       <a:accent4>
-        <a:srgbClr val="8064A2"/>
+        <a:srgbClr val="608F3D"/>
       </a:accent4>
       <a:accent5>
-        <a:srgbClr val="4BACC6"/>
+        <a:srgbClr val="F4DE3A"/>
       </a:accent5>
       <a:accent6>
-        <a:srgbClr val="F79646"/>
+        <a:srgbClr val="FCB11C"/>
       </a:accent6>
       <a:hlink>
-        <a:srgbClr val="0000FF"/>
+        <a:srgbClr val="FBCA98"/>
       </a:hlink>
       <a:folHlink>
-        <a:srgbClr val="800080"/>
+        <a:srgbClr val="D3B86D"/>
       </a:folHlink>
     </a:clrScheme>
-    <a:fontScheme name="Office">
+    <a:fontScheme name="Adâncime">
       <a:majorFont>
-        <a:latin typeface="Calibri"/>
+        <a:latin typeface="Corbel" panose="020B0503020204020204"/>
         <a:ea typeface=""/>
         <a:cs typeface=""/>
-        <a:font script="Jpan" typeface="ＭＳ Ｐゴシック"/>
-        <a:font script="Hang" typeface="맑은 고딕"/>
-        <a:font script="Hans" typeface="宋体"/>
+        <a:font script="Jpan" typeface="メイリオ"/>
+        <a:font script="Hang" typeface="HY엽서L"/>
+        <a:font script="Hans" typeface="华文楷体"/>
         <a:font script="Hant" typeface="新細明體"/>
-        <a:font script="Arab" typeface="Times New Roman"/>
-        <a:font script="Hebr" typeface="Times New Roman"/>
-        <a:font script="Thai" typeface="Angsana New"/>
+        <a:font script="Arab" typeface="Tahoma"/>
+        <a:font script="Hebr" typeface="Miriam"/>
+        <a:font script="Thai" typeface="DilleniaUPC"/>
         <a:font script="Ethi" typeface="Nyala"/>
         <a:font script="Beng" typeface="Vrinda"/>
         <a:font script="Gujr" typeface="Shruti"/>
-        <a:font script="Khmr" typeface="MoolBoran"/>
+        <a:font script="Khmr" typeface="DaunPenh"/>
         <a:font script="Knda" typeface="Tunga"/>
         <a:font script="Guru" typeface="Raavi"/>
         <a:font script="Cans" typeface="Euphemia"/>
@@ -5079,21 +8012,21 @@
         <a:font script="Laoo" typeface="DokChampa"/>
         <a:font script="Sinh" typeface="Iskoola Pota"/>
         <a:font script="Mong" typeface="Mongolian Baiti"/>
-        <a:font script="Viet" typeface="Times New Roman"/>
+        <a:font script="Viet" typeface="Arial"/>
         <a:font script="Uigh" typeface="Microsoft Uighur"/>
         <a:font script="Geor" typeface="Sylfaen"/>
       </a:majorFont>
       <a:minorFont>
-        <a:latin typeface="Calibri"/>
+        <a:latin typeface="Corbel" panose="020B0503020204020204"/>
         <a:ea typeface=""/>
         <a:cs typeface=""/>
-        <a:font script="Jpan" typeface="ＭＳ Ｐゴシック"/>
-        <a:font script="Hang" typeface="맑은 고딕"/>
-        <a:font script="Hans" typeface="宋体"/>
+        <a:font script="Jpan" typeface="メイリオ"/>
+        <a:font script="Hang" typeface="HY엽서L"/>
+        <a:font script="Hans" typeface="华文楷体"/>
         <a:font script="Hant" typeface="新細明體"/>
-        <a:font script="Arab" typeface="Arial"/>
-        <a:font script="Hebr" typeface="Arial"/>
-        <a:font script="Thai" typeface="Cordia New"/>
+        <a:font script="Arab" typeface="Tahoma"/>
+        <a:font script="Hebr" typeface="Miriam"/>
+        <a:font script="Thai" typeface="DilleniaUPC"/>
         <a:font script="Ethi" typeface="Nyala"/>
         <a:font script="Beng" typeface="Vrinda"/>
         <a:font script="Gujr" typeface="Shruti"/>
@@ -5119,7 +8052,7 @@
         <a:font script="Geor" typeface="Sylfaen"/>
       </a:minorFont>
     </a:fontScheme>
-    <a:fmtScheme name="Office">
+    <a:fmtScheme name="Adâncime">
       <a:fillStyleLst>
         <a:solidFill>
           <a:schemeClr val="phClr"/>
@@ -5128,200 +8061,141 @@
           <a:gsLst>
             <a:gs pos="0">
               <a:schemeClr val="phClr">
-                <a:tint val="50000"/>
-                <a:satMod val="300000"/>
+                <a:lumMod val="110000"/>
+                <a:satMod val="105000"/>
+                <a:tint val="67000"/>
               </a:schemeClr>
             </a:gs>
-            <a:gs pos="35000">
+            <a:gs pos="50000">
               <a:schemeClr val="phClr">
-                <a:tint val="37000"/>
-                <a:satMod val="300000"/>
+                <a:lumMod val="105000"/>
+                <a:satMod val="103000"/>
+                <a:tint val="73000"/>
               </a:schemeClr>
             </a:gs>
             <a:gs pos="100000">
               <a:schemeClr val="phClr">
-                <a:tint val="15000"/>
-                <a:satMod val="350000"/>
+                <a:lumMod val="105000"/>
+                <a:satMod val="109000"/>
+                <a:tint val="81000"/>
               </a:schemeClr>
             </a:gs>
           </a:gsLst>
-          <a:lin ang="16200000" scaled="1"/>
+          <a:lin ang="5400000" scaled="0"/>
         </a:gradFill>
         <a:gradFill rotWithShape="1">
           <a:gsLst>
             <a:gs pos="0">
               <a:schemeClr val="phClr">
-                <a:tint val="100000"/>
+                <a:satMod val="103000"/>
+                <a:lumMod val="102000"/>
+                <a:tint val="94000"/>
+              </a:schemeClr>
+            </a:gs>
+            <a:gs pos="50000">
+              <a:schemeClr val="phClr">
+                <a:satMod val="110000"/>
+                <a:lumMod val="100000"/>
                 <a:shade val="100000"/>
-                <a:satMod val="130000"/>
               </a:schemeClr>
             </a:gs>
             <a:gs pos="100000">
               <a:schemeClr val="phClr">
-                <a:tint val="50000"/>
-                <a:shade val="100000"/>
-                <a:satMod val="350000"/>
+                <a:lumMod val="99000"/>
+                <a:satMod val="120000"/>
+                <a:shade val="78000"/>
               </a:schemeClr>
             </a:gs>
           </a:gsLst>
-          <a:lin ang="16200000" scaled="0"/>
+          <a:lin ang="5400000" scaled="0"/>
         </a:gradFill>
       </a:fillStyleLst>
       <a:lnStyleLst>
-        <a:ln w="9525" cap="flat" cmpd="sng" algn="ctr">
-          <a:solidFill>
-            <a:schemeClr val="phClr">
-              <a:shade val="95000"/>
-              <a:satMod val="105000"/>
-            </a:schemeClr>
-          </a:solidFill>
-          <a:prstDash val="solid"/>
-        </a:ln>
-        <a:ln w="25400" cap="flat" cmpd="sng" algn="ctr">
+        <a:ln w="6350" cap="flat" cmpd="sng" algn="ctr">
           <a:solidFill>
             <a:schemeClr val="phClr"/>
           </a:solidFill>
           <a:prstDash val="solid"/>
+          <a:miter lim="800000"/>
         </a:ln>
-        <a:ln w="38100" cap="flat" cmpd="sng" algn="ctr">
+        <a:ln w="12700" cap="flat" cmpd="sng" algn="ctr">
           <a:solidFill>
             <a:schemeClr val="phClr"/>
           </a:solidFill>
           <a:prstDash val="solid"/>
+          <a:miter lim="800000"/>
+        </a:ln>
+        <a:ln w="19050" cap="flat" cmpd="sng" algn="ctr">
+          <a:solidFill>
+            <a:schemeClr val="phClr"/>
+          </a:solidFill>
+          <a:prstDash val="solid"/>
+          <a:miter lim="800000"/>
         </a:ln>
       </a:lnStyleLst>
       <a:effectStyleLst>
         <a:effectStyle>
+          <a:effectLst/>
+        </a:effectStyle>
+        <a:effectStyle>
+          <a:effectLst/>
+        </a:effectStyle>
+        <a:effectStyle>
           <a:effectLst>
-            <a:outerShdw blurRad="40000" dist="20000" dir="5400000" rotWithShape="0">
+            <a:outerShdw blurRad="57150" dist="19050" dir="5400000" algn="ctr" rotWithShape="0">
               <a:srgbClr val="000000">
-                <a:alpha val="38000"/>
+                <a:alpha val="63000"/>
               </a:srgbClr>
             </a:outerShdw>
           </a:effectLst>
-        </a:effectStyle>
-        <a:effectStyle>
-          <a:effectLst>
-            <a:outerShdw blurRad="40000" dist="23000" dir="5400000" rotWithShape="0">
-              <a:srgbClr val="000000">
-                <a:alpha val="35000"/>
-              </a:srgbClr>
-            </a:outerShdw>
-          </a:effectLst>
-        </a:effectStyle>
-        <a:effectStyle>
-          <a:effectLst>
-            <a:outerShdw blurRad="40000" dist="23000" dir="5400000" rotWithShape="0">
-              <a:srgbClr val="000000">
-                <a:alpha val="35000"/>
-              </a:srgbClr>
-            </a:outerShdw>
-          </a:effectLst>
-          <a:scene3d>
-            <a:camera prst="orthographicFront">
-              <a:rot lat="0" lon="0" rev="0"/>
-            </a:camera>
-            <a:lightRig rig="threePt" dir="t">
-              <a:rot lat="0" lon="0" rev="1200000"/>
-            </a:lightRig>
-          </a:scene3d>
-          <a:sp3d>
-            <a:bevelT w="63500" h="25400"/>
-          </a:sp3d>
         </a:effectStyle>
       </a:effectStyleLst>
       <a:bgFillStyleLst>
         <a:solidFill>
           <a:schemeClr val="phClr"/>
         </a:solidFill>
+        <a:solidFill>
+          <a:schemeClr val="phClr">
+            <a:tint val="95000"/>
+            <a:satMod val="170000"/>
+          </a:schemeClr>
+        </a:solidFill>
         <a:gradFill rotWithShape="1">
           <a:gsLst>
             <a:gs pos="0">
               <a:schemeClr val="phClr">
-                <a:tint val="40000"/>
-                <a:satMod val="350000"/>
+                <a:tint val="93000"/>
+                <a:satMod val="150000"/>
+                <a:shade val="98000"/>
+                <a:lumMod val="102000"/>
               </a:schemeClr>
             </a:gs>
-            <a:gs pos="40000">
+            <a:gs pos="50000">
               <a:schemeClr val="phClr">
-                <a:tint val="45000"/>
-                <a:shade val="99000"/>
-                <a:satMod val="350000"/>
+                <a:tint val="98000"/>
+                <a:satMod val="130000"/>
+                <a:shade val="90000"/>
+                <a:lumMod val="103000"/>
               </a:schemeClr>
             </a:gs>
             <a:gs pos="100000">
               <a:schemeClr val="phClr">
-                <a:shade val="20000"/>
-                <a:satMod val="255000"/>
+                <a:shade val="63000"/>
+                <a:satMod val="120000"/>
               </a:schemeClr>
             </a:gs>
           </a:gsLst>
-          <a:path path="circle">
-            <a:fillToRect l="50000" t="-80000" r="50000" b="180000"/>
-          </a:path>
-        </a:gradFill>
-        <a:gradFill rotWithShape="1">
-          <a:gsLst>
-            <a:gs pos="0">
-              <a:schemeClr val="phClr">
-                <a:tint val="80000"/>
-                <a:satMod val="300000"/>
-              </a:schemeClr>
-            </a:gs>
-            <a:gs pos="100000">
-              <a:schemeClr val="phClr">
-                <a:shade val="30000"/>
-                <a:satMod val="200000"/>
-              </a:schemeClr>
-            </a:gs>
-          </a:gsLst>
-          <a:path path="circle">
-            <a:fillToRect l="50000" t="50000" r="50000" b="50000"/>
-          </a:path>
+          <a:lin ang="5400000" scaled="0"/>
         </a:gradFill>
       </a:bgFillStyleLst>
     </a:fmtScheme>
   </a:themeElements>
-  <a:objectDefaults>
-    <a:spDef>
-      <a:spPr/>
-      <a:bodyPr/>
-      <a:lstStyle/>
-      <a:style>
-        <a:lnRef idx="1">
-          <a:schemeClr val="accent1"/>
-        </a:lnRef>
-        <a:fillRef idx="3">
-          <a:schemeClr val="accent1"/>
-        </a:fillRef>
-        <a:effectRef idx="2">
-          <a:schemeClr val="accent1"/>
-        </a:effectRef>
-        <a:fontRef idx="minor">
-          <a:schemeClr val="lt1"/>
-        </a:fontRef>
-      </a:style>
-    </a:spDef>
-    <a:lnDef>
-      <a:spPr/>
-      <a:bodyPr/>
-      <a:lstStyle/>
-      <a:style>
-        <a:lnRef idx="2">
-          <a:schemeClr val="accent1"/>
-        </a:lnRef>
-        <a:fillRef idx="0">
-          <a:schemeClr val="accent1"/>
-        </a:fillRef>
-        <a:effectRef idx="1">
-          <a:schemeClr val="accent1"/>
-        </a:effectRef>
-        <a:fontRef idx="minor">
-          <a:schemeClr val="tx1"/>
-        </a:fontRef>
-      </a:style>
-    </a:lnDef>
-  </a:objectDefaults>
+  <a:objectDefaults/>
   <a:extraClrSchemeLst/>
+  <a:extLst>
+    <a:ext uri="{05A4C25C-085E-4340-85A3-A5531E510DB2}">
+      <thm15:themeFamily xmlns:thm15="http://schemas.microsoft.com/office/thememl/2012/main" name="Depth" id="{7BEAFC2A-325C-49C4-AC08-2B765DA903F9}" vid="{1735E755-43E6-43AA-ABA2-C989ECC79AF5}"/>
+    </a:ext>
+  </a:extLst>
 </a:theme>
 </file>